--- a/lectures/lec10_mem.pptx
+++ b/lectures/lec10_mem.pptx
@@ -3,54 +3,53 @@
 <p:presentation xmlns:a="http://schemas.openxmlformats.org/drawingml/2006/main" xmlns:r="http://schemas.openxmlformats.org/officeDocument/2006/relationships" xmlns:p="http://schemas.openxmlformats.org/presentationml/2006/main" showSpecialPlsOnTitleSld="0" saveSubsetFonts="1">
   <p:sldMasterIdLst>
     <p:sldMasterId id="2147483682" r:id="rId1"/>
-    <p:sldMasterId id="2147483686" r:id="rId2"/>
   </p:sldMasterIdLst>
   <p:notesMasterIdLst>
-    <p:notesMasterId r:id="rId45"/>
+    <p:notesMasterId r:id="rId44"/>
   </p:notesMasterIdLst>
   <p:sldIdLst>
-    <p:sldId id="2991" r:id="rId3"/>
-    <p:sldId id="2967" r:id="rId4"/>
-    <p:sldId id="2737" r:id="rId5"/>
-    <p:sldId id="2879" r:id="rId6"/>
-    <p:sldId id="2884" r:id="rId7"/>
-    <p:sldId id="2738" r:id="rId8"/>
-    <p:sldId id="2739" r:id="rId9"/>
-    <p:sldId id="2740" r:id="rId10"/>
-    <p:sldId id="2741" r:id="rId11"/>
-    <p:sldId id="2742" r:id="rId12"/>
-    <p:sldId id="2752" r:id="rId13"/>
-    <p:sldId id="2968" r:id="rId14"/>
-    <p:sldId id="2755" r:id="rId15"/>
-    <p:sldId id="2756" r:id="rId16"/>
-    <p:sldId id="2757" r:id="rId17"/>
-    <p:sldId id="2758" r:id="rId18"/>
-    <p:sldId id="2759" r:id="rId19"/>
-    <p:sldId id="2760" r:id="rId20"/>
-    <p:sldId id="2762" r:id="rId21"/>
-    <p:sldId id="2763" r:id="rId22"/>
-    <p:sldId id="2764" r:id="rId23"/>
-    <p:sldId id="2765" r:id="rId24"/>
-    <p:sldId id="2878" r:id="rId25"/>
-    <p:sldId id="2766" r:id="rId26"/>
-    <p:sldId id="2767" r:id="rId27"/>
-    <p:sldId id="2768" r:id="rId28"/>
-    <p:sldId id="2769" r:id="rId29"/>
-    <p:sldId id="2969" r:id="rId30"/>
-    <p:sldId id="2771" r:id="rId31"/>
-    <p:sldId id="2772" r:id="rId32"/>
-    <p:sldId id="2773" r:id="rId33"/>
-    <p:sldId id="2774" r:id="rId34"/>
-    <p:sldId id="2775" r:id="rId35"/>
-    <p:sldId id="2776" r:id="rId36"/>
-    <p:sldId id="2777" r:id="rId37"/>
-    <p:sldId id="2778" r:id="rId38"/>
-    <p:sldId id="2779" r:id="rId39"/>
-    <p:sldId id="2780" r:id="rId40"/>
-    <p:sldId id="2782" r:id="rId41"/>
-    <p:sldId id="2783" r:id="rId42"/>
-    <p:sldId id="2971" r:id="rId43"/>
-    <p:sldId id="2970" r:id="rId44"/>
+    <p:sldId id="2966" r:id="rId2"/>
+    <p:sldId id="2967" r:id="rId3"/>
+    <p:sldId id="2737" r:id="rId4"/>
+    <p:sldId id="2879" r:id="rId5"/>
+    <p:sldId id="2884" r:id="rId6"/>
+    <p:sldId id="2738" r:id="rId7"/>
+    <p:sldId id="2739" r:id="rId8"/>
+    <p:sldId id="2740" r:id="rId9"/>
+    <p:sldId id="2741" r:id="rId10"/>
+    <p:sldId id="2742" r:id="rId11"/>
+    <p:sldId id="2752" r:id="rId12"/>
+    <p:sldId id="2968" r:id="rId13"/>
+    <p:sldId id="2755" r:id="rId14"/>
+    <p:sldId id="2756" r:id="rId15"/>
+    <p:sldId id="2757" r:id="rId16"/>
+    <p:sldId id="2758" r:id="rId17"/>
+    <p:sldId id="2759" r:id="rId18"/>
+    <p:sldId id="2760" r:id="rId19"/>
+    <p:sldId id="2762" r:id="rId20"/>
+    <p:sldId id="2763" r:id="rId21"/>
+    <p:sldId id="2764" r:id="rId22"/>
+    <p:sldId id="2765" r:id="rId23"/>
+    <p:sldId id="2878" r:id="rId24"/>
+    <p:sldId id="2766" r:id="rId25"/>
+    <p:sldId id="2767" r:id="rId26"/>
+    <p:sldId id="2768" r:id="rId27"/>
+    <p:sldId id="2769" r:id="rId28"/>
+    <p:sldId id="2969" r:id="rId29"/>
+    <p:sldId id="2771" r:id="rId30"/>
+    <p:sldId id="2772" r:id="rId31"/>
+    <p:sldId id="2773" r:id="rId32"/>
+    <p:sldId id="2774" r:id="rId33"/>
+    <p:sldId id="2775" r:id="rId34"/>
+    <p:sldId id="2776" r:id="rId35"/>
+    <p:sldId id="2777" r:id="rId36"/>
+    <p:sldId id="2778" r:id="rId37"/>
+    <p:sldId id="2779" r:id="rId38"/>
+    <p:sldId id="2780" r:id="rId39"/>
+    <p:sldId id="2782" r:id="rId40"/>
+    <p:sldId id="2783" r:id="rId41"/>
+    <p:sldId id="2971" r:id="rId42"/>
+    <p:sldId id="2970" r:id="rId43"/>
   </p:sldIdLst>
   <p:sldSz cx="9144000" cy="6858000" type="screen4x3"/>
   <p:notesSz cx="6797675" cy="9928225"/>
@@ -280,7 +279,7 @@
           <a:p>
             <a:fld id="{050F0499-AE52-4672-879B-3107B2FC2A9F}" type="datetimeFigureOut">
               <a:rPr lang="ko-KR" altLang="en-US" smtClean="0"/>
-              <a:t>2024. 10. 22.</a:t>
+              <a:t>2023. 3. 1.</a:t>
             </a:fld>
             <a:endParaRPr lang="ko-KR" altLang="en-US"/>
           </a:p>
@@ -529,8 +528,8 @@
         </p:nvSpPr>
         <p:spPr>
           <a:xfrm>
-            <a:off x="992188" y="3271838"/>
-            <a:ext cx="7943850" cy="2676525"/>
+            <a:off x="679450" y="4778375"/>
+            <a:ext cx="5438775" cy="3908425"/>
           </a:xfrm>
           <a:prstGeom prst="rect">
             <a:avLst/>
@@ -540,7 +539,7 @@
           <a:bodyPr/>
           <a:lstStyle/>
           <a:p>
-            <a:endParaRPr lang="en-US"/>
+            <a:endParaRPr lang="en-US" dirty="0"/>
           </a:p>
         </p:txBody>
       </p:sp>
@@ -551,7 +550,7 @@
             <a:spLocks noGrp="1"/>
           </p:cNvSpPr>
           <p:nvPr>
-            <p:ph type="sldNum" sz="quarter" idx="5"/>
+            <p:ph type="sldNum" sz="quarter" idx="10"/>
           </p:nvPr>
         </p:nvSpPr>
         <p:spPr/>
@@ -559,78 +558,18 @@
           <a:bodyPr/>
           <a:lstStyle/>
           <a:p>
-            <a:pPr marL="0" marR="0" lvl="0" indent="0" algn="r" defTabSz="914400" rtl="0" eaLnBrk="1" fontAlgn="auto" latinLnBrk="1" hangingPunct="1">
-              <a:lnSpc>
-                <a:spcPct val="100000"/>
-              </a:lnSpc>
-              <a:spcBef>
-                <a:spcPts val="0"/>
-              </a:spcBef>
-              <a:spcAft>
-                <a:spcPts val="0"/>
-              </a:spcAft>
-              <a:buClrTx/>
-              <a:buSzTx/>
-              <a:buFontTx/>
-              <a:buNone/>
-              <a:tabLst/>
-              <a:defRPr/>
-            </a:pPr>
             <a:fld id="{E9CED1A8-8C93-4BD0-9402-1D92621696DA}" type="slidenum">
-              <a:rPr kumimoji="0" lang="ko-KR" altLang="en-US" sz="1200" b="0" i="0" u="none" strike="noStrike" kern="1200" cap="none" spc="0" normalizeH="0" baseline="0" noProof="0" smtClean="0">
-                <a:ln>
-                  <a:noFill/>
-                </a:ln>
-                <a:solidFill>
-                  <a:prstClr val="black"/>
-                </a:solidFill>
-                <a:effectLst/>
-                <a:uLnTx/>
-                <a:uFillTx/>
-                <a:latin typeface="맑은 고딕"/>
-                <a:ea typeface="맑은 고딕" panose="020B0503020000020004" pitchFamily="34" charset="-127"/>
-                <a:cs typeface="+mn-cs"/>
-              </a:rPr>
-              <a:pPr marL="0" marR="0" lvl="0" indent="0" algn="r" defTabSz="914400" rtl="0" eaLnBrk="1" fontAlgn="auto" latinLnBrk="1" hangingPunct="1">
-                <a:lnSpc>
-                  <a:spcPct val="100000"/>
-                </a:lnSpc>
-                <a:spcBef>
-                  <a:spcPts val="0"/>
-                </a:spcBef>
-                <a:spcAft>
-                  <a:spcPts val="0"/>
-                </a:spcAft>
-                <a:buClrTx/>
-                <a:buSzTx/>
-                <a:buFontTx/>
-                <a:buNone/>
-                <a:tabLst/>
-                <a:defRPr/>
-              </a:pPr>
-              <a:t>1</a:t>
+              <a:rPr lang="ko-KR" altLang="en-US" smtClean="0"/>
+              <a:t>2</a:t>
             </a:fld>
-            <a:endParaRPr kumimoji="0" lang="ko-KR" altLang="en-US" sz="1200" b="0" i="0" u="none" strike="noStrike" kern="1200" cap="none" spc="0" normalizeH="0" baseline="0" noProof="0">
-              <a:ln>
-                <a:noFill/>
-              </a:ln>
-              <a:solidFill>
-                <a:prstClr val="black"/>
-              </a:solidFill>
-              <a:effectLst/>
-              <a:uLnTx/>
-              <a:uFillTx/>
-              <a:latin typeface="맑은 고딕"/>
-              <a:ea typeface="맑은 고딕" panose="020B0503020000020004" pitchFamily="34" charset="-127"/>
-              <a:cs typeface="+mn-cs"/>
-            </a:endParaRPr>
+            <a:endParaRPr lang="ko-KR" altLang="en-US"/>
           </a:p>
         </p:txBody>
       </p:sp>
     </p:spTree>
     <p:extLst>
       <p:ext uri="{BB962C8B-B14F-4D97-AF65-F5344CB8AC3E}">
-        <p14:creationId xmlns:p14="http://schemas.microsoft.com/office/powerpoint/2010/main" val="2895002444"/>
+        <p14:creationId xmlns:p14="http://schemas.microsoft.com/office/powerpoint/2010/main" val="2441358763"/>
       </p:ext>
     </p:extLst>
   </p:cSld>
@@ -694,112 +633,6 @@
           <a:p>
             <a:r>
               <a:rPr lang="en-US" dirty="0"/>
-              <a:t>Now, we call free(pi).</a:t>
-            </a:r>
-          </a:p>
-          <a:p>
-            <a:r>
-              <a:rPr lang="en-US" dirty="0"/>
-              <a:t>Then, the</a:t>
-            </a:r>
-            <a:r>
-              <a:rPr lang="en-US" baseline="0" dirty="0"/>
-              <a:t> function free deallocates the memory object pointed by pi from the heap. </a:t>
-            </a:r>
-            <a:endParaRPr lang="en-US" dirty="0"/>
-          </a:p>
-        </p:txBody>
-      </p:sp>
-      <p:sp>
-        <p:nvSpPr>
-          <p:cNvPr id="4" name="Slide Number Placeholder 3"/>
-          <p:cNvSpPr>
-            <a:spLocks noGrp="1"/>
-          </p:cNvSpPr>
-          <p:nvPr>
-            <p:ph type="sldNum" sz="quarter" idx="10"/>
-          </p:nvPr>
-        </p:nvSpPr>
-        <p:spPr/>
-        <p:txBody>
-          <a:bodyPr/>
-          <a:lstStyle/>
-          <a:p>
-            <a:fld id="{E9CED1A8-8C93-4BD0-9402-1D92621696DA}" type="slidenum">
-              <a:rPr lang="ko-KR" altLang="en-US" smtClean="0"/>
-              <a:t>10</a:t>
-            </a:fld>
-            <a:endParaRPr lang="ko-KR" altLang="en-US"/>
-          </a:p>
-        </p:txBody>
-      </p:sp>
-    </p:spTree>
-    <p:extLst>
-      <p:ext uri="{BB962C8B-B14F-4D97-AF65-F5344CB8AC3E}">
-        <p14:creationId xmlns:p14="http://schemas.microsoft.com/office/powerpoint/2010/main" val="467087453"/>
-      </p:ext>
-    </p:extLst>
-  </p:cSld>
-  <p:clrMapOvr>
-    <a:masterClrMapping/>
-  </p:clrMapOvr>
-</p:notes>
-</file>
-
-<file path=ppt/notesSlides/notesSlide11.xml><?xml version="1.0" encoding="utf-8"?>
-<p:notes xmlns:a="http://schemas.openxmlformats.org/drawingml/2006/main" xmlns:r="http://schemas.openxmlformats.org/officeDocument/2006/relationships" xmlns:p="http://schemas.openxmlformats.org/presentationml/2006/main">
-  <p:cSld>
-    <p:spTree>
-      <p:nvGrpSpPr>
-        <p:cNvPr id="1" name=""/>
-        <p:cNvGrpSpPr/>
-        <p:nvPr/>
-      </p:nvGrpSpPr>
-      <p:grpSpPr>
-        <a:xfrm>
-          <a:off x="0" y="0"/>
-          <a:ext cx="0" cy="0"/>
-          <a:chOff x="0" y="0"/>
-          <a:chExt cx="0" cy="0"/>
-        </a:xfrm>
-      </p:grpSpPr>
-      <p:sp>
-        <p:nvSpPr>
-          <p:cNvPr id="2" name="Slide Image Placeholder 1"/>
-          <p:cNvSpPr>
-            <a:spLocks noGrp="1" noRot="1" noChangeAspect="1"/>
-          </p:cNvSpPr>
-          <p:nvPr>
-            <p:ph type="sldImg"/>
-          </p:nvPr>
-        </p:nvSpPr>
-        <p:spPr/>
-      </p:sp>
-      <p:sp>
-        <p:nvSpPr>
-          <p:cNvPr id="3" name="Notes Placeholder 2"/>
-          <p:cNvSpPr>
-            <a:spLocks noGrp="1"/>
-          </p:cNvSpPr>
-          <p:nvPr>
-            <p:ph type="body" idx="1"/>
-          </p:nvPr>
-        </p:nvSpPr>
-        <p:spPr>
-          <a:xfrm>
-            <a:off x="679450" y="4778375"/>
-            <a:ext cx="5438775" cy="3908425"/>
-          </a:xfrm>
-          <a:prstGeom prst="rect">
-            <a:avLst/>
-          </a:prstGeom>
-        </p:spPr>
-        <p:txBody>
-          <a:bodyPr/>
-          <a:lstStyle/>
-          <a:p>
-            <a:r>
-              <a:rPr lang="en-US" dirty="0"/>
               <a:t>In</a:t>
             </a:r>
             <a:r>
@@ -846,7 +679,7 @@
 </p:notes>
 </file>
 
-<file path=ppt/notesSlides/notesSlide12.xml><?xml version="1.0" encoding="utf-8"?>
+<file path=ppt/notesSlides/notesSlide11.xml><?xml version="1.0" encoding="utf-8"?>
 <p:notes xmlns:a="http://schemas.openxmlformats.org/drawingml/2006/main" xmlns:r="http://schemas.openxmlformats.org/officeDocument/2006/relationships" xmlns:p="http://schemas.openxmlformats.org/presentationml/2006/main">
   <p:cSld>
     <p:spTree>
@@ -998,6 +831,14 @@
           <a:bodyPr/>
           <a:lstStyle/>
           <a:p>
+            <a:r>
+              <a:rPr lang="en-US" dirty="0"/>
+              <a:t>In</a:t>
+            </a:r>
+            <a:r>
+              <a:rPr lang="en-US" baseline="0" dirty="0"/>
+              <a:t> this lecture, we will explain the basic API’s that deal with the virtual memory.</a:t>
+            </a:r>
             <a:endParaRPr lang="en-US" dirty="0"/>
           </a:p>
         </p:txBody>
@@ -1019,7 +860,7 @@
           <a:p>
             <a:fld id="{E9CED1A8-8C93-4BD0-9402-1D92621696DA}" type="slidenum">
               <a:rPr lang="ko-KR" altLang="en-US" smtClean="0"/>
-              <a:t>2</a:t>
+              <a:t>3</a:t>
             </a:fld>
             <a:endParaRPr lang="ko-KR" altLang="en-US"/>
           </a:p>
@@ -1028,7 +869,7 @@
     </p:spTree>
     <p:extLst>
       <p:ext uri="{BB962C8B-B14F-4D97-AF65-F5344CB8AC3E}">
-        <p14:creationId xmlns:p14="http://schemas.microsoft.com/office/powerpoint/2010/main" val="2441358763"/>
+        <p14:creationId xmlns:p14="http://schemas.microsoft.com/office/powerpoint/2010/main" val="325421538"/>
       </p:ext>
     </p:extLst>
   </p:cSld>
@@ -1092,11 +933,19 @@
           <a:p>
             <a:r>
               <a:rPr lang="en-US" dirty="0"/>
-              <a:t>In</a:t>
+              <a:t>The API’s we are going to explain in this </a:t>
+            </a:r>
+            <a:r>
+              <a:rPr lang="en-US" dirty="0" err="1"/>
+              <a:t>lsecture</a:t>
             </a:r>
             <a:r>
               <a:rPr lang="en-US" baseline="0" dirty="0"/>
-              <a:t> this lecture, we will explain the basic API’s that deal with the virtual memory.</a:t>
+              <a:t> is </a:t>
+            </a:r>
+            <a:r>
+              <a:rPr lang="mr-IN" baseline="0" dirty="0"/>
+              <a:t>…</a:t>
             </a:r>
             <a:endParaRPr lang="en-US" dirty="0"/>
           </a:p>
@@ -1119,7 +968,7 @@
           <a:p>
             <a:fld id="{E9CED1A8-8C93-4BD0-9402-1D92621696DA}" type="slidenum">
               <a:rPr lang="ko-KR" altLang="en-US" smtClean="0"/>
-              <a:t>3</a:t>
+              <a:t>4</a:t>
             </a:fld>
             <a:endParaRPr lang="ko-KR" altLang="en-US"/>
           </a:p>
@@ -1128,7 +977,7 @@
     </p:spTree>
     <p:extLst>
       <p:ext uri="{BB962C8B-B14F-4D97-AF65-F5344CB8AC3E}">
-        <p14:creationId xmlns:p14="http://schemas.microsoft.com/office/powerpoint/2010/main" val="325421538"/>
+        <p14:creationId xmlns:p14="http://schemas.microsoft.com/office/powerpoint/2010/main" val="1533362903"/>
       </p:ext>
     </p:extLst>
   </p:cSld>
@@ -1192,19 +1041,91 @@
           <a:p>
             <a:r>
               <a:rPr lang="en-US" dirty="0"/>
-              <a:t>The API’s we are going to explain in this </a:t>
-            </a:r>
-            <a:r>
-              <a:rPr lang="en-US" dirty="0" err="1"/>
-              <a:t>lsecture</a:t>
+              <a:t>When</a:t>
             </a:r>
             <a:r>
               <a:rPr lang="en-US" baseline="0" dirty="0"/>
-              <a:t> is </a:t>
-            </a:r>
-            <a:r>
-              <a:rPr lang="mr-IN" baseline="0" dirty="0"/>
-              <a:t>…</a:t>
+              <a:t> a process is first created, it allocates the virtual address space for code, data heap and stack. In this picture, OS allocated 4 Kbyte pages for stack and heap respectively. A program uses </a:t>
+            </a:r>
+            <a:r>
+              <a:rPr lang="en-US" baseline="0" dirty="0" err="1"/>
+              <a:t>malloc</a:t>
+            </a:r>
+            <a:r>
+              <a:rPr lang="en-US" baseline="0" dirty="0"/>
+              <a:t>, free, </a:t>
+            </a:r>
+            <a:r>
+              <a:rPr lang="en-US" baseline="0" dirty="0" err="1"/>
+              <a:t>calloc</a:t>
+            </a:r>
+            <a:r>
+              <a:rPr lang="en-US" baseline="0" dirty="0"/>
+              <a:t> or </a:t>
+            </a:r>
+            <a:r>
+              <a:rPr lang="en-US" baseline="0" dirty="0" err="1"/>
+              <a:t>realloc</a:t>
+            </a:r>
+            <a:r>
+              <a:rPr lang="en-US" baseline="0" dirty="0"/>
+              <a:t> to manage the memory chunks within a heap. These functions are defined in </a:t>
+            </a:r>
+            <a:r>
+              <a:rPr lang="en-US" baseline="0" dirty="0" err="1"/>
+              <a:t>libc</a:t>
+            </a:r>
+            <a:r>
+              <a:rPr lang="en-US" baseline="0" dirty="0"/>
+              <a:t>. These functions are responsible for managing the virtual memory areas in the heap. There are a number of system calls that are used to adjust the </a:t>
+            </a:r>
+            <a:r>
+              <a:rPr lang="en-US" baseline="0" dirty="0" err="1"/>
+              <a:t>isze</a:t>
+            </a:r>
+            <a:r>
+              <a:rPr lang="en-US" baseline="0" dirty="0"/>
+              <a:t> of the virtual memory allocated to the process. These are system calls. They are </a:t>
+            </a:r>
+            <a:r>
+              <a:rPr lang="en-US" baseline="0" dirty="0" err="1"/>
+              <a:t>brk</a:t>
+            </a:r>
+            <a:r>
+              <a:rPr lang="en-US" baseline="0" dirty="0"/>
+              <a:t>/</a:t>
+            </a:r>
+            <a:r>
+              <a:rPr lang="en-US" baseline="0" dirty="0" err="1"/>
+              <a:t>sbrk</a:t>
+            </a:r>
+            <a:r>
+              <a:rPr lang="en-US" baseline="0" dirty="0"/>
+              <a:t> and </a:t>
+            </a:r>
+            <a:r>
+              <a:rPr lang="en-US" baseline="0" dirty="0" err="1"/>
+              <a:t>mmap</a:t>
+            </a:r>
+            <a:r>
+              <a:rPr lang="en-US" baseline="0" dirty="0"/>
+              <a:t>. </a:t>
+            </a:r>
+            <a:r>
+              <a:rPr lang="en-US" baseline="0" dirty="0" err="1"/>
+              <a:t>Brk</a:t>
+            </a:r>
+            <a:r>
+              <a:rPr lang="en-US" baseline="0" dirty="0"/>
+              <a:t> and </a:t>
+            </a:r>
+            <a:r>
+              <a:rPr lang="en-US" baseline="0" dirty="0" err="1"/>
+              <a:t>sbrk</a:t>
+            </a:r>
+            <a:r>
+              <a:rPr lang="en-US" baseline="0" dirty="0"/>
+              <a:t> are used to adjust the “break” point. “break” point is a end address of the heap. </a:t>
             </a:r>
             <a:endParaRPr lang="en-US" dirty="0"/>
           </a:p>
@@ -1227,7 +1148,7 @@
           <a:p>
             <a:fld id="{E9CED1A8-8C93-4BD0-9402-1D92621696DA}" type="slidenum">
               <a:rPr lang="ko-KR" altLang="en-US" smtClean="0"/>
-              <a:t>4</a:t>
+              <a:t>5</a:t>
             </a:fld>
             <a:endParaRPr lang="ko-KR" altLang="en-US"/>
           </a:p>
@@ -1236,7 +1157,7 @@
     </p:spTree>
     <p:extLst>
       <p:ext uri="{BB962C8B-B14F-4D97-AF65-F5344CB8AC3E}">
-        <p14:creationId xmlns:p14="http://schemas.microsoft.com/office/powerpoint/2010/main" val="1533362903"/>
+        <p14:creationId xmlns:p14="http://schemas.microsoft.com/office/powerpoint/2010/main" val="1413509814"/>
       </p:ext>
     </p:extLst>
   </p:cSld>
@@ -1299,36 +1220,12 @@
           <a:lstStyle/>
           <a:p>
             <a:r>
-              <a:rPr lang="en-US" dirty="0"/>
-              <a:t>When</a:t>
+              <a:rPr lang="en-US" dirty="0" err="1"/>
+              <a:t>Malloc</a:t>
             </a:r>
             <a:r>
               <a:rPr lang="en-US" baseline="0" dirty="0"/>
-              <a:t> a process is first created, it allocates the virtual address space for code, data heap and stack. In this picture, OS allocated 4 Kbyte pages for stack and heap respectively. A program uses </a:t>
-            </a:r>
-            <a:r>
-              <a:rPr lang="en-US" baseline="0" dirty="0" err="1"/>
-              <a:t>malloc</a:t>
-            </a:r>
-            <a:r>
-              <a:rPr lang="en-US" baseline="0" dirty="0"/>
-              <a:t>, free, </a:t>
-            </a:r>
-            <a:r>
-              <a:rPr lang="en-US" baseline="0" dirty="0" err="1"/>
-              <a:t>calloc</a:t>
-            </a:r>
-            <a:r>
-              <a:rPr lang="en-US" baseline="0" dirty="0"/>
-              <a:t> or </a:t>
-            </a:r>
-            <a:r>
-              <a:rPr lang="en-US" baseline="0" dirty="0" err="1"/>
-              <a:t>realloc</a:t>
-            </a:r>
-            <a:r>
-              <a:rPr lang="en-US" baseline="0" dirty="0"/>
-              <a:t> to manage the memory chunks within a heap. These functions are defined in </a:t>
+              <a:t> is defined in a </a:t>
             </a:r>
             <a:r>
               <a:rPr lang="en-US" baseline="0" dirty="0" err="1"/>
@@ -1336,55 +1233,15 @@
             </a:r>
             <a:r>
               <a:rPr lang="en-US" baseline="0" dirty="0"/>
-              <a:t>. These functions are responsible for managing the virtual memory areas in the heap. There are a number of system calls that are used to adjust the </a:t>
+              <a:t> library. It allocates a </a:t>
             </a:r>
             <a:r>
               <a:rPr lang="en-US" baseline="0" dirty="0" err="1"/>
-              <a:t>isze</a:t>
+              <a:t>memorh</a:t>
             </a:r>
             <a:r>
               <a:rPr lang="en-US" baseline="0" dirty="0"/>
-              <a:t> of the virtual memory allocated to the process. These are system calls. They are </a:t>
-            </a:r>
-            <a:r>
-              <a:rPr lang="en-US" baseline="0" dirty="0" err="1"/>
-              <a:t>brk</a:t>
-            </a:r>
-            <a:r>
-              <a:rPr lang="en-US" baseline="0" dirty="0"/>
-              <a:t>/</a:t>
-            </a:r>
-            <a:r>
-              <a:rPr lang="en-US" baseline="0" dirty="0" err="1"/>
-              <a:t>sbrk</a:t>
-            </a:r>
-            <a:r>
-              <a:rPr lang="en-US" baseline="0" dirty="0"/>
-              <a:t> and </a:t>
-            </a:r>
-            <a:r>
-              <a:rPr lang="en-US" baseline="0" dirty="0" err="1"/>
-              <a:t>mmap</a:t>
-            </a:r>
-            <a:r>
-              <a:rPr lang="en-US" baseline="0" dirty="0"/>
-              <a:t>. </a:t>
-            </a:r>
-            <a:r>
-              <a:rPr lang="en-US" baseline="0" dirty="0" err="1"/>
-              <a:t>Brk</a:t>
-            </a:r>
-            <a:r>
-              <a:rPr lang="en-US" baseline="0" dirty="0"/>
-              <a:t> and </a:t>
-            </a:r>
-            <a:r>
-              <a:rPr lang="en-US" baseline="0" dirty="0" err="1"/>
-              <a:t>sbrk</a:t>
-            </a:r>
-            <a:r>
-              <a:rPr lang="en-US" baseline="0" dirty="0"/>
-              <a:t> are used to adjust the “break” point. “break” point is a end address of the heap. </a:t>
+              <a:t> region on the heap. It takes the size of a memory chunk that needs to allocated. When it succeeds, it returns the pointer to a memory chunk.</a:t>
             </a:r>
             <a:endParaRPr lang="en-US" dirty="0"/>
           </a:p>
@@ -1407,7 +1264,7 @@
           <a:p>
             <a:fld id="{E9CED1A8-8C93-4BD0-9402-1D92621696DA}" type="slidenum">
               <a:rPr lang="ko-KR" altLang="en-US" smtClean="0"/>
-              <a:t>5</a:t>
+              <a:t>6</a:t>
             </a:fld>
             <a:endParaRPr lang="ko-KR" altLang="en-US"/>
           </a:p>
@@ -1416,7 +1273,7 @@
     </p:spTree>
     <p:extLst>
       <p:ext uri="{BB962C8B-B14F-4D97-AF65-F5344CB8AC3E}">
-        <p14:creationId xmlns:p14="http://schemas.microsoft.com/office/powerpoint/2010/main" val="1413509814"/>
+        <p14:creationId xmlns:p14="http://schemas.microsoft.com/office/powerpoint/2010/main" val="375461080"/>
       </p:ext>
     </p:extLst>
   </p:cSld>
@@ -1480,27 +1337,31 @@
           <a:p>
             <a:r>
               <a:rPr lang="en-US" dirty="0" err="1"/>
-              <a:t>Malloc</a:t>
+              <a:t>Sizeof</a:t>
+            </a:r>
+            <a:r>
+              <a:rPr lang="en-US" dirty="0"/>
+              <a:t> returns the size of a variable</a:t>
             </a:r>
             <a:r>
               <a:rPr lang="en-US" baseline="0" dirty="0"/>
-              <a:t> is defined in a </a:t>
+              <a:t> or the size of an object. There are two distinct usage as below. First, the </a:t>
             </a:r>
             <a:r>
               <a:rPr lang="en-US" baseline="0" dirty="0" err="1"/>
-              <a:t>libc</a:t>
+              <a:t>sizeof</a:t>
             </a:r>
             <a:r>
               <a:rPr lang="en-US" baseline="0" dirty="0"/>
-              <a:t> library. It allocates a </a:t>
+              <a:t> function is used to return the size of an array. The return value of a </a:t>
             </a:r>
             <a:r>
               <a:rPr lang="en-US" baseline="0" dirty="0" err="1"/>
-              <a:t>memorh</a:t>
+              <a:t>sizeof</a:t>
             </a:r>
             <a:r>
               <a:rPr lang="en-US" baseline="0" dirty="0"/>
-              <a:t> region on the heap. It takes the size of a memory chunk that needs to allocated. When it succeeds, it returns the pointer to a memory chunk.</a:t>
+              <a:t> function is determined at run time. Second, the size of ‘x’ is known at compile-time. </a:t>
             </a:r>
             <a:endParaRPr lang="en-US" dirty="0"/>
           </a:p>
@@ -1523,7 +1384,7 @@
           <a:p>
             <a:fld id="{E9CED1A8-8C93-4BD0-9402-1D92621696DA}" type="slidenum">
               <a:rPr lang="ko-KR" altLang="en-US" smtClean="0"/>
-              <a:t>6</a:t>
+              <a:t>7</a:t>
             </a:fld>
             <a:endParaRPr lang="ko-KR" altLang="en-US"/>
           </a:p>
@@ -1532,7 +1393,7 @@
     </p:spTree>
     <p:extLst>
       <p:ext uri="{BB962C8B-B14F-4D97-AF65-F5344CB8AC3E}">
-        <p14:creationId xmlns:p14="http://schemas.microsoft.com/office/powerpoint/2010/main" val="375461080"/>
+        <p14:creationId xmlns:p14="http://schemas.microsoft.com/office/powerpoint/2010/main" val="278080199"/>
       </p:ext>
     </p:extLst>
   </p:cSld>
@@ -1595,32 +1456,36 @@
           <a:lstStyle/>
           <a:p>
             <a:r>
-              <a:rPr lang="en-US" dirty="0" err="1"/>
-              <a:t>Sizeof</a:t>
-            </a:r>
-            <a:r>
               <a:rPr lang="en-US" dirty="0"/>
-              <a:t> returns the size of a variable</a:t>
+              <a:t>The</a:t>
             </a:r>
             <a:r>
               <a:rPr lang="en-US" baseline="0" dirty="0"/>
-              <a:t> or the size of an object. There are two distinct usage as below. First, the </a:t>
+              <a:t> free() deallocates the memory chunk pointed by </a:t>
             </a:r>
             <a:r>
               <a:rPr lang="en-US" baseline="0" dirty="0" err="1"/>
-              <a:t>sizeof</a:t>
+              <a:t>ptr</a:t>
             </a:r>
             <a:r>
               <a:rPr lang="en-US" baseline="0" dirty="0"/>
-              <a:t> function is used to return the size of an array. The return value of a </a:t>
+              <a:t>. The </a:t>
             </a:r>
             <a:r>
               <a:rPr lang="en-US" baseline="0" dirty="0" err="1"/>
-              <a:t>sizeof</a:t>
+              <a:t>ptr</a:t>
             </a:r>
             <a:r>
               <a:rPr lang="en-US" baseline="0" dirty="0"/>
-              <a:t> function is determined at run time. Second, the size of ‘x’ is known at compile-time. </a:t>
+              <a:t> pointer should point to the address of the memory chunk allocated by </a:t>
+            </a:r>
+            <a:r>
+              <a:rPr lang="en-US" baseline="0" dirty="0" err="1"/>
+              <a:t>malloc</a:t>
+            </a:r>
+            <a:r>
+              <a:rPr lang="en-US" baseline="0" dirty="0"/>
+              <a:t>.</a:t>
             </a:r>
             <a:endParaRPr lang="en-US" dirty="0"/>
           </a:p>
@@ -1643,7 +1508,7 @@
           <a:p>
             <a:fld id="{E9CED1A8-8C93-4BD0-9402-1D92621696DA}" type="slidenum">
               <a:rPr lang="ko-KR" altLang="en-US" smtClean="0"/>
-              <a:t>7</a:t>
+              <a:t>8</a:t>
             </a:fld>
             <a:endParaRPr lang="ko-KR" altLang="en-US"/>
           </a:p>
@@ -1652,7 +1517,7 @@
     </p:spTree>
     <p:extLst>
       <p:ext uri="{BB962C8B-B14F-4D97-AF65-F5344CB8AC3E}">
-        <p14:creationId xmlns:p14="http://schemas.microsoft.com/office/powerpoint/2010/main" val="278080199"/>
+        <p14:creationId xmlns:p14="http://schemas.microsoft.com/office/powerpoint/2010/main" val="276323773"/>
       </p:ext>
     </p:extLst>
   </p:cSld>
@@ -1716,27 +1581,33 @@
           <a:p>
             <a:r>
               <a:rPr lang="en-US" dirty="0"/>
-              <a:t>The</a:t>
+              <a:t>Let us look at the </a:t>
+            </a:r>
+            <a:r>
+              <a:rPr lang="en-US" dirty="0" err="1"/>
+              <a:t>exmaple</a:t>
+            </a:r>
+            <a:r>
+              <a:rPr lang="en-US" dirty="0"/>
+              <a:t>. In this example,</a:t>
             </a:r>
             <a:r>
               <a:rPr lang="en-US" baseline="0" dirty="0"/>
-              <a:t> free() deallocates the memory chunk pointed by </a:t>
-            </a:r>
-            <a:r>
-              <a:rPr lang="en-US" baseline="0" dirty="0" err="1"/>
-              <a:t>ptr</a:t>
+              <a:t> the stack starts from 16KByte and heap starts from 2 Kbyte.  </a:t>
+            </a:r>
+            <a:r>
+              <a:rPr lang="en-US" dirty="0"/>
+              <a:t>A program</a:t>
             </a:r>
             <a:r>
               <a:rPr lang="en-US" baseline="0" dirty="0"/>
-              <a:t>. The </a:t>
-            </a:r>
-            <a:r>
-              <a:rPr lang="en-US" baseline="0" dirty="0" err="1"/>
-              <a:t>ptr</a:t>
-            </a:r>
+              <a:t> defines a local variable pi that is a pointer to integer. This pointer variable resides at the stack region.</a:t>
+            </a:r>
+          </a:p>
+          <a:p>
             <a:r>
               <a:rPr lang="en-US" baseline="0" dirty="0"/>
-              <a:t> pointer should point to the address of the memory chunk allocated by </a:t>
+              <a:t>The program called </a:t>
             </a:r>
             <a:r>
               <a:rPr lang="en-US" baseline="0" dirty="0" err="1"/>
@@ -1744,7 +1615,39 @@
             </a:r>
             <a:r>
               <a:rPr lang="en-US" baseline="0" dirty="0"/>
-              <a:t>.</a:t>
+              <a:t> (16). Then, the </a:t>
+            </a:r>
+            <a:r>
+              <a:rPr lang="en-US" baseline="0" dirty="0" err="1"/>
+              <a:t>malloc</a:t>
+            </a:r>
+            <a:r>
+              <a:rPr lang="en-US" baseline="0" dirty="0"/>
+              <a:t> function of </a:t>
+            </a:r>
+            <a:r>
+              <a:rPr lang="en-US" baseline="0" dirty="0" err="1"/>
+              <a:t>libc</a:t>
+            </a:r>
+            <a:r>
+              <a:rPr lang="en-US" baseline="0" dirty="0"/>
+              <a:t> allocates 16 byte from the heap. The </a:t>
+            </a:r>
+            <a:r>
+              <a:rPr lang="en-US" baseline="0" dirty="0" err="1"/>
+              <a:t>malloc</a:t>
+            </a:r>
+            <a:r>
+              <a:rPr lang="en-US" baseline="0" dirty="0"/>
+              <a:t> returns the address of the memory </a:t>
+            </a:r>
+            <a:r>
+              <a:rPr lang="en-US" baseline="0" dirty="0" err="1"/>
+              <a:t>chunck</a:t>
+            </a:r>
+            <a:r>
+              <a:rPr lang="en-US" baseline="0" dirty="0"/>
+              <a:t> it has allocated, 2 Kbyte. </a:t>
             </a:r>
             <a:endParaRPr lang="en-US" dirty="0"/>
           </a:p>
@@ -1767,7 +1670,7 @@
           <a:p>
             <a:fld id="{E9CED1A8-8C93-4BD0-9402-1D92621696DA}" type="slidenum">
               <a:rPr lang="ko-KR" altLang="en-US" smtClean="0"/>
-              <a:t>8</a:t>
+              <a:t>9</a:t>
             </a:fld>
             <a:endParaRPr lang="ko-KR" altLang="en-US"/>
           </a:p>
@@ -1776,7 +1679,7 @@
     </p:spTree>
     <p:extLst>
       <p:ext uri="{BB962C8B-B14F-4D97-AF65-F5344CB8AC3E}">
-        <p14:creationId xmlns:p14="http://schemas.microsoft.com/office/powerpoint/2010/main" val="276323773"/>
+        <p14:creationId xmlns:p14="http://schemas.microsoft.com/office/powerpoint/2010/main" val="270576121"/>
       </p:ext>
     </p:extLst>
   </p:cSld>
@@ -1840,73 +1743,17 @@
           <a:p>
             <a:r>
               <a:rPr lang="en-US" dirty="0"/>
-              <a:t>Let us look at the </a:t>
-            </a:r>
-            <a:r>
-              <a:rPr lang="en-US" dirty="0" err="1"/>
-              <a:t>exmaple</a:t>
-            </a:r>
+              <a:t>Now, we call free(pi).</a:t>
+            </a:r>
+          </a:p>
+          <a:p>
             <a:r>
               <a:rPr lang="en-US" dirty="0"/>
-              <a:t>. In this example,</a:t>
+              <a:t>Then, the</a:t>
             </a:r>
             <a:r>
               <a:rPr lang="en-US" baseline="0" dirty="0"/>
-              <a:t> the stack starts from 16KByte and heap starts from 2 Kbyte.  </a:t>
-            </a:r>
-            <a:r>
-              <a:rPr lang="en-US" dirty="0"/>
-              <a:t>A program</a:t>
-            </a:r>
-            <a:r>
-              <a:rPr lang="en-US" baseline="0" dirty="0"/>
-              <a:t> defines a local variable pi that is a pointer to integer. This pointer variable resides at the stack region.</a:t>
-            </a:r>
-          </a:p>
-          <a:p>
-            <a:r>
-              <a:rPr lang="en-US" baseline="0" dirty="0"/>
-              <a:t>The program called </a:t>
-            </a:r>
-            <a:r>
-              <a:rPr lang="en-US" baseline="0" dirty="0" err="1"/>
-              <a:t>malloc</a:t>
-            </a:r>
-            <a:r>
-              <a:rPr lang="en-US" baseline="0" dirty="0"/>
-              <a:t> (16). Then, the </a:t>
-            </a:r>
-            <a:r>
-              <a:rPr lang="en-US" baseline="0" dirty="0" err="1"/>
-              <a:t>malloc</a:t>
-            </a:r>
-            <a:r>
-              <a:rPr lang="en-US" baseline="0" dirty="0"/>
-              <a:t> function of </a:t>
-            </a:r>
-            <a:r>
-              <a:rPr lang="en-US" baseline="0" dirty="0" err="1"/>
-              <a:t>libc</a:t>
-            </a:r>
-            <a:r>
-              <a:rPr lang="en-US" baseline="0" dirty="0"/>
-              <a:t> allocates 16 byte from the heap. The </a:t>
-            </a:r>
-            <a:r>
-              <a:rPr lang="en-US" baseline="0" dirty="0" err="1"/>
-              <a:t>malloc</a:t>
-            </a:r>
-            <a:r>
-              <a:rPr lang="en-US" baseline="0" dirty="0"/>
-              <a:t> returns the address of the memory </a:t>
-            </a:r>
-            <a:r>
-              <a:rPr lang="en-US" baseline="0" dirty="0" err="1"/>
-              <a:t>chunck</a:t>
-            </a:r>
-            <a:r>
-              <a:rPr lang="en-US" baseline="0" dirty="0"/>
-              <a:t> it has allocated, 2 Kbyte. </a:t>
+              <a:t> function free deallocates the memory object pointed by pi from the heap. </a:t>
             </a:r>
             <a:endParaRPr lang="en-US" dirty="0"/>
           </a:p>
@@ -1929,7 +1776,7 @@
           <a:p>
             <a:fld id="{E9CED1A8-8C93-4BD0-9402-1D92621696DA}" type="slidenum">
               <a:rPr lang="ko-KR" altLang="en-US" smtClean="0"/>
-              <a:t>9</a:t>
+              <a:t>10</a:t>
             </a:fld>
             <a:endParaRPr lang="ko-KR" altLang="en-US"/>
           </a:p>
@@ -1938,7 +1785,7 @@
     </p:spTree>
     <p:extLst>
       <p:ext uri="{BB962C8B-B14F-4D97-AF65-F5344CB8AC3E}">
-        <p14:creationId xmlns:p14="http://schemas.microsoft.com/office/powerpoint/2010/main" val="270576121"/>
+        <p14:creationId xmlns:p14="http://schemas.microsoft.com/office/powerpoint/2010/main" val="467087453"/>
       </p:ext>
     </p:extLst>
   </p:cSld>
@@ -2318,9 +2165,9 @@
 </p:sldLayout>
 </file>
 
-<file path=ppt/slideLayouts/slideLayout10.xml><?xml version="1.0" encoding="utf-8"?>
-<p:sldLayout xmlns:a="http://schemas.openxmlformats.org/drawingml/2006/main" xmlns:r="http://schemas.openxmlformats.org/officeDocument/2006/relationships" xmlns:p="http://schemas.openxmlformats.org/presentationml/2006/main" preserve="1" userDrawn="1">
-  <p:cSld name="1_구역 머리글">
+<file path=ppt/slideLayouts/slideLayout2.xml><?xml version="1.0" encoding="utf-8"?>
+<p:sldLayout xmlns:a="http://schemas.openxmlformats.org/drawingml/2006/main" xmlns:r="http://schemas.openxmlformats.org/officeDocument/2006/relationships" xmlns:p="http://schemas.openxmlformats.org/presentationml/2006/main" type="obj" preserve="1">
+  <p:cSld name="제목 및 내용">
     <p:spTree>
       <p:nvGrpSpPr>
         <p:cNvPr id="1" name=""/>
@@ -2339,7 +2186,339 @@
         <p:nvCxnSpPr>
           <p:cNvPr id="4" name="직선 연결선 3"/>
           <p:cNvCxnSpPr/>
-          <p:nvPr userDrawn="1"/>
+          <p:nvPr/>
+        </p:nvCxnSpPr>
+        <p:spPr>
+          <a:xfrm>
+            <a:off x="0" y="6500813"/>
+            <a:ext cx="9144000" cy="0"/>
+          </a:xfrm>
+          <a:prstGeom prst="line">
+            <a:avLst/>
+          </a:prstGeom>
+          <a:ln w="25400">
+            <a:solidFill>
+              <a:schemeClr val="tx2">
+                <a:lumMod val="75000"/>
+              </a:schemeClr>
+            </a:solidFill>
+          </a:ln>
+        </p:spPr>
+        <p:style>
+          <a:lnRef idx="1">
+            <a:schemeClr val="accent1"/>
+          </a:lnRef>
+          <a:fillRef idx="0">
+            <a:schemeClr val="accent1"/>
+          </a:fillRef>
+          <a:effectRef idx="0">
+            <a:schemeClr val="accent1"/>
+          </a:effectRef>
+          <a:fontRef idx="minor">
+            <a:schemeClr val="tx1"/>
+          </a:fontRef>
+        </p:style>
+      </p:cxnSp>
+      <p:sp>
+        <p:nvSpPr>
+          <p:cNvPr id="2" name="제목 1"/>
+          <p:cNvSpPr>
+            <a:spLocks noGrp="1"/>
+          </p:cNvSpPr>
+          <p:nvPr>
+            <p:ph type="title"/>
+          </p:nvPr>
+        </p:nvSpPr>
+        <p:spPr/>
+        <p:txBody>
+          <a:bodyPr/>
+          <a:lstStyle>
+            <a:lvl1pPr>
+              <a:defRPr sz="2400">
+                <a:solidFill>
+                  <a:schemeClr val="bg1"/>
+                </a:solidFill>
+              </a:defRPr>
+            </a:lvl1pPr>
+          </a:lstStyle>
+          <a:p>
+            <a:r>
+              <a:rPr lang="en-GB" altLang="ko-KR"/>
+              <a:t>Click to edit Master title style</a:t>
+            </a:r>
+            <a:endParaRPr lang="ko-KR" altLang="en-US" dirty="0"/>
+          </a:p>
+        </p:txBody>
+      </p:sp>
+      <p:sp>
+        <p:nvSpPr>
+          <p:cNvPr id="3" name="내용 개체 틀 2"/>
+          <p:cNvSpPr>
+            <a:spLocks noGrp="1"/>
+          </p:cNvSpPr>
+          <p:nvPr>
+            <p:ph idx="1"/>
+          </p:nvPr>
+        </p:nvSpPr>
+        <p:spPr>
+          <a:xfrm>
+            <a:off x="214313" y="880070"/>
+            <a:ext cx="8786812" cy="5501258"/>
+          </a:xfrm>
+        </p:spPr>
+        <p:txBody>
+          <a:bodyPr/>
+          <a:lstStyle>
+            <a:lvl1pPr>
+              <a:lnSpc>
+                <a:spcPct val="150000"/>
+              </a:lnSpc>
+              <a:buClr>
+                <a:srgbClr val="002060"/>
+              </a:buClr>
+              <a:defRPr sz="2000" b="0">
+                <a:solidFill>
+                  <a:schemeClr val="tx1"/>
+                </a:solidFill>
+              </a:defRPr>
+            </a:lvl1pPr>
+            <a:lvl2pPr>
+              <a:lnSpc>
+                <a:spcPct val="150000"/>
+              </a:lnSpc>
+              <a:buClr>
+                <a:srgbClr val="002060"/>
+              </a:buClr>
+              <a:defRPr sz="1800">
+                <a:solidFill>
+                  <a:schemeClr val="tx1"/>
+                </a:solidFill>
+              </a:defRPr>
+            </a:lvl2pPr>
+            <a:lvl3pPr>
+              <a:lnSpc>
+                <a:spcPct val="150000"/>
+              </a:lnSpc>
+              <a:buClr>
+                <a:srgbClr val="002060"/>
+              </a:buClr>
+              <a:defRPr sz="1600">
+                <a:solidFill>
+                  <a:schemeClr val="tx1"/>
+                </a:solidFill>
+              </a:defRPr>
+            </a:lvl3pPr>
+            <a:lvl4pPr>
+              <a:lnSpc>
+                <a:spcPct val="150000"/>
+              </a:lnSpc>
+              <a:buClr>
+                <a:srgbClr val="002060"/>
+              </a:buClr>
+              <a:defRPr sz="1400">
+                <a:solidFill>
+                  <a:schemeClr val="tx1"/>
+                </a:solidFill>
+              </a:defRPr>
+            </a:lvl4pPr>
+            <a:lvl5pPr>
+              <a:lnSpc>
+                <a:spcPct val="150000"/>
+              </a:lnSpc>
+              <a:buClr>
+                <a:srgbClr val="002060"/>
+              </a:buClr>
+              <a:defRPr sz="1400">
+                <a:solidFill>
+                  <a:schemeClr val="tx1"/>
+                </a:solidFill>
+              </a:defRPr>
+            </a:lvl5pPr>
+          </a:lstStyle>
+          <a:p>
+            <a:pPr lvl="0"/>
+            <a:r>
+              <a:rPr lang="en-GB" altLang="ko-KR"/>
+              <a:t>Click to edit Master text styles</a:t>
+            </a:r>
+          </a:p>
+          <a:p>
+            <a:pPr lvl="1"/>
+            <a:r>
+              <a:rPr lang="en-GB" altLang="ko-KR"/>
+              <a:t>Second level</a:t>
+            </a:r>
+          </a:p>
+          <a:p>
+            <a:pPr lvl="2"/>
+            <a:r>
+              <a:rPr lang="en-GB" altLang="ko-KR"/>
+              <a:t>Third level</a:t>
+            </a:r>
+          </a:p>
+          <a:p>
+            <a:pPr lvl="3"/>
+            <a:r>
+              <a:rPr lang="en-GB" altLang="ko-KR"/>
+              <a:t>Fourth level</a:t>
+            </a:r>
+          </a:p>
+          <a:p>
+            <a:pPr lvl="4"/>
+            <a:r>
+              <a:rPr lang="en-GB" altLang="ko-KR"/>
+              <a:t>Fifth level</a:t>
+            </a:r>
+            <a:endParaRPr lang="ko-KR" altLang="en-US" dirty="0"/>
+          </a:p>
+        </p:txBody>
+      </p:sp>
+      <p:sp>
+        <p:nvSpPr>
+          <p:cNvPr id="7" name="Rectangle 6"/>
+          <p:cNvSpPr>
+            <a:spLocks noGrp="1" noChangeArrowheads="1"/>
+          </p:cNvSpPr>
+          <p:nvPr>
+            <p:ph type="sldNum" sz="quarter" idx="11"/>
+          </p:nvPr>
+        </p:nvSpPr>
+        <p:spPr>
+          <a:xfrm>
+            <a:off x="7964934" y="6592713"/>
+            <a:ext cx="1071562" cy="220663"/>
+          </a:xfrm>
+        </p:spPr>
+        <p:txBody>
+          <a:bodyPr/>
+          <a:lstStyle>
+            <a:lvl1pPr>
+              <a:defRPr b="1">
+                <a:latin typeface="맑은 고딕" pitchFamily="50" charset="-127"/>
+                <a:ea typeface="맑은 고딕" pitchFamily="50" charset="-127"/>
+              </a:defRPr>
+            </a:lvl1pPr>
+          </a:lstStyle>
+          <a:p>
+            <a:pPr>
+              <a:defRPr/>
+            </a:pPr>
+            <a:fld id="{515CC4ED-1449-4712-AE45-EBC263B4DD26}" type="slidenum">
+              <a:rPr lang="en-US" altLang="ko-KR" smtClean="0">
+                <a:solidFill>
+                  <a:srgbClr val="1F497D">
+                    <a:lumMod val="50000"/>
+                  </a:srgbClr>
+                </a:solidFill>
+              </a:rPr>
+              <a:pPr>
+                <a:defRPr/>
+              </a:pPr>
+              <a:t>‹#›</a:t>
+            </a:fld>
+            <a:r>
+              <a:rPr lang="en-US" altLang="ko-KR">
+                <a:solidFill>
+                  <a:srgbClr val="1F497D">
+                    <a:lumMod val="50000"/>
+                  </a:srgbClr>
+                </a:solidFill>
+              </a:rPr>
+              <a:t> </a:t>
+            </a:r>
+          </a:p>
+        </p:txBody>
+      </p:sp>
+      <p:sp>
+        <p:nvSpPr>
+          <p:cNvPr id="10" name="Rectangle 5"/>
+          <p:cNvSpPr>
+            <a:spLocks noGrp="1" noChangeArrowheads="1"/>
+          </p:cNvSpPr>
+          <p:nvPr>
+            <p:ph type="ftr" sz="quarter" idx="3"/>
+          </p:nvPr>
+        </p:nvSpPr>
+        <p:spPr>
+          <a:xfrm>
+            <a:off x="3033713" y="6582995"/>
+            <a:ext cx="3038475" cy="220663"/>
+          </a:xfrm>
+          <a:prstGeom prst="rect">
+            <a:avLst/>
+          </a:prstGeom>
+        </p:spPr>
+        <p:txBody>
+          <a:bodyPr/>
+          <a:lstStyle>
+            <a:lvl1pPr algn="ctr">
+              <a:defRPr sz="1000" b="1">
+                <a:latin typeface="맑은 고딕" pitchFamily="50" charset="-127"/>
+                <a:ea typeface="맑은 고딕" pitchFamily="50" charset="-127"/>
+              </a:defRPr>
+            </a:lvl1pPr>
+          </a:lstStyle>
+          <a:p>
+            <a:pPr fontAlgn="base">
+              <a:spcBef>
+                <a:spcPct val="0"/>
+              </a:spcBef>
+              <a:spcAft>
+                <a:spcPct val="0"/>
+              </a:spcAft>
+              <a:defRPr/>
+            </a:pPr>
+            <a:r>
+              <a:rPr kumimoji="1" lang="en-US" altLang="ko-KR">
+                <a:solidFill>
+                  <a:prstClr val="black"/>
+                </a:solidFill>
+              </a:rPr>
+              <a:t>CSCI 3150 Intro to OS</a:t>
+            </a:r>
+            <a:endParaRPr kumimoji="1" lang="ko-KR" altLang="en-US" dirty="0">
+              <a:solidFill>
+                <a:prstClr val="black"/>
+              </a:solidFill>
+            </a:endParaRPr>
+          </a:p>
+        </p:txBody>
+      </p:sp>
+    </p:spTree>
+    <p:extLst>
+      <p:ext uri="{BB962C8B-B14F-4D97-AF65-F5344CB8AC3E}">
+        <p14:creationId xmlns:p14="http://schemas.microsoft.com/office/powerpoint/2010/main" val="1572499900"/>
+      </p:ext>
+    </p:extLst>
+  </p:cSld>
+  <p:clrMapOvr>
+    <a:masterClrMapping/>
+  </p:clrMapOvr>
+</p:sldLayout>
+</file>
+
+<file path=ppt/slideLayouts/slideLayout3.xml><?xml version="1.0" encoding="utf-8"?>
+<p:sldLayout xmlns:a="http://schemas.openxmlformats.org/drawingml/2006/main" xmlns:r="http://schemas.openxmlformats.org/officeDocument/2006/relationships" xmlns:p="http://schemas.openxmlformats.org/presentationml/2006/main" preserve="1">
+  <p:cSld name="구역 머리글">
+    <p:spTree>
+      <p:nvGrpSpPr>
+        <p:cNvPr id="1" name=""/>
+        <p:cNvGrpSpPr/>
+        <p:nvPr/>
+      </p:nvGrpSpPr>
+      <p:grpSpPr>
+        <a:xfrm>
+          <a:off x="0" y="0"/>
+          <a:ext cx="0" cy="0"/>
+          <a:chOff x="0" y="0"/>
+          <a:chExt cx="0" cy="0"/>
+        </a:xfrm>
+      </p:grpSpPr>
+      <p:cxnSp>
+        <p:nvCxnSpPr>
+          <p:cNvPr id="4" name="직선 연결선 3"/>
+          <p:cNvCxnSpPr/>
+          <p:nvPr/>
         </p:nvCxnSpPr>
         <p:spPr>
           <a:xfrm>
@@ -2437,8 +2616,8 @@
           <a:p>
             <a:pPr lvl="0"/>
             <a:r>
-              <a:rPr lang="ko-KR" altLang="en-US" dirty="0"/>
-              <a:t>마스터 텍스트 스타일을 편집합니다</a:t>
+              <a:rPr lang="en-GB" altLang="ko-KR"/>
+              <a:t>Click to edit Master text styles</a:t>
             </a:r>
           </a:p>
         </p:txBody>
@@ -2447,7 +2626,7 @@
         <p:nvCxnSpPr>
           <p:cNvPr id="9" name="직선 연결선 8"/>
           <p:cNvCxnSpPr/>
-          <p:nvPr userDrawn="1"/>
+          <p:nvPr/>
         </p:nvCxnSpPr>
         <p:spPr>
           <a:xfrm>
@@ -2594,7 +2773,7 @@
     </p:spTree>
     <p:extLst>
       <p:ext uri="{BB962C8B-B14F-4D97-AF65-F5344CB8AC3E}">
-        <p14:creationId xmlns:p14="http://schemas.microsoft.com/office/powerpoint/2010/main" val="206573711"/>
+        <p14:creationId xmlns:p14="http://schemas.microsoft.com/office/powerpoint/2010/main" val="1734240091"/>
       </p:ext>
     </p:extLst>
   </p:cSld>
@@ -2604,9 +2783,9 @@
 </p:sldLayout>
 </file>
 
-<file path=ppt/slideLayouts/slideLayout11.xml><?xml version="1.0" encoding="utf-8"?>
+<file path=ppt/slideLayouts/slideLayout4.xml><?xml version="1.0" encoding="utf-8"?>
 <p:sldLayout xmlns:a="http://schemas.openxmlformats.org/drawingml/2006/main" xmlns:r="http://schemas.openxmlformats.org/officeDocument/2006/relationships" xmlns:p="http://schemas.openxmlformats.org/presentationml/2006/main" preserve="1" userDrawn="1">
-  <p:cSld name="2_제목 슬라이드">
+  <p:cSld name="1_제목 슬라이드">
     <p:spTree>
       <p:nvGrpSpPr>
         <p:cNvPr id="1" name=""/>
@@ -2959,1940 +3138,6 @@
     </p:spTree>
     <p:extLst>
       <p:ext uri="{BB962C8B-B14F-4D97-AF65-F5344CB8AC3E}">
-        <p14:creationId xmlns:p14="http://schemas.microsoft.com/office/powerpoint/2010/main" val="41230950"/>
-      </p:ext>
-    </p:extLst>
-  </p:cSld>
-  <p:clrMapOvr>
-    <a:masterClrMapping/>
-  </p:clrMapOvr>
-</p:sldLayout>
-</file>
-
-<file path=ppt/slideLayouts/slideLayout12.xml><?xml version="1.0" encoding="utf-8"?>
-<p:sldLayout xmlns:a="http://schemas.openxmlformats.org/drawingml/2006/main" xmlns:r="http://schemas.openxmlformats.org/officeDocument/2006/relationships" xmlns:p="http://schemas.openxmlformats.org/presentationml/2006/main" preserve="1" userDrawn="1">
-  <p:cSld name="2_구역 머리글">
-    <p:spTree>
-      <p:nvGrpSpPr>
-        <p:cNvPr id="1" name=""/>
-        <p:cNvGrpSpPr/>
-        <p:nvPr/>
-      </p:nvGrpSpPr>
-      <p:grpSpPr>
-        <a:xfrm>
-          <a:off x="0" y="0"/>
-          <a:ext cx="0" cy="0"/>
-          <a:chOff x="0" y="0"/>
-          <a:chExt cx="0" cy="0"/>
-        </a:xfrm>
-      </p:grpSpPr>
-      <p:cxnSp>
-        <p:nvCxnSpPr>
-          <p:cNvPr id="4" name="직선 연결선 3"/>
-          <p:cNvCxnSpPr/>
-          <p:nvPr userDrawn="1"/>
-        </p:nvCxnSpPr>
-        <p:spPr>
-          <a:xfrm>
-            <a:off x="214313" y="4429125"/>
-            <a:ext cx="8786812" cy="0"/>
-          </a:xfrm>
-          <a:prstGeom prst="line">
-            <a:avLst/>
-          </a:prstGeom>
-          <a:ln w="38100">
-            <a:solidFill>
-              <a:schemeClr val="tx2">
-                <a:lumMod val="50000"/>
-              </a:schemeClr>
-            </a:solidFill>
-          </a:ln>
-        </p:spPr>
-        <p:style>
-          <a:lnRef idx="1">
-            <a:schemeClr val="accent1"/>
-          </a:lnRef>
-          <a:fillRef idx="0">
-            <a:schemeClr val="accent1"/>
-          </a:fillRef>
-          <a:effectRef idx="0">
-            <a:schemeClr val="accent1"/>
-          </a:effectRef>
-          <a:fontRef idx="minor">
-            <a:schemeClr val="tx1"/>
-          </a:fontRef>
-        </p:style>
-      </p:cxnSp>
-      <p:sp>
-        <p:nvSpPr>
-          <p:cNvPr id="3" name="텍스트 개체 틀 2"/>
-          <p:cNvSpPr>
-            <a:spLocks noGrp="1"/>
-          </p:cNvSpPr>
-          <p:nvPr>
-            <p:ph type="body" idx="1"/>
-          </p:nvPr>
-        </p:nvSpPr>
-        <p:spPr>
-          <a:xfrm>
-            <a:off x="891994" y="2906713"/>
-            <a:ext cx="8072494" cy="1500187"/>
-          </a:xfrm>
-        </p:spPr>
-        <p:txBody>
-          <a:bodyPr anchor="b"/>
-          <a:lstStyle>
-            <a:lvl1pPr marL="0" indent="0" algn="r">
-              <a:buNone/>
-              <a:defRPr sz="3200" b="1">
-                <a:solidFill>
-                  <a:schemeClr val="tx2">
-                    <a:lumMod val="50000"/>
-                  </a:schemeClr>
-                </a:solidFill>
-              </a:defRPr>
-            </a:lvl1pPr>
-            <a:lvl2pPr marL="457200" indent="0">
-              <a:buNone/>
-              <a:defRPr sz="1800"/>
-            </a:lvl2pPr>
-            <a:lvl3pPr marL="914400" indent="0">
-              <a:buNone/>
-              <a:defRPr sz="1600"/>
-            </a:lvl3pPr>
-            <a:lvl4pPr marL="1371600" indent="0">
-              <a:buNone/>
-              <a:defRPr sz="1400"/>
-            </a:lvl4pPr>
-            <a:lvl5pPr marL="1828800" indent="0">
-              <a:buNone/>
-              <a:defRPr sz="1400"/>
-            </a:lvl5pPr>
-            <a:lvl6pPr marL="2286000" indent="0">
-              <a:buNone/>
-              <a:defRPr sz="1400"/>
-            </a:lvl6pPr>
-            <a:lvl7pPr marL="2743200" indent="0">
-              <a:buNone/>
-              <a:defRPr sz="1400"/>
-            </a:lvl7pPr>
-            <a:lvl8pPr marL="3200400" indent="0">
-              <a:buNone/>
-              <a:defRPr sz="1400"/>
-            </a:lvl8pPr>
-            <a:lvl9pPr marL="3657600" indent="0">
-              <a:buNone/>
-              <a:defRPr sz="1400"/>
-            </a:lvl9pPr>
-          </a:lstStyle>
-          <a:p>
-            <a:pPr lvl="0"/>
-            <a:r>
-              <a:rPr lang="ko-KR" altLang="en-US" dirty="0"/>
-              <a:t>마스터 텍스트 스타일을 편집합니다</a:t>
-            </a:r>
-          </a:p>
-        </p:txBody>
-      </p:sp>
-      <p:cxnSp>
-        <p:nvCxnSpPr>
-          <p:cNvPr id="9" name="직선 연결선 8"/>
-          <p:cNvCxnSpPr/>
-          <p:nvPr userDrawn="1"/>
-        </p:nvCxnSpPr>
-        <p:spPr>
-          <a:xfrm>
-            <a:off x="0" y="6500813"/>
-            <a:ext cx="9144000" cy="0"/>
-          </a:xfrm>
-          <a:prstGeom prst="line">
-            <a:avLst/>
-          </a:prstGeom>
-          <a:ln w="25400">
-            <a:solidFill>
-              <a:schemeClr val="tx2">
-                <a:lumMod val="75000"/>
-              </a:schemeClr>
-            </a:solidFill>
-          </a:ln>
-        </p:spPr>
-        <p:style>
-          <a:lnRef idx="1">
-            <a:schemeClr val="accent1"/>
-          </a:lnRef>
-          <a:fillRef idx="0">
-            <a:schemeClr val="accent1"/>
-          </a:fillRef>
-          <a:effectRef idx="0">
-            <a:schemeClr val="accent1"/>
-          </a:effectRef>
-          <a:fontRef idx="minor">
-            <a:schemeClr val="tx1"/>
-          </a:fontRef>
-        </p:style>
-      </p:cxnSp>
-      <p:sp>
-        <p:nvSpPr>
-          <p:cNvPr id="14" name="Rectangle 6"/>
-          <p:cNvSpPr>
-            <a:spLocks noGrp="1" noChangeArrowheads="1"/>
-          </p:cNvSpPr>
-          <p:nvPr>
-            <p:ph type="sldNum" sz="quarter" idx="11"/>
-          </p:nvPr>
-        </p:nvSpPr>
-        <p:spPr>
-          <a:xfrm>
-            <a:off x="7964934" y="6592713"/>
-            <a:ext cx="1071562" cy="220663"/>
-          </a:xfrm>
-        </p:spPr>
-        <p:txBody>
-          <a:bodyPr/>
-          <a:lstStyle>
-            <a:lvl1pPr>
-              <a:defRPr b="1">
-                <a:latin typeface="맑은 고딕" pitchFamily="50" charset="-127"/>
-                <a:ea typeface="맑은 고딕" pitchFamily="50" charset="-127"/>
-              </a:defRPr>
-            </a:lvl1pPr>
-          </a:lstStyle>
-          <a:p>
-            <a:pPr>
-              <a:defRPr/>
-            </a:pPr>
-            <a:fld id="{515CC4ED-1449-4712-AE45-EBC263B4DD26}" type="slidenum">
-              <a:rPr lang="en-US" altLang="ko-KR" smtClean="0">
-                <a:solidFill>
-                  <a:srgbClr val="1F497D">
-                    <a:lumMod val="50000"/>
-                  </a:srgbClr>
-                </a:solidFill>
-              </a:rPr>
-              <a:pPr>
-                <a:defRPr/>
-              </a:pPr>
-              <a:t>‹#›</a:t>
-            </a:fld>
-            <a:r>
-              <a:rPr lang="en-US" altLang="ko-KR">
-                <a:solidFill>
-                  <a:srgbClr val="1F497D">
-                    <a:lumMod val="50000"/>
-                  </a:srgbClr>
-                </a:solidFill>
-              </a:rPr>
-              <a:t> </a:t>
-            </a:r>
-          </a:p>
-        </p:txBody>
-      </p:sp>
-      <p:sp>
-        <p:nvSpPr>
-          <p:cNvPr id="15" name="Rectangle 5"/>
-          <p:cNvSpPr>
-            <a:spLocks noGrp="1" noChangeArrowheads="1"/>
-          </p:cNvSpPr>
-          <p:nvPr>
-            <p:ph type="ftr" sz="quarter" idx="3"/>
-          </p:nvPr>
-        </p:nvSpPr>
-        <p:spPr>
-          <a:xfrm>
-            <a:off x="3033713" y="6582995"/>
-            <a:ext cx="3038475" cy="220663"/>
-          </a:xfrm>
-          <a:prstGeom prst="rect">
-            <a:avLst/>
-          </a:prstGeom>
-        </p:spPr>
-        <p:txBody>
-          <a:bodyPr/>
-          <a:lstStyle>
-            <a:lvl1pPr algn="ctr">
-              <a:defRPr sz="1000" b="1">
-                <a:latin typeface="맑은 고딕" pitchFamily="50" charset="-127"/>
-                <a:ea typeface="맑은 고딕" pitchFamily="50" charset="-127"/>
-              </a:defRPr>
-            </a:lvl1pPr>
-          </a:lstStyle>
-          <a:p>
-            <a:pPr fontAlgn="base">
-              <a:spcBef>
-                <a:spcPct val="0"/>
-              </a:spcBef>
-              <a:spcAft>
-                <a:spcPct val="0"/>
-              </a:spcAft>
-              <a:defRPr/>
-            </a:pPr>
-            <a:r>
-              <a:rPr kumimoji="1" lang="en-US" altLang="ko-KR">
-                <a:solidFill>
-                  <a:prstClr val="black"/>
-                </a:solidFill>
-              </a:rPr>
-              <a:t>CSCI 3150 Intro to OS</a:t>
-            </a:r>
-            <a:endParaRPr kumimoji="1" lang="ko-KR" altLang="en-US" dirty="0">
-              <a:solidFill>
-                <a:prstClr val="black"/>
-              </a:solidFill>
-            </a:endParaRPr>
-          </a:p>
-        </p:txBody>
-      </p:sp>
-    </p:spTree>
-    <p:extLst>
-      <p:ext uri="{BB962C8B-B14F-4D97-AF65-F5344CB8AC3E}">
-        <p14:creationId xmlns:p14="http://schemas.microsoft.com/office/powerpoint/2010/main" val="1878750543"/>
-      </p:ext>
-    </p:extLst>
-  </p:cSld>
-  <p:clrMapOvr>
-    <a:masterClrMapping/>
-  </p:clrMapOvr>
-</p:sldLayout>
-</file>
-
-<file path=ppt/slideLayouts/slideLayout13.xml><?xml version="1.0" encoding="utf-8"?>
-<p:sldLayout xmlns:a="http://schemas.openxmlformats.org/drawingml/2006/main" xmlns:r="http://schemas.openxmlformats.org/officeDocument/2006/relationships" xmlns:p="http://schemas.openxmlformats.org/presentationml/2006/main" preserve="1" userDrawn="1">
-  <p:cSld name="3_제목 슬라이드">
-    <p:spTree>
-      <p:nvGrpSpPr>
-        <p:cNvPr id="1" name=""/>
-        <p:cNvGrpSpPr/>
-        <p:nvPr/>
-      </p:nvGrpSpPr>
-      <p:grpSpPr>
-        <a:xfrm>
-          <a:off x="0" y="0"/>
-          <a:ext cx="0" cy="0"/>
-          <a:chOff x="0" y="0"/>
-          <a:chExt cx="0" cy="0"/>
-        </a:xfrm>
-      </p:grpSpPr>
-      <p:sp>
-        <p:nvSpPr>
-          <p:cNvPr id="18" name="부제목 2"/>
-          <p:cNvSpPr>
-            <a:spLocks noGrp="1"/>
-          </p:cNvSpPr>
-          <p:nvPr>
-            <p:ph type="subTitle" idx="1"/>
-          </p:nvPr>
-        </p:nvSpPr>
-        <p:spPr>
-          <a:xfrm>
-            <a:off x="251520" y="78531"/>
-            <a:ext cx="8640960" cy="576065"/>
-          </a:xfrm>
-        </p:spPr>
-        <p:txBody>
-          <a:bodyPr anchor="ctr"/>
-          <a:lstStyle>
-            <a:lvl1pPr marL="0" indent="0" algn="ctr" rtl="0" fontAlgn="base" latinLnBrk="1">
-              <a:spcBef>
-                <a:spcPct val="0"/>
-              </a:spcBef>
-              <a:spcAft>
-                <a:spcPct val="0"/>
-              </a:spcAft>
-              <a:buNone/>
-              <a:defRPr kumimoji="1" lang="ko-KR" altLang="en-US" sz="2400" b="1" kern="1200" cap="none" spc="0" dirty="0">
-                <a:ln>
-                  <a:noFill/>
-                </a:ln>
-                <a:solidFill>
-                  <a:schemeClr val="bg1"/>
-                </a:solidFill>
-                <a:effectLst>
-                  <a:outerShdw blurRad="38100" dist="38100" dir="2700000" algn="tl">
-                    <a:srgbClr val="000000">
-                      <a:alpha val="43137"/>
-                    </a:srgbClr>
-                  </a:outerShdw>
-                </a:effectLst>
-                <a:latin typeface="+mj-lt"/>
-                <a:ea typeface="Arial" pitchFamily="34" charset="0"/>
-                <a:cs typeface="Arial" pitchFamily="34" charset="0"/>
-              </a:defRPr>
-            </a:lvl1pPr>
-            <a:lvl2pPr marL="457200" indent="0" algn="ctr">
-              <a:buNone/>
-              <a:defRPr/>
-            </a:lvl2pPr>
-            <a:lvl3pPr marL="914400" indent="0" algn="ctr">
-              <a:buNone/>
-              <a:defRPr/>
-            </a:lvl3pPr>
-            <a:lvl4pPr marL="1371600" indent="0" algn="ctr">
-              <a:buNone/>
-              <a:defRPr/>
-            </a:lvl4pPr>
-            <a:lvl5pPr marL="1828800" indent="0" algn="ctr">
-              <a:buNone/>
-              <a:defRPr/>
-            </a:lvl5pPr>
-            <a:lvl6pPr marL="2286000" indent="0" algn="ctr">
-              <a:buNone/>
-              <a:defRPr/>
-            </a:lvl6pPr>
-            <a:lvl7pPr marL="2743200" indent="0" algn="ctr">
-              <a:buNone/>
-              <a:defRPr/>
-            </a:lvl7pPr>
-            <a:lvl8pPr marL="3200400" indent="0" algn="ctr">
-              <a:buNone/>
-              <a:defRPr/>
-            </a:lvl8pPr>
-            <a:lvl9pPr marL="3657600" indent="0" algn="ctr">
-              <a:buNone/>
-              <a:defRPr/>
-            </a:lvl9pPr>
-          </a:lstStyle>
-          <a:p>
-            <a:r>
-              <a:rPr lang="ko-KR" altLang="en-US" dirty="0"/>
-              <a:t>마스터 부제목 스타일 편집</a:t>
-            </a:r>
-          </a:p>
-        </p:txBody>
-      </p:sp>
-      <p:sp>
-        <p:nvSpPr>
-          <p:cNvPr id="19" name="제목 1"/>
-          <p:cNvSpPr>
-            <a:spLocks noGrp="1"/>
-          </p:cNvSpPr>
-          <p:nvPr>
-            <p:ph type="ctrTitle"/>
-          </p:nvPr>
-        </p:nvSpPr>
-        <p:spPr>
-          <a:xfrm>
-            <a:off x="685800" y="1772816"/>
-            <a:ext cx="7772400" cy="1542033"/>
-          </a:xfrm>
-          <a:effectLst>
-            <a:outerShdw dist="17780" dir="2700000" algn="ctr" rotWithShape="0">
-              <a:srgbClr val="000000"/>
-            </a:outerShdw>
-          </a:effectLst>
-        </p:spPr>
-        <p:txBody>
-          <a:bodyPr/>
-          <a:lstStyle>
-            <a:lvl1pPr algn="ctr" rtl="0" fontAlgn="base" latinLnBrk="1">
-              <a:spcBef>
-                <a:spcPct val="0"/>
-              </a:spcBef>
-              <a:spcAft>
-                <a:spcPct val="0"/>
-              </a:spcAft>
-              <a:defRPr kumimoji="1" lang="ko-KR" altLang="en-US" sz="4400" b="1" kern="1200" dirty="0">
-                <a:solidFill>
-                  <a:schemeClr val="tx2">
-                    <a:lumMod val="75000"/>
-                  </a:schemeClr>
-                </a:solidFill>
-                <a:latin typeface="Adobe 고딕 Std B" pitchFamily="34" charset="-127"/>
-                <a:ea typeface="Adobe 고딕 Std B" pitchFamily="34" charset="-127"/>
-                <a:cs typeface="Adobe Arabic" pitchFamily="18" charset="-78"/>
-              </a:defRPr>
-            </a:lvl1pPr>
-          </a:lstStyle>
-          <a:p>
-            <a:r>
-              <a:rPr lang="ko-KR" altLang="en-US" dirty="0"/>
-              <a:t>마스터 제목 스타일 편집</a:t>
-            </a:r>
-          </a:p>
-        </p:txBody>
-      </p:sp>
-      <p:grpSp>
-        <p:nvGrpSpPr>
-          <p:cNvPr id="36" name="그룹 35"/>
-          <p:cNvGrpSpPr/>
-          <p:nvPr userDrawn="1"/>
-        </p:nvGrpSpPr>
-        <p:grpSpPr>
-          <a:xfrm>
-            <a:off x="-3579" y="3573016"/>
-            <a:ext cx="9147579" cy="64193"/>
-            <a:chOff x="-3579" y="3356992"/>
-            <a:chExt cx="9147579" cy="64193"/>
-          </a:xfrm>
-        </p:grpSpPr>
-        <p:cxnSp>
-          <p:nvCxnSpPr>
-            <p:cNvPr id="31" name="직선 연결선 30"/>
-            <p:cNvCxnSpPr/>
-            <p:nvPr userDrawn="1"/>
-          </p:nvCxnSpPr>
-          <p:spPr>
-            <a:xfrm>
-              <a:off x="0" y="3356992"/>
-              <a:ext cx="9144000" cy="0"/>
-            </a:xfrm>
-            <a:prstGeom prst="line">
-              <a:avLst/>
-            </a:prstGeom>
-            <a:ln w="63500">
-              <a:solidFill>
-                <a:schemeClr val="tx2">
-                  <a:lumMod val="75000"/>
-                </a:schemeClr>
-              </a:solidFill>
-              <a:tailEnd type="none"/>
-            </a:ln>
-          </p:spPr>
-          <p:style>
-            <a:lnRef idx="1">
-              <a:schemeClr val="accent1"/>
-            </a:lnRef>
-            <a:fillRef idx="0">
-              <a:schemeClr val="accent1"/>
-            </a:fillRef>
-            <a:effectRef idx="0">
-              <a:schemeClr val="accent1"/>
-            </a:effectRef>
-            <a:fontRef idx="minor">
-              <a:schemeClr val="tx1"/>
-            </a:fontRef>
-          </p:style>
-        </p:cxnSp>
-        <p:cxnSp>
-          <p:nvCxnSpPr>
-            <p:cNvPr id="32" name="직선 연결선 31"/>
-            <p:cNvCxnSpPr/>
-            <p:nvPr userDrawn="1"/>
-          </p:nvCxnSpPr>
-          <p:spPr>
-            <a:xfrm>
-              <a:off x="-3579" y="3421185"/>
-              <a:ext cx="9144000" cy="0"/>
-            </a:xfrm>
-            <a:prstGeom prst="line">
-              <a:avLst/>
-            </a:prstGeom>
-            <a:ln w="31750">
-              <a:solidFill>
-                <a:schemeClr val="accent1">
-                  <a:lumMod val="75000"/>
-                </a:schemeClr>
-              </a:solidFill>
-              <a:tailEnd type="none"/>
-            </a:ln>
-          </p:spPr>
-          <p:style>
-            <a:lnRef idx="1">
-              <a:schemeClr val="accent1"/>
-            </a:lnRef>
-            <a:fillRef idx="0">
-              <a:schemeClr val="accent1"/>
-            </a:fillRef>
-            <a:effectRef idx="0">
-              <a:schemeClr val="accent1"/>
-            </a:effectRef>
-            <a:fontRef idx="minor">
-              <a:schemeClr val="tx1"/>
-            </a:fontRef>
-          </p:style>
-        </p:cxnSp>
-      </p:grpSp>
-      <p:sp>
-        <p:nvSpPr>
-          <p:cNvPr id="12" name="TextBox 11"/>
-          <p:cNvSpPr txBox="1"/>
-          <p:nvPr userDrawn="1"/>
-        </p:nvSpPr>
-        <p:spPr>
-          <a:xfrm>
-            <a:off x="3347864" y="4030167"/>
-            <a:ext cx="2448272" cy="461665"/>
-          </a:xfrm>
-          <a:prstGeom prst="rect">
-            <a:avLst/>
-          </a:prstGeom>
-          <a:noFill/>
-        </p:spPr>
-        <p:txBody>
-          <a:bodyPr wrap="square" rtlCol="0">
-            <a:spAutoFit/>
-          </a:bodyPr>
-          <a:lstStyle/>
-          <a:p>
-            <a:pPr algn="ctr" fontAlgn="base">
-              <a:spcBef>
-                <a:spcPct val="0"/>
-              </a:spcBef>
-              <a:spcAft>
-                <a:spcPts val="600"/>
-              </a:spcAft>
-            </a:pPr>
-            <a:r>
-              <a:rPr kumimoji="1" lang="en-US" altLang="ko-KR" sz="2400" b="1" dirty="0" err="1">
-                <a:solidFill>
-                  <a:prstClr val="black"/>
-                </a:solidFill>
-                <a:latin typeface="맑은 고딕" pitchFamily="50" charset="-127"/>
-                <a:ea typeface="맑은 고딕" pitchFamily="50" charset="-127"/>
-              </a:rPr>
-              <a:t>Youjip</a:t>
-            </a:r>
-            <a:r>
-              <a:rPr kumimoji="1" lang="en-US" altLang="ko-KR" sz="2400" b="1" baseline="0" dirty="0">
-                <a:solidFill>
-                  <a:prstClr val="black"/>
-                </a:solidFill>
-                <a:latin typeface="맑은 고딕" pitchFamily="50" charset="-127"/>
-                <a:ea typeface="맑은 고딕" pitchFamily="50" charset="-127"/>
-              </a:rPr>
-              <a:t> Won</a:t>
-            </a:r>
-            <a:endParaRPr kumimoji="1" lang="en-US" altLang="ko-KR" sz="2400" b="1" dirty="0">
-              <a:solidFill>
-                <a:prstClr val="black"/>
-              </a:solidFill>
-              <a:latin typeface="맑은 고딕" pitchFamily="50" charset="-127"/>
-              <a:ea typeface="맑은 고딕" pitchFamily="50" charset="-127"/>
-            </a:endParaRPr>
-          </a:p>
-        </p:txBody>
-      </p:sp>
-      <p:pic>
-        <p:nvPicPr>
-          <p:cNvPr id="2" name="그림 1"/>
-          <p:cNvPicPr>
-            <a:picLocks noChangeAspect="1"/>
-          </p:cNvPicPr>
-          <p:nvPr userDrawn="1"/>
-        </p:nvPicPr>
-        <p:blipFill>
-          <a:blip r:embed="rId2" cstate="print">
-            <a:extLst>
-              <a:ext uri="{28A0092B-C50C-407E-A947-70E740481C1C}">
-                <a14:useLocalDpi xmlns:a14="http://schemas.microsoft.com/office/drawing/2010/main" val="0"/>
-              </a:ext>
-            </a:extLst>
-          </a:blip>
-          <a:stretch>
-            <a:fillRect/>
-          </a:stretch>
-        </p:blipFill>
-        <p:spPr>
-          <a:xfrm>
-            <a:off x="3252786" y="5013176"/>
-            <a:ext cx="2638429" cy="753613"/>
-          </a:xfrm>
-          <a:prstGeom prst="rect">
-            <a:avLst/>
-          </a:prstGeom>
-        </p:spPr>
-      </p:pic>
-    </p:spTree>
-    <p:extLst>
-      <p:ext uri="{BB962C8B-B14F-4D97-AF65-F5344CB8AC3E}">
-        <p14:creationId xmlns:p14="http://schemas.microsoft.com/office/powerpoint/2010/main" val="1225815063"/>
-      </p:ext>
-    </p:extLst>
-  </p:cSld>
-  <p:clrMapOvr>
-    <a:masterClrMapping/>
-  </p:clrMapOvr>
-</p:sldLayout>
-</file>
-
-<file path=ppt/slideLayouts/slideLayout14.xml><?xml version="1.0" encoding="utf-8"?>
-<p:sldLayout xmlns:a="http://schemas.openxmlformats.org/drawingml/2006/main" xmlns:r="http://schemas.openxmlformats.org/officeDocument/2006/relationships" xmlns:p="http://schemas.openxmlformats.org/presentationml/2006/main" preserve="1" userDrawn="1">
-  <p:cSld name="3_구역 머리글">
-    <p:spTree>
-      <p:nvGrpSpPr>
-        <p:cNvPr id="1" name=""/>
-        <p:cNvGrpSpPr/>
-        <p:nvPr/>
-      </p:nvGrpSpPr>
-      <p:grpSpPr>
-        <a:xfrm>
-          <a:off x="0" y="0"/>
-          <a:ext cx="0" cy="0"/>
-          <a:chOff x="0" y="0"/>
-          <a:chExt cx="0" cy="0"/>
-        </a:xfrm>
-      </p:grpSpPr>
-      <p:cxnSp>
-        <p:nvCxnSpPr>
-          <p:cNvPr id="4" name="직선 연결선 3"/>
-          <p:cNvCxnSpPr/>
-          <p:nvPr userDrawn="1"/>
-        </p:nvCxnSpPr>
-        <p:spPr>
-          <a:xfrm>
-            <a:off x="214313" y="4429125"/>
-            <a:ext cx="8786812" cy="0"/>
-          </a:xfrm>
-          <a:prstGeom prst="line">
-            <a:avLst/>
-          </a:prstGeom>
-          <a:ln w="38100">
-            <a:solidFill>
-              <a:schemeClr val="tx2">
-                <a:lumMod val="50000"/>
-              </a:schemeClr>
-            </a:solidFill>
-          </a:ln>
-        </p:spPr>
-        <p:style>
-          <a:lnRef idx="1">
-            <a:schemeClr val="accent1"/>
-          </a:lnRef>
-          <a:fillRef idx="0">
-            <a:schemeClr val="accent1"/>
-          </a:fillRef>
-          <a:effectRef idx="0">
-            <a:schemeClr val="accent1"/>
-          </a:effectRef>
-          <a:fontRef idx="minor">
-            <a:schemeClr val="tx1"/>
-          </a:fontRef>
-        </p:style>
-      </p:cxnSp>
-      <p:sp>
-        <p:nvSpPr>
-          <p:cNvPr id="3" name="텍스트 개체 틀 2"/>
-          <p:cNvSpPr>
-            <a:spLocks noGrp="1"/>
-          </p:cNvSpPr>
-          <p:nvPr>
-            <p:ph type="body" idx="1"/>
-          </p:nvPr>
-        </p:nvSpPr>
-        <p:spPr>
-          <a:xfrm>
-            <a:off x="891994" y="2906713"/>
-            <a:ext cx="8072494" cy="1500187"/>
-          </a:xfrm>
-        </p:spPr>
-        <p:txBody>
-          <a:bodyPr anchor="b"/>
-          <a:lstStyle>
-            <a:lvl1pPr marL="0" indent="0" algn="r">
-              <a:buNone/>
-              <a:defRPr sz="3200" b="1">
-                <a:solidFill>
-                  <a:schemeClr val="tx2">
-                    <a:lumMod val="50000"/>
-                  </a:schemeClr>
-                </a:solidFill>
-              </a:defRPr>
-            </a:lvl1pPr>
-            <a:lvl2pPr marL="457200" indent="0">
-              <a:buNone/>
-              <a:defRPr sz="1800"/>
-            </a:lvl2pPr>
-            <a:lvl3pPr marL="914400" indent="0">
-              <a:buNone/>
-              <a:defRPr sz="1600"/>
-            </a:lvl3pPr>
-            <a:lvl4pPr marL="1371600" indent="0">
-              <a:buNone/>
-              <a:defRPr sz="1400"/>
-            </a:lvl4pPr>
-            <a:lvl5pPr marL="1828800" indent="0">
-              <a:buNone/>
-              <a:defRPr sz="1400"/>
-            </a:lvl5pPr>
-            <a:lvl6pPr marL="2286000" indent="0">
-              <a:buNone/>
-              <a:defRPr sz="1400"/>
-            </a:lvl6pPr>
-            <a:lvl7pPr marL="2743200" indent="0">
-              <a:buNone/>
-              <a:defRPr sz="1400"/>
-            </a:lvl7pPr>
-            <a:lvl8pPr marL="3200400" indent="0">
-              <a:buNone/>
-              <a:defRPr sz="1400"/>
-            </a:lvl8pPr>
-            <a:lvl9pPr marL="3657600" indent="0">
-              <a:buNone/>
-              <a:defRPr sz="1400"/>
-            </a:lvl9pPr>
-          </a:lstStyle>
-          <a:p>
-            <a:pPr lvl="0"/>
-            <a:r>
-              <a:rPr lang="ko-KR" altLang="en-US" dirty="0"/>
-              <a:t>마스터 텍스트 스타일을 편집합니다</a:t>
-            </a:r>
-          </a:p>
-        </p:txBody>
-      </p:sp>
-      <p:cxnSp>
-        <p:nvCxnSpPr>
-          <p:cNvPr id="9" name="직선 연결선 8"/>
-          <p:cNvCxnSpPr/>
-          <p:nvPr userDrawn="1"/>
-        </p:nvCxnSpPr>
-        <p:spPr>
-          <a:xfrm>
-            <a:off x="0" y="6500813"/>
-            <a:ext cx="9144000" cy="0"/>
-          </a:xfrm>
-          <a:prstGeom prst="line">
-            <a:avLst/>
-          </a:prstGeom>
-          <a:ln w="25400">
-            <a:solidFill>
-              <a:schemeClr val="tx2">
-                <a:lumMod val="75000"/>
-              </a:schemeClr>
-            </a:solidFill>
-          </a:ln>
-        </p:spPr>
-        <p:style>
-          <a:lnRef idx="1">
-            <a:schemeClr val="accent1"/>
-          </a:lnRef>
-          <a:fillRef idx="0">
-            <a:schemeClr val="accent1"/>
-          </a:fillRef>
-          <a:effectRef idx="0">
-            <a:schemeClr val="accent1"/>
-          </a:effectRef>
-          <a:fontRef idx="minor">
-            <a:schemeClr val="tx1"/>
-          </a:fontRef>
-        </p:style>
-      </p:cxnSp>
-      <p:sp>
-        <p:nvSpPr>
-          <p:cNvPr id="14" name="Rectangle 6"/>
-          <p:cNvSpPr>
-            <a:spLocks noGrp="1" noChangeArrowheads="1"/>
-          </p:cNvSpPr>
-          <p:nvPr>
-            <p:ph type="sldNum" sz="quarter" idx="11"/>
-          </p:nvPr>
-        </p:nvSpPr>
-        <p:spPr>
-          <a:xfrm>
-            <a:off x="7964934" y="6592713"/>
-            <a:ext cx="1071562" cy="220663"/>
-          </a:xfrm>
-        </p:spPr>
-        <p:txBody>
-          <a:bodyPr/>
-          <a:lstStyle>
-            <a:lvl1pPr>
-              <a:defRPr b="1">
-                <a:latin typeface="맑은 고딕" pitchFamily="50" charset="-127"/>
-                <a:ea typeface="맑은 고딕" pitchFamily="50" charset="-127"/>
-              </a:defRPr>
-            </a:lvl1pPr>
-          </a:lstStyle>
-          <a:p>
-            <a:pPr>
-              <a:defRPr/>
-            </a:pPr>
-            <a:fld id="{515CC4ED-1449-4712-AE45-EBC263B4DD26}" type="slidenum">
-              <a:rPr lang="en-US" altLang="ko-KR" smtClean="0">
-                <a:solidFill>
-                  <a:srgbClr val="1F497D">
-                    <a:lumMod val="50000"/>
-                  </a:srgbClr>
-                </a:solidFill>
-              </a:rPr>
-              <a:pPr>
-                <a:defRPr/>
-              </a:pPr>
-              <a:t>‹#›</a:t>
-            </a:fld>
-            <a:r>
-              <a:rPr lang="en-US" altLang="ko-KR">
-                <a:solidFill>
-                  <a:srgbClr val="1F497D">
-                    <a:lumMod val="50000"/>
-                  </a:srgbClr>
-                </a:solidFill>
-              </a:rPr>
-              <a:t> </a:t>
-            </a:r>
-          </a:p>
-        </p:txBody>
-      </p:sp>
-      <p:sp>
-        <p:nvSpPr>
-          <p:cNvPr id="15" name="Rectangle 5"/>
-          <p:cNvSpPr>
-            <a:spLocks noGrp="1" noChangeArrowheads="1"/>
-          </p:cNvSpPr>
-          <p:nvPr>
-            <p:ph type="ftr" sz="quarter" idx="3"/>
-          </p:nvPr>
-        </p:nvSpPr>
-        <p:spPr>
-          <a:xfrm>
-            <a:off x="3033713" y="6582995"/>
-            <a:ext cx="3038475" cy="220663"/>
-          </a:xfrm>
-          <a:prstGeom prst="rect">
-            <a:avLst/>
-          </a:prstGeom>
-        </p:spPr>
-        <p:txBody>
-          <a:bodyPr/>
-          <a:lstStyle>
-            <a:lvl1pPr algn="ctr">
-              <a:defRPr sz="1000" b="1">
-                <a:latin typeface="맑은 고딕" pitchFamily="50" charset="-127"/>
-                <a:ea typeface="맑은 고딕" pitchFamily="50" charset="-127"/>
-              </a:defRPr>
-            </a:lvl1pPr>
-          </a:lstStyle>
-          <a:p>
-            <a:pPr fontAlgn="base">
-              <a:spcBef>
-                <a:spcPct val="0"/>
-              </a:spcBef>
-              <a:spcAft>
-                <a:spcPct val="0"/>
-              </a:spcAft>
-              <a:defRPr/>
-            </a:pPr>
-            <a:r>
-              <a:rPr kumimoji="1" lang="en-US" altLang="ko-KR">
-                <a:solidFill>
-                  <a:prstClr val="black"/>
-                </a:solidFill>
-              </a:rPr>
-              <a:t>CSCI 3150 Intro to OS</a:t>
-            </a:r>
-            <a:endParaRPr kumimoji="1" lang="ko-KR" altLang="en-US" dirty="0">
-              <a:solidFill>
-                <a:prstClr val="black"/>
-              </a:solidFill>
-            </a:endParaRPr>
-          </a:p>
-        </p:txBody>
-      </p:sp>
-      <p:pic>
-        <p:nvPicPr>
-          <p:cNvPr id="10" name="그림 9"/>
-          <p:cNvPicPr>
-            <a:picLocks noChangeAspect="1"/>
-          </p:cNvPicPr>
-          <p:nvPr userDrawn="1"/>
-        </p:nvPicPr>
-        <p:blipFill>
-          <a:blip r:embed="rId2" cstate="print">
-            <a:extLst>
-              <a:ext uri="{28A0092B-C50C-407E-A947-70E740481C1C}">
-                <a14:useLocalDpi xmlns:a14="http://schemas.microsoft.com/office/drawing/2010/main" val="0"/>
-              </a:ext>
-            </a:extLst>
-          </a:blip>
-          <a:stretch>
-            <a:fillRect/>
-          </a:stretch>
-        </p:blipFill>
-        <p:spPr>
-          <a:xfrm>
-            <a:off x="216854" y="6593998"/>
-            <a:ext cx="768052" cy="219378"/>
-          </a:xfrm>
-          <a:prstGeom prst="rect">
-            <a:avLst/>
-          </a:prstGeom>
-        </p:spPr>
-      </p:pic>
-    </p:spTree>
-    <p:extLst>
-      <p:ext uri="{BB962C8B-B14F-4D97-AF65-F5344CB8AC3E}">
-        <p14:creationId xmlns:p14="http://schemas.microsoft.com/office/powerpoint/2010/main" val="2533126366"/>
-      </p:ext>
-    </p:extLst>
-  </p:cSld>
-  <p:clrMapOvr>
-    <a:masterClrMapping/>
-  </p:clrMapOvr>
-</p:sldLayout>
-</file>
-
-<file path=ppt/slideLayouts/slideLayout2.xml><?xml version="1.0" encoding="utf-8"?>
-<p:sldLayout xmlns:a="http://schemas.openxmlformats.org/drawingml/2006/main" xmlns:r="http://schemas.openxmlformats.org/officeDocument/2006/relationships" xmlns:p="http://schemas.openxmlformats.org/presentationml/2006/main" type="obj" preserve="1">
-  <p:cSld name="제목 및 내용">
-    <p:spTree>
-      <p:nvGrpSpPr>
-        <p:cNvPr id="1" name=""/>
-        <p:cNvGrpSpPr/>
-        <p:nvPr/>
-      </p:nvGrpSpPr>
-      <p:grpSpPr>
-        <a:xfrm>
-          <a:off x="0" y="0"/>
-          <a:ext cx="0" cy="0"/>
-          <a:chOff x="0" y="0"/>
-          <a:chExt cx="0" cy="0"/>
-        </a:xfrm>
-      </p:grpSpPr>
-      <p:cxnSp>
-        <p:nvCxnSpPr>
-          <p:cNvPr id="4" name="직선 연결선 3"/>
-          <p:cNvCxnSpPr/>
-          <p:nvPr/>
-        </p:nvCxnSpPr>
-        <p:spPr>
-          <a:xfrm>
-            <a:off x="0" y="6500813"/>
-            <a:ext cx="9144000" cy="0"/>
-          </a:xfrm>
-          <a:prstGeom prst="line">
-            <a:avLst/>
-          </a:prstGeom>
-          <a:ln w="25400">
-            <a:solidFill>
-              <a:schemeClr val="tx2">
-                <a:lumMod val="75000"/>
-              </a:schemeClr>
-            </a:solidFill>
-          </a:ln>
-        </p:spPr>
-        <p:style>
-          <a:lnRef idx="1">
-            <a:schemeClr val="accent1"/>
-          </a:lnRef>
-          <a:fillRef idx="0">
-            <a:schemeClr val="accent1"/>
-          </a:fillRef>
-          <a:effectRef idx="0">
-            <a:schemeClr val="accent1"/>
-          </a:effectRef>
-          <a:fontRef idx="minor">
-            <a:schemeClr val="tx1"/>
-          </a:fontRef>
-        </p:style>
-      </p:cxnSp>
-      <p:sp>
-        <p:nvSpPr>
-          <p:cNvPr id="2" name="제목 1"/>
-          <p:cNvSpPr>
-            <a:spLocks noGrp="1"/>
-          </p:cNvSpPr>
-          <p:nvPr>
-            <p:ph type="title"/>
-          </p:nvPr>
-        </p:nvSpPr>
-        <p:spPr/>
-        <p:txBody>
-          <a:bodyPr/>
-          <a:lstStyle>
-            <a:lvl1pPr>
-              <a:defRPr sz="2400">
-                <a:solidFill>
-                  <a:schemeClr val="bg1"/>
-                </a:solidFill>
-              </a:defRPr>
-            </a:lvl1pPr>
-          </a:lstStyle>
-          <a:p>
-            <a:r>
-              <a:rPr lang="en-GB" altLang="ko-KR"/>
-              <a:t>Click to edit Master title style</a:t>
-            </a:r>
-            <a:endParaRPr lang="ko-KR" altLang="en-US" dirty="0"/>
-          </a:p>
-        </p:txBody>
-      </p:sp>
-      <p:sp>
-        <p:nvSpPr>
-          <p:cNvPr id="3" name="내용 개체 틀 2"/>
-          <p:cNvSpPr>
-            <a:spLocks noGrp="1"/>
-          </p:cNvSpPr>
-          <p:nvPr>
-            <p:ph idx="1"/>
-          </p:nvPr>
-        </p:nvSpPr>
-        <p:spPr>
-          <a:xfrm>
-            <a:off x="214313" y="880070"/>
-            <a:ext cx="8786812" cy="5501258"/>
-          </a:xfrm>
-        </p:spPr>
-        <p:txBody>
-          <a:bodyPr/>
-          <a:lstStyle>
-            <a:lvl1pPr>
-              <a:lnSpc>
-                <a:spcPct val="150000"/>
-              </a:lnSpc>
-              <a:buClr>
-                <a:srgbClr val="002060"/>
-              </a:buClr>
-              <a:defRPr sz="2000" b="0">
-                <a:solidFill>
-                  <a:schemeClr val="tx1"/>
-                </a:solidFill>
-              </a:defRPr>
-            </a:lvl1pPr>
-            <a:lvl2pPr>
-              <a:lnSpc>
-                <a:spcPct val="150000"/>
-              </a:lnSpc>
-              <a:buClr>
-                <a:srgbClr val="002060"/>
-              </a:buClr>
-              <a:defRPr sz="1800">
-                <a:solidFill>
-                  <a:schemeClr val="tx1"/>
-                </a:solidFill>
-              </a:defRPr>
-            </a:lvl2pPr>
-            <a:lvl3pPr>
-              <a:lnSpc>
-                <a:spcPct val="150000"/>
-              </a:lnSpc>
-              <a:buClr>
-                <a:srgbClr val="002060"/>
-              </a:buClr>
-              <a:defRPr sz="1600">
-                <a:solidFill>
-                  <a:schemeClr val="tx1"/>
-                </a:solidFill>
-              </a:defRPr>
-            </a:lvl3pPr>
-            <a:lvl4pPr>
-              <a:lnSpc>
-                <a:spcPct val="150000"/>
-              </a:lnSpc>
-              <a:buClr>
-                <a:srgbClr val="002060"/>
-              </a:buClr>
-              <a:defRPr sz="1400">
-                <a:solidFill>
-                  <a:schemeClr val="tx1"/>
-                </a:solidFill>
-              </a:defRPr>
-            </a:lvl4pPr>
-            <a:lvl5pPr>
-              <a:lnSpc>
-                <a:spcPct val="150000"/>
-              </a:lnSpc>
-              <a:buClr>
-                <a:srgbClr val="002060"/>
-              </a:buClr>
-              <a:defRPr sz="1400">
-                <a:solidFill>
-                  <a:schemeClr val="tx1"/>
-                </a:solidFill>
-              </a:defRPr>
-            </a:lvl5pPr>
-          </a:lstStyle>
-          <a:p>
-            <a:pPr lvl="0"/>
-            <a:r>
-              <a:rPr lang="en-GB" altLang="ko-KR"/>
-              <a:t>Click to edit Master text styles</a:t>
-            </a:r>
-          </a:p>
-          <a:p>
-            <a:pPr lvl="1"/>
-            <a:r>
-              <a:rPr lang="en-GB" altLang="ko-KR"/>
-              <a:t>Second level</a:t>
-            </a:r>
-          </a:p>
-          <a:p>
-            <a:pPr lvl="2"/>
-            <a:r>
-              <a:rPr lang="en-GB" altLang="ko-KR"/>
-              <a:t>Third level</a:t>
-            </a:r>
-          </a:p>
-          <a:p>
-            <a:pPr lvl="3"/>
-            <a:r>
-              <a:rPr lang="en-GB" altLang="ko-KR"/>
-              <a:t>Fourth level</a:t>
-            </a:r>
-          </a:p>
-          <a:p>
-            <a:pPr lvl="4"/>
-            <a:r>
-              <a:rPr lang="en-GB" altLang="ko-KR"/>
-              <a:t>Fifth level</a:t>
-            </a:r>
-            <a:endParaRPr lang="ko-KR" altLang="en-US" dirty="0"/>
-          </a:p>
-        </p:txBody>
-      </p:sp>
-      <p:sp>
-        <p:nvSpPr>
-          <p:cNvPr id="7" name="Rectangle 6"/>
-          <p:cNvSpPr>
-            <a:spLocks noGrp="1" noChangeArrowheads="1"/>
-          </p:cNvSpPr>
-          <p:nvPr>
-            <p:ph type="sldNum" sz="quarter" idx="11"/>
-          </p:nvPr>
-        </p:nvSpPr>
-        <p:spPr>
-          <a:xfrm>
-            <a:off x="7964934" y="6592713"/>
-            <a:ext cx="1071562" cy="220663"/>
-          </a:xfrm>
-        </p:spPr>
-        <p:txBody>
-          <a:bodyPr/>
-          <a:lstStyle>
-            <a:lvl1pPr>
-              <a:defRPr b="1">
-                <a:latin typeface="맑은 고딕" pitchFamily="50" charset="-127"/>
-                <a:ea typeface="맑은 고딕" pitchFamily="50" charset="-127"/>
-              </a:defRPr>
-            </a:lvl1pPr>
-          </a:lstStyle>
-          <a:p>
-            <a:pPr>
-              <a:defRPr/>
-            </a:pPr>
-            <a:fld id="{515CC4ED-1449-4712-AE45-EBC263B4DD26}" type="slidenum">
-              <a:rPr lang="en-US" altLang="ko-KR" smtClean="0">
-                <a:solidFill>
-                  <a:srgbClr val="1F497D">
-                    <a:lumMod val="50000"/>
-                  </a:srgbClr>
-                </a:solidFill>
-              </a:rPr>
-              <a:pPr>
-                <a:defRPr/>
-              </a:pPr>
-              <a:t>‹#›</a:t>
-            </a:fld>
-            <a:r>
-              <a:rPr lang="en-US" altLang="ko-KR">
-                <a:solidFill>
-                  <a:srgbClr val="1F497D">
-                    <a:lumMod val="50000"/>
-                  </a:srgbClr>
-                </a:solidFill>
-              </a:rPr>
-              <a:t> </a:t>
-            </a:r>
-          </a:p>
-        </p:txBody>
-      </p:sp>
-      <p:sp>
-        <p:nvSpPr>
-          <p:cNvPr id="10" name="Rectangle 5"/>
-          <p:cNvSpPr>
-            <a:spLocks noGrp="1" noChangeArrowheads="1"/>
-          </p:cNvSpPr>
-          <p:nvPr>
-            <p:ph type="ftr" sz="quarter" idx="3"/>
-          </p:nvPr>
-        </p:nvSpPr>
-        <p:spPr>
-          <a:xfrm>
-            <a:off x="3033713" y="6582995"/>
-            <a:ext cx="3038475" cy="220663"/>
-          </a:xfrm>
-          <a:prstGeom prst="rect">
-            <a:avLst/>
-          </a:prstGeom>
-        </p:spPr>
-        <p:txBody>
-          <a:bodyPr/>
-          <a:lstStyle>
-            <a:lvl1pPr algn="ctr">
-              <a:defRPr sz="1000" b="1">
-                <a:latin typeface="맑은 고딕" pitchFamily="50" charset="-127"/>
-                <a:ea typeface="맑은 고딕" pitchFamily="50" charset="-127"/>
-              </a:defRPr>
-            </a:lvl1pPr>
-          </a:lstStyle>
-          <a:p>
-            <a:pPr fontAlgn="base">
-              <a:spcBef>
-                <a:spcPct val="0"/>
-              </a:spcBef>
-              <a:spcAft>
-                <a:spcPct val="0"/>
-              </a:spcAft>
-              <a:defRPr/>
-            </a:pPr>
-            <a:r>
-              <a:rPr kumimoji="1" lang="en-US" altLang="ko-KR">
-                <a:solidFill>
-                  <a:prstClr val="black"/>
-                </a:solidFill>
-              </a:rPr>
-              <a:t>CSCI 3150 Intro to OS</a:t>
-            </a:r>
-            <a:endParaRPr kumimoji="1" lang="ko-KR" altLang="en-US" dirty="0">
-              <a:solidFill>
-                <a:prstClr val="black"/>
-              </a:solidFill>
-            </a:endParaRPr>
-          </a:p>
-        </p:txBody>
-      </p:sp>
-    </p:spTree>
-    <p:extLst>
-      <p:ext uri="{BB962C8B-B14F-4D97-AF65-F5344CB8AC3E}">
-        <p14:creationId xmlns:p14="http://schemas.microsoft.com/office/powerpoint/2010/main" val="1572499900"/>
-      </p:ext>
-    </p:extLst>
-  </p:cSld>
-  <p:clrMapOvr>
-    <a:masterClrMapping/>
-  </p:clrMapOvr>
-</p:sldLayout>
-</file>
-
-<file path=ppt/slideLayouts/slideLayout3.xml><?xml version="1.0" encoding="utf-8"?>
-<p:sldLayout xmlns:a="http://schemas.openxmlformats.org/drawingml/2006/main" xmlns:r="http://schemas.openxmlformats.org/officeDocument/2006/relationships" xmlns:p="http://schemas.openxmlformats.org/presentationml/2006/main" preserve="1">
-  <p:cSld name="구역 머리글">
-    <p:spTree>
-      <p:nvGrpSpPr>
-        <p:cNvPr id="1" name=""/>
-        <p:cNvGrpSpPr/>
-        <p:nvPr/>
-      </p:nvGrpSpPr>
-      <p:grpSpPr>
-        <a:xfrm>
-          <a:off x="0" y="0"/>
-          <a:ext cx="0" cy="0"/>
-          <a:chOff x="0" y="0"/>
-          <a:chExt cx="0" cy="0"/>
-        </a:xfrm>
-      </p:grpSpPr>
-      <p:cxnSp>
-        <p:nvCxnSpPr>
-          <p:cNvPr id="4" name="직선 연결선 3"/>
-          <p:cNvCxnSpPr/>
-          <p:nvPr/>
-        </p:nvCxnSpPr>
-        <p:spPr>
-          <a:xfrm>
-            <a:off x="214313" y="4429125"/>
-            <a:ext cx="8786812" cy="0"/>
-          </a:xfrm>
-          <a:prstGeom prst="line">
-            <a:avLst/>
-          </a:prstGeom>
-          <a:ln w="38100">
-            <a:solidFill>
-              <a:schemeClr val="tx2">
-                <a:lumMod val="50000"/>
-              </a:schemeClr>
-            </a:solidFill>
-          </a:ln>
-        </p:spPr>
-        <p:style>
-          <a:lnRef idx="1">
-            <a:schemeClr val="accent1"/>
-          </a:lnRef>
-          <a:fillRef idx="0">
-            <a:schemeClr val="accent1"/>
-          </a:fillRef>
-          <a:effectRef idx="0">
-            <a:schemeClr val="accent1"/>
-          </a:effectRef>
-          <a:fontRef idx="minor">
-            <a:schemeClr val="tx1"/>
-          </a:fontRef>
-        </p:style>
-      </p:cxnSp>
-      <p:sp>
-        <p:nvSpPr>
-          <p:cNvPr id="3" name="텍스트 개체 틀 2"/>
-          <p:cNvSpPr>
-            <a:spLocks noGrp="1"/>
-          </p:cNvSpPr>
-          <p:nvPr>
-            <p:ph type="body" idx="1"/>
-          </p:nvPr>
-        </p:nvSpPr>
-        <p:spPr>
-          <a:xfrm>
-            <a:off x="891994" y="2906713"/>
-            <a:ext cx="8072494" cy="1500187"/>
-          </a:xfrm>
-        </p:spPr>
-        <p:txBody>
-          <a:bodyPr anchor="b"/>
-          <a:lstStyle>
-            <a:lvl1pPr marL="0" indent="0" algn="r">
-              <a:buNone/>
-              <a:defRPr sz="3200" b="1">
-                <a:solidFill>
-                  <a:schemeClr val="tx2">
-                    <a:lumMod val="50000"/>
-                  </a:schemeClr>
-                </a:solidFill>
-              </a:defRPr>
-            </a:lvl1pPr>
-            <a:lvl2pPr marL="457200" indent="0">
-              <a:buNone/>
-              <a:defRPr sz="1800"/>
-            </a:lvl2pPr>
-            <a:lvl3pPr marL="914400" indent="0">
-              <a:buNone/>
-              <a:defRPr sz="1600"/>
-            </a:lvl3pPr>
-            <a:lvl4pPr marL="1371600" indent="0">
-              <a:buNone/>
-              <a:defRPr sz="1400"/>
-            </a:lvl4pPr>
-            <a:lvl5pPr marL="1828800" indent="0">
-              <a:buNone/>
-              <a:defRPr sz="1400"/>
-            </a:lvl5pPr>
-            <a:lvl6pPr marL="2286000" indent="0">
-              <a:buNone/>
-              <a:defRPr sz="1400"/>
-            </a:lvl6pPr>
-            <a:lvl7pPr marL="2743200" indent="0">
-              <a:buNone/>
-              <a:defRPr sz="1400"/>
-            </a:lvl7pPr>
-            <a:lvl8pPr marL="3200400" indent="0">
-              <a:buNone/>
-              <a:defRPr sz="1400"/>
-            </a:lvl8pPr>
-            <a:lvl9pPr marL="3657600" indent="0">
-              <a:buNone/>
-              <a:defRPr sz="1400"/>
-            </a:lvl9pPr>
-          </a:lstStyle>
-          <a:p>
-            <a:pPr lvl="0"/>
-            <a:r>
-              <a:rPr lang="en-GB" altLang="ko-KR"/>
-              <a:t>Click to edit Master text styles</a:t>
-            </a:r>
-          </a:p>
-        </p:txBody>
-      </p:sp>
-      <p:cxnSp>
-        <p:nvCxnSpPr>
-          <p:cNvPr id="9" name="직선 연결선 8"/>
-          <p:cNvCxnSpPr/>
-          <p:nvPr/>
-        </p:nvCxnSpPr>
-        <p:spPr>
-          <a:xfrm>
-            <a:off x="0" y="6500813"/>
-            <a:ext cx="9144000" cy="0"/>
-          </a:xfrm>
-          <a:prstGeom prst="line">
-            <a:avLst/>
-          </a:prstGeom>
-          <a:ln w="25400">
-            <a:solidFill>
-              <a:schemeClr val="tx2">
-                <a:lumMod val="75000"/>
-              </a:schemeClr>
-            </a:solidFill>
-          </a:ln>
-        </p:spPr>
-        <p:style>
-          <a:lnRef idx="1">
-            <a:schemeClr val="accent1"/>
-          </a:lnRef>
-          <a:fillRef idx="0">
-            <a:schemeClr val="accent1"/>
-          </a:fillRef>
-          <a:effectRef idx="0">
-            <a:schemeClr val="accent1"/>
-          </a:effectRef>
-          <a:fontRef idx="minor">
-            <a:schemeClr val="tx1"/>
-          </a:fontRef>
-        </p:style>
-      </p:cxnSp>
-      <p:sp>
-        <p:nvSpPr>
-          <p:cNvPr id="14" name="Rectangle 6"/>
-          <p:cNvSpPr>
-            <a:spLocks noGrp="1" noChangeArrowheads="1"/>
-          </p:cNvSpPr>
-          <p:nvPr>
-            <p:ph type="sldNum" sz="quarter" idx="11"/>
-          </p:nvPr>
-        </p:nvSpPr>
-        <p:spPr>
-          <a:xfrm>
-            <a:off x="7964934" y="6592713"/>
-            <a:ext cx="1071562" cy="220663"/>
-          </a:xfrm>
-        </p:spPr>
-        <p:txBody>
-          <a:bodyPr/>
-          <a:lstStyle>
-            <a:lvl1pPr>
-              <a:defRPr b="1">
-                <a:latin typeface="맑은 고딕" pitchFamily="50" charset="-127"/>
-                <a:ea typeface="맑은 고딕" pitchFamily="50" charset="-127"/>
-              </a:defRPr>
-            </a:lvl1pPr>
-          </a:lstStyle>
-          <a:p>
-            <a:pPr>
-              <a:defRPr/>
-            </a:pPr>
-            <a:fld id="{515CC4ED-1449-4712-AE45-EBC263B4DD26}" type="slidenum">
-              <a:rPr lang="en-US" altLang="ko-KR" smtClean="0">
-                <a:solidFill>
-                  <a:srgbClr val="1F497D">
-                    <a:lumMod val="50000"/>
-                  </a:srgbClr>
-                </a:solidFill>
-              </a:rPr>
-              <a:pPr>
-                <a:defRPr/>
-              </a:pPr>
-              <a:t>‹#›</a:t>
-            </a:fld>
-            <a:r>
-              <a:rPr lang="en-US" altLang="ko-KR">
-                <a:solidFill>
-                  <a:srgbClr val="1F497D">
-                    <a:lumMod val="50000"/>
-                  </a:srgbClr>
-                </a:solidFill>
-              </a:rPr>
-              <a:t> </a:t>
-            </a:r>
-          </a:p>
-        </p:txBody>
-      </p:sp>
-      <p:sp>
-        <p:nvSpPr>
-          <p:cNvPr id="15" name="Rectangle 5"/>
-          <p:cNvSpPr>
-            <a:spLocks noGrp="1" noChangeArrowheads="1"/>
-          </p:cNvSpPr>
-          <p:nvPr>
-            <p:ph type="ftr" sz="quarter" idx="3"/>
-          </p:nvPr>
-        </p:nvSpPr>
-        <p:spPr>
-          <a:xfrm>
-            <a:off x="3033713" y="6582995"/>
-            <a:ext cx="3038475" cy="220663"/>
-          </a:xfrm>
-          <a:prstGeom prst="rect">
-            <a:avLst/>
-          </a:prstGeom>
-        </p:spPr>
-        <p:txBody>
-          <a:bodyPr/>
-          <a:lstStyle>
-            <a:lvl1pPr algn="ctr">
-              <a:defRPr sz="1000" b="1">
-                <a:latin typeface="맑은 고딕" pitchFamily="50" charset="-127"/>
-                <a:ea typeface="맑은 고딕" pitchFamily="50" charset="-127"/>
-              </a:defRPr>
-            </a:lvl1pPr>
-          </a:lstStyle>
-          <a:p>
-            <a:pPr fontAlgn="base">
-              <a:spcBef>
-                <a:spcPct val="0"/>
-              </a:spcBef>
-              <a:spcAft>
-                <a:spcPct val="0"/>
-              </a:spcAft>
-              <a:defRPr/>
-            </a:pPr>
-            <a:r>
-              <a:rPr kumimoji="1" lang="en-US" altLang="ko-KR">
-                <a:solidFill>
-                  <a:prstClr val="black"/>
-                </a:solidFill>
-              </a:rPr>
-              <a:t>CSCI 3150 Intro to OS</a:t>
-            </a:r>
-            <a:endParaRPr kumimoji="1" lang="ko-KR" altLang="en-US" dirty="0">
-              <a:solidFill>
-                <a:prstClr val="black"/>
-              </a:solidFill>
-            </a:endParaRPr>
-          </a:p>
-        </p:txBody>
-      </p:sp>
-    </p:spTree>
-    <p:extLst>
-      <p:ext uri="{BB962C8B-B14F-4D97-AF65-F5344CB8AC3E}">
-        <p14:creationId xmlns:p14="http://schemas.microsoft.com/office/powerpoint/2010/main" val="1734240091"/>
-      </p:ext>
-    </p:extLst>
-  </p:cSld>
-  <p:clrMapOvr>
-    <a:masterClrMapping/>
-  </p:clrMapOvr>
-</p:sldLayout>
-</file>
-
-<file path=ppt/slideLayouts/slideLayout4.xml><?xml version="1.0" encoding="utf-8"?>
-<p:sldLayout xmlns:a="http://schemas.openxmlformats.org/drawingml/2006/main" xmlns:r="http://schemas.openxmlformats.org/officeDocument/2006/relationships" xmlns:p="http://schemas.openxmlformats.org/presentationml/2006/main" preserve="1" userDrawn="1">
-  <p:cSld name="1_제목 슬라이드">
-    <p:spTree>
-      <p:nvGrpSpPr>
-        <p:cNvPr id="1" name=""/>
-        <p:cNvGrpSpPr/>
-        <p:nvPr/>
-      </p:nvGrpSpPr>
-      <p:grpSpPr>
-        <a:xfrm>
-          <a:off x="0" y="0"/>
-          <a:ext cx="0" cy="0"/>
-          <a:chOff x="0" y="0"/>
-          <a:chExt cx="0" cy="0"/>
-        </a:xfrm>
-      </p:grpSpPr>
-      <p:sp>
-        <p:nvSpPr>
-          <p:cNvPr id="18" name="부제목 2"/>
-          <p:cNvSpPr>
-            <a:spLocks noGrp="1"/>
-          </p:cNvSpPr>
-          <p:nvPr>
-            <p:ph type="subTitle" idx="1"/>
-          </p:nvPr>
-        </p:nvSpPr>
-        <p:spPr>
-          <a:xfrm>
-            <a:off x="251520" y="78531"/>
-            <a:ext cx="8640960" cy="576065"/>
-          </a:xfrm>
-        </p:spPr>
-        <p:txBody>
-          <a:bodyPr anchor="ctr"/>
-          <a:lstStyle>
-            <a:lvl1pPr marL="0" indent="0" algn="ctr" rtl="0" fontAlgn="base" latinLnBrk="1">
-              <a:spcBef>
-                <a:spcPct val="0"/>
-              </a:spcBef>
-              <a:spcAft>
-                <a:spcPct val="0"/>
-              </a:spcAft>
-              <a:buNone/>
-              <a:defRPr kumimoji="1" lang="ko-KR" altLang="en-US" sz="2400" b="1" kern="1200" cap="none" spc="0" dirty="0">
-                <a:ln>
-                  <a:noFill/>
-                </a:ln>
-                <a:solidFill>
-                  <a:schemeClr val="bg1"/>
-                </a:solidFill>
-                <a:effectLst>
-                  <a:outerShdw blurRad="38100" dist="38100" dir="2700000" algn="tl">
-                    <a:srgbClr val="000000">
-                      <a:alpha val="43137"/>
-                    </a:srgbClr>
-                  </a:outerShdw>
-                </a:effectLst>
-                <a:latin typeface="+mj-lt"/>
-                <a:ea typeface="Arial" pitchFamily="34" charset="0"/>
-                <a:cs typeface="Arial" pitchFamily="34" charset="0"/>
-              </a:defRPr>
-            </a:lvl1pPr>
-            <a:lvl2pPr marL="457200" indent="0" algn="ctr">
-              <a:buNone/>
-              <a:defRPr/>
-            </a:lvl2pPr>
-            <a:lvl3pPr marL="914400" indent="0" algn="ctr">
-              <a:buNone/>
-              <a:defRPr/>
-            </a:lvl3pPr>
-            <a:lvl4pPr marL="1371600" indent="0" algn="ctr">
-              <a:buNone/>
-              <a:defRPr/>
-            </a:lvl4pPr>
-            <a:lvl5pPr marL="1828800" indent="0" algn="ctr">
-              <a:buNone/>
-              <a:defRPr/>
-            </a:lvl5pPr>
-            <a:lvl6pPr marL="2286000" indent="0" algn="ctr">
-              <a:buNone/>
-              <a:defRPr/>
-            </a:lvl6pPr>
-            <a:lvl7pPr marL="2743200" indent="0" algn="ctr">
-              <a:buNone/>
-              <a:defRPr/>
-            </a:lvl7pPr>
-            <a:lvl8pPr marL="3200400" indent="0" algn="ctr">
-              <a:buNone/>
-              <a:defRPr/>
-            </a:lvl8pPr>
-            <a:lvl9pPr marL="3657600" indent="0" algn="ctr">
-              <a:buNone/>
-              <a:defRPr/>
-            </a:lvl9pPr>
-          </a:lstStyle>
-          <a:p>
-            <a:r>
-              <a:rPr lang="ko-KR" altLang="en-US" dirty="0"/>
-              <a:t>마스터 부제목 스타일 편집</a:t>
-            </a:r>
-          </a:p>
-        </p:txBody>
-      </p:sp>
-      <p:sp>
-        <p:nvSpPr>
-          <p:cNvPr id="19" name="제목 1"/>
-          <p:cNvSpPr>
-            <a:spLocks noGrp="1"/>
-          </p:cNvSpPr>
-          <p:nvPr>
-            <p:ph type="ctrTitle"/>
-          </p:nvPr>
-        </p:nvSpPr>
-        <p:spPr>
-          <a:xfrm>
-            <a:off x="685800" y="1772816"/>
-            <a:ext cx="7772400" cy="1542033"/>
-          </a:xfrm>
-          <a:effectLst>
-            <a:outerShdw dist="17780" dir="2700000" algn="ctr" rotWithShape="0">
-              <a:srgbClr val="000000"/>
-            </a:outerShdw>
-          </a:effectLst>
-        </p:spPr>
-        <p:txBody>
-          <a:bodyPr/>
-          <a:lstStyle>
-            <a:lvl1pPr algn="ctr" rtl="0" fontAlgn="base" latinLnBrk="1">
-              <a:spcBef>
-                <a:spcPct val="0"/>
-              </a:spcBef>
-              <a:spcAft>
-                <a:spcPct val="0"/>
-              </a:spcAft>
-              <a:defRPr kumimoji="1" lang="ko-KR" altLang="en-US" sz="4400" b="1" kern="1200" dirty="0">
-                <a:solidFill>
-                  <a:schemeClr val="tx2">
-                    <a:lumMod val="75000"/>
-                  </a:schemeClr>
-                </a:solidFill>
-                <a:latin typeface="Adobe 고딕 Std B" pitchFamily="34" charset="-127"/>
-                <a:ea typeface="Adobe 고딕 Std B" pitchFamily="34" charset="-127"/>
-                <a:cs typeface="Adobe Arabic" pitchFamily="18" charset="-78"/>
-              </a:defRPr>
-            </a:lvl1pPr>
-          </a:lstStyle>
-          <a:p>
-            <a:endParaRPr lang="ko-KR" altLang="en-US" dirty="0"/>
-          </a:p>
-        </p:txBody>
-      </p:sp>
-      <p:grpSp>
-        <p:nvGrpSpPr>
-          <p:cNvPr id="36" name="그룹 35"/>
-          <p:cNvGrpSpPr/>
-          <p:nvPr userDrawn="1"/>
-        </p:nvGrpSpPr>
-        <p:grpSpPr>
-          <a:xfrm>
-            <a:off x="-3579" y="3573016"/>
-            <a:ext cx="9147579" cy="64193"/>
-            <a:chOff x="-3579" y="3356992"/>
-            <a:chExt cx="9147579" cy="64193"/>
-          </a:xfrm>
-        </p:grpSpPr>
-        <p:cxnSp>
-          <p:nvCxnSpPr>
-            <p:cNvPr id="31" name="직선 연결선 30"/>
-            <p:cNvCxnSpPr/>
-            <p:nvPr userDrawn="1"/>
-          </p:nvCxnSpPr>
-          <p:spPr>
-            <a:xfrm>
-              <a:off x="0" y="3356992"/>
-              <a:ext cx="9144000" cy="0"/>
-            </a:xfrm>
-            <a:prstGeom prst="line">
-              <a:avLst/>
-            </a:prstGeom>
-            <a:ln w="63500">
-              <a:solidFill>
-                <a:schemeClr val="tx2">
-                  <a:lumMod val="75000"/>
-                </a:schemeClr>
-              </a:solidFill>
-              <a:tailEnd type="none"/>
-            </a:ln>
-          </p:spPr>
-          <p:style>
-            <a:lnRef idx="1">
-              <a:schemeClr val="accent1"/>
-            </a:lnRef>
-            <a:fillRef idx="0">
-              <a:schemeClr val="accent1"/>
-            </a:fillRef>
-            <a:effectRef idx="0">
-              <a:schemeClr val="accent1"/>
-            </a:effectRef>
-            <a:fontRef idx="minor">
-              <a:schemeClr val="tx1"/>
-            </a:fontRef>
-          </p:style>
-        </p:cxnSp>
-        <p:cxnSp>
-          <p:nvCxnSpPr>
-            <p:cNvPr id="32" name="직선 연결선 31"/>
-            <p:cNvCxnSpPr/>
-            <p:nvPr userDrawn="1"/>
-          </p:nvCxnSpPr>
-          <p:spPr>
-            <a:xfrm>
-              <a:off x="-3579" y="3421185"/>
-              <a:ext cx="9144000" cy="0"/>
-            </a:xfrm>
-            <a:prstGeom prst="line">
-              <a:avLst/>
-            </a:prstGeom>
-            <a:ln w="31750">
-              <a:solidFill>
-                <a:schemeClr val="accent1">
-                  <a:lumMod val="75000"/>
-                </a:schemeClr>
-              </a:solidFill>
-              <a:tailEnd type="none"/>
-            </a:ln>
-          </p:spPr>
-          <p:style>
-            <a:lnRef idx="1">
-              <a:schemeClr val="accent1"/>
-            </a:lnRef>
-            <a:fillRef idx="0">
-              <a:schemeClr val="accent1"/>
-            </a:fillRef>
-            <a:effectRef idx="0">
-              <a:schemeClr val="accent1"/>
-            </a:effectRef>
-            <a:fontRef idx="minor">
-              <a:schemeClr val="tx1"/>
-            </a:fontRef>
-          </p:style>
-        </p:cxnSp>
-      </p:grpSp>
-      <p:sp>
-        <p:nvSpPr>
-          <p:cNvPr id="12" name="TextBox 11"/>
-          <p:cNvSpPr txBox="1"/>
-          <p:nvPr userDrawn="1"/>
-        </p:nvSpPr>
-        <p:spPr>
-          <a:xfrm>
-            <a:off x="3344285" y="5517232"/>
-            <a:ext cx="2448272" cy="461665"/>
-          </a:xfrm>
-          <a:prstGeom prst="rect">
-            <a:avLst/>
-          </a:prstGeom>
-          <a:noFill/>
-        </p:spPr>
-        <p:txBody>
-          <a:bodyPr wrap="square" rtlCol="0">
-            <a:spAutoFit/>
-          </a:bodyPr>
-          <a:lstStyle/>
-          <a:p>
-            <a:pPr algn="ctr" fontAlgn="base">
-              <a:spcBef>
-                <a:spcPct val="0"/>
-              </a:spcBef>
-              <a:spcAft>
-                <a:spcPts val="600"/>
-              </a:spcAft>
-            </a:pPr>
-            <a:r>
-              <a:rPr kumimoji="1" lang="en-US" altLang="zh-CN" sz="2400" b="1" dirty="0">
-                <a:solidFill>
-                  <a:prstClr val="black"/>
-                </a:solidFill>
-                <a:latin typeface="맑은 고딕" pitchFamily="50" charset="-127"/>
-                <a:ea typeface="맑은 고딕" pitchFamily="50" charset="-127"/>
-              </a:rPr>
-              <a:t>Hong</a:t>
-            </a:r>
-            <a:r>
-              <a:rPr kumimoji="1" lang="zh-CN" altLang="en-US" sz="2400" b="1" dirty="0">
-                <a:solidFill>
-                  <a:prstClr val="black"/>
-                </a:solidFill>
-                <a:latin typeface="맑은 고딕" pitchFamily="50" charset="-127"/>
-                <a:ea typeface="맑은 고딕" pitchFamily="50" charset="-127"/>
-              </a:rPr>
-              <a:t> </a:t>
-            </a:r>
-            <a:r>
-              <a:rPr kumimoji="1" lang="en-US" altLang="zh-CN" sz="2400" b="1" dirty="0">
-                <a:solidFill>
-                  <a:prstClr val="black"/>
-                </a:solidFill>
-                <a:latin typeface="맑은 고딕" pitchFamily="50" charset="-127"/>
-                <a:ea typeface="맑은 고딕" pitchFamily="50" charset="-127"/>
-              </a:rPr>
-              <a:t>Xu</a:t>
-            </a:r>
-            <a:endParaRPr kumimoji="1" lang="en-US" altLang="ko-KR" sz="2400" b="1" dirty="0">
-              <a:solidFill>
-                <a:prstClr val="black"/>
-              </a:solidFill>
-              <a:latin typeface="맑은 고딕" pitchFamily="50" charset="-127"/>
-              <a:ea typeface="맑은 고딕" pitchFamily="50" charset="-127"/>
-            </a:endParaRPr>
-          </a:p>
-        </p:txBody>
-      </p:sp>
-      <p:sp>
-        <p:nvSpPr>
-          <p:cNvPr id="4" name="TextBox 3">
-            <a:extLst>
-              <a:ext uri="{FF2B5EF4-FFF2-40B4-BE49-F238E27FC236}">
-                <a16:creationId xmlns:a16="http://schemas.microsoft.com/office/drawing/2014/main" id="{D7A47015-6912-00BC-B289-2ACFBCCB2E9B}"/>
-              </a:ext>
-            </a:extLst>
-          </p:cNvPr>
-          <p:cNvSpPr txBox="1"/>
-          <p:nvPr userDrawn="1"/>
-        </p:nvSpPr>
-        <p:spPr>
-          <a:xfrm>
-            <a:off x="2351994" y="6048603"/>
-            <a:ext cx="4432853" cy="369332"/>
-          </a:xfrm>
-          <a:prstGeom prst="rect">
-            <a:avLst/>
-          </a:prstGeom>
-          <a:noFill/>
-        </p:spPr>
-        <p:txBody>
-          <a:bodyPr wrap="square" rtlCol="0">
-            <a:spAutoFit/>
-          </a:bodyPr>
-          <a:lstStyle/>
-          <a:p>
-            <a:pPr algn="ctr"/>
-            <a:r>
-              <a:rPr lang="en-US" dirty="0">
-                <a:hlinkClick r:id="rId2"/>
-              </a:rPr>
-              <a:t>https://github.com/henryhxu/CSCI3150</a:t>
-            </a:r>
-            <a:endParaRPr lang="en-US" dirty="0"/>
-          </a:p>
-        </p:txBody>
-      </p:sp>
-    </p:spTree>
-    <p:extLst>
-      <p:ext uri="{BB962C8B-B14F-4D97-AF65-F5344CB8AC3E}">
         <p14:creationId xmlns:p14="http://schemas.microsoft.com/office/powerpoint/2010/main" val="3003432386"/>
       </p:ext>
     </p:extLst>
@@ -5180,1361 +3425,6 @@
     <p:extLst>
       <p:ext uri="{BB962C8B-B14F-4D97-AF65-F5344CB8AC3E}">
         <p14:creationId xmlns:p14="http://schemas.microsoft.com/office/powerpoint/2010/main" val="2097025517"/>
-      </p:ext>
-    </p:extLst>
-  </p:cSld>
-  <p:clrMapOvr>
-    <a:masterClrMapping/>
-  </p:clrMapOvr>
-</p:sldLayout>
-</file>
-
-<file path=ppt/slideLayouts/slideLayout6.xml><?xml version="1.0" encoding="utf-8"?>
-<p:sldLayout xmlns:a="http://schemas.openxmlformats.org/drawingml/2006/main" xmlns:r="http://schemas.openxmlformats.org/officeDocument/2006/relationships" xmlns:p="http://schemas.openxmlformats.org/presentationml/2006/main" preserve="1">
-  <p:cSld name="제목 슬라이드">
-    <p:spTree>
-      <p:nvGrpSpPr>
-        <p:cNvPr id="1" name=""/>
-        <p:cNvGrpSpPr/>
-        <p:nvPr/>
-      </p:nvGrpSpPr>
-      <p:grpSpPr>
-        <a:xfrm>
-          <a:off x="0" y="0"/>
-          <a:ext cx="0" cy="0"/>
-          <a:chOff x="0" y="0"/>
-          <a:chExt cx="0" cy="0"/>
-        </a:xfrm>
-      </p:grpSpPr>
-      <p:sp>
-        <p:nvSpPr>
-          <p:cNvPr id="18" name="부제목 2"/>
-          <p:cNvSpPr>
-            <a:spLocks noGrp="1"/>
-          </p:cNvSpPr>
-          <p:nvPr>
-            <p:ph type="subTitle" idx="1"/>
-          </p:nvPr>
-        </p:nvSpPr>
-        <p:spPr>
-          <a:xfrm>
-            <a:off x="251520" y="78531"/>
-            <a:ext cx="8640960" cy="576065"/>
-          </a:xfrm>
-        </p:spPr>
-        <p:txBody>
-          <a:bodyPr anchor="ctr"/>
-          <a:lstStyle>
-            <a:lvl1pPr marL="0" indent="0" algn="ctr" rtl="0" fontAlgn="base" latinLnBrk="1">
-              <a:spcBef>
-                <a:spcPct val="0"/>
-              </a:spcBef>
-              <a:spcAft>
-                <a:spcPct val="0"/>
-              </a:spcAft>
-              <a:buNone/>
-              <a:defRPr kumimoji="1" lang="ko-KR" altLang="en-US" sz="2400" b="1" kern="1200" cap="none" spc="0" dirty="0">
-                <a:ln>
-                  <a:noFill/>
-                </a:ln>
-                <a:solidFill>
-                  <a:schemeClr val="bg1"/>
-                </a:solidFill>
-                <a:effectLst>
-                  <a:outerShdw blurRad="38100" dist="38100" dir="2700000" algn="tl">
-                    <a:srgbClr val="000000">
-                      <a:alpha val="43137"/>
-                    </a:srgbClr>
-                  </a:outerShdw>
-                </a:effectLst>
-                <a:latin typeface="+mj-lt"/>
-                <a:ea typeface="Arial" pitchFamily="34" charset="0"/>
-                <a:cs typeface="Arial" pitchFamily="34" charset="0"/>
-              </a:defRPr>
-            </a:lvl1pPr>
-            <a:lvl2pPr marL="457200" indent="0" algn="ctr">
-              <a:buNone/>
-              <a:defRPr/>
-            </a:lvl2pPr>
-            <a:lvl3pPr marL="914400" indent="0" algn="ctr">
-              <a:buNone/>
-              <a:defRPr/>
-            </a:lvl3pPr>
-            <a:lvl4pPr marL="1371600" indent="0" algn="ctr">
-              <a:buNone/>
-              <a:defRPr/>
-            </a:lvl4pPr>
-            <a:lvl5pPr marL="1828800" indent="0" algn="ctr">
-              <a:buNone/>
-              <a:defRPr/>
-            </a:lvl5pPr>
-            <a:lvl6pPr marL="2286000" indent="0" algn="ctr">
-              <a:buNone/>
-              <a:defRPr/>
-            </a:lvl6pPr>
-            <a:lvl7pPr marL="2743200" indent="0" algn="ctr">
-              <a:buNone/>
-              <a:defRPr/>
-            </a:lvl7pPr>
-            <a:lvl8pPr marL="3200400" indent="0" algn="ctr">
-              <a:buNone/>
-              <a:defRPr/>
-            </a:lvl8pPr>
-            <a:lvl9pPr marL="3657600" indent="0" algn="ctr">
-              <a:buNone/>
-              <a:defRPr/>
-            </a:lvl9pPr>
-          </a:lstStyle>
-          <a:p>
-            <a:r>
-              <a:rPr lang="en-GB" altLang="ko-KR"/>
-              <a:t>Click to edit Master subtitle style</a:t>
-            </a:r>
-            <a:endParaRPr lang="ko-KR" altLang="en-US" dirty="0"/>
-          </a:p>
-        </p:txBody>
-      </p:sp>
-      <p:sp>
-        <p:nvSpPr>
-          <p:cNvPr id="19" name="제목 1"/>
-          <p:cNvSpPr>
-            <a:spLocks noGrp="1"/>
-          </p:cNvSpPr>
-          <p:nvPr>
-            <p:ph type="ctrTitle"/>
-          </p:nvPr>
-        </p:nvSpPr>
-        <p:spPr>
-          <a:xfrm>
-            <a:off x="685800" y="1772816"/>
-            <a:ext cx="7772400" cy="1542033"/>
-          </a:xfrm>
-          <a:effectLst/>
-        </p:spPr>
-        <p:txBody>
-          <a:bodyPr/>
-          <a:lstStyle>
-            <a:lvl1pPr algn="ctr" rtl="0" fontAlgn="base" latinLnBrk="1">
-              <a:spcBef>
-                <a:spcPct val="0"/>
-              </a:spcBef>
-              <a:spcAft>
-                <a:spcPct val="0"/>
-              </a:spcAft>
-              <a:defRPr lang="ko-KR" altLang="en-US" sz="4000" b="1" dirty="0">
-                <a:solidFill>
-                  <a:schemeClr val="accent1">
-                    <a:lumMod val="75000"/>
-                  </a:schemeClr>
-                </a:solidFill>
-                <a:latin typeface="Helvetica Neue" panose="02000503000000020004" pitchFamily="2" charset="0"/>
-                <a:cs typeface="Helvetica Neue" panose="02000503000000020004" pitchFamily="2" charset="0"/>
-              </a:defRPr>
-            </a:lvl1pPr>
-          </a:lstStyle>
-          <a:p>
-            <a:r>
-              <a:rPr lang="en-GB" altLang="ko-KR"/>
-              <a:t>Click to edit Master title style</a:t>
-            </a:r>
-            <a:endParaRPr lang="ko-KR" altLang="en-US" dirty="0"/>
-          </a:p>
-        </p:txBody>
-      </p:sp>
-      <p:grpSp>
-        <p:nvGrpSpPr>
-          <p:cNvPr id="36" name="그룹 35"/>
-          <p:cNvGrpSpPr/>
-          <p:nvPr/>
-        </p:nvGrpSpPr>
-        <p:grpSpPr>
-          <a:xfrm>
-            <a:off x="-3579" y="3573016"/>
-            <a:ext cx="9147579" cy="64193"/>
-            <a:chOff x="-3579" y="3356992"/>
-            <a:chExt cx="9147579" cy="64193"/>
-          </a:xfrm>
-        </p:grpSpPr>
-        <p:cxnSp>
-          <p:nvCxnSpPr>
-            <p:cNvPr id="31" name="직선 연결선 30"/>
-            <p:cNvCxnSpPr/>
-            <p:nvPr/>
-          </p:nvCxnSpPr>
-          <p:spPr>
-            <a:xfrm>
-              <a:off x="0" y="3356992"/>
-              <a:ext cx="9144000" cy="0"/>
-            </a:xfrm>
-            <a:prstGeom prst="line">
-              <a:avLst/>
-            </a:prstGeom>
-            <a:ln w="63500">
-              <a:solidFill>
-                <a:schemeClr val="tx2">
-                  <a:lumMod val="75000"/>
-                </a:schemeClr>
-              </a:solidFill>
-              <a:tailEnd type="none"/>
-            </a:ln>
-          </p:spPr>
-          <p:style>
-            <a:lnRef idx="1">
-              <a:schemeClr val="accent1"/>
-            </a:lnRef>
-            <a:fillRef idx="0">
-              <a:schemeClr val="accent1"/>
-            </a:fillRef>
-            <a:effectRef idx="0">
-              <a:schemeClr val="accent1"/>
-            </a:effectRef>
-            <a:fontRef idx="minor">
-              <a:schemeClr val="tx1"/>
-            </a:fontRef>
-          </p:style>
-        </p:cxnSp>
-        <p:cxnSp>
-          <p:nvCxnSpPr>
-            <p:cNvPr id="32" name="직선 연결선 31"/>
-            <p:cNvCxnSpPr/>
-            <p:nvPr/>
-          </p:nvCxnSpPr>
-          <p:spPr>
-            <a:xfrm>
-              <a:off x="-3579" y="3421185"/>
-              <a:ext cx="9144000" cy="0"/>
-            </a:xfrm>
-            <a:prstGeom prst="line">
-              <a:avLst/>
-            </a:prstGeom>
-            <a:ln w="31750">
-              <a:solidFill>
-                <a:schemeClr val="accent1">
-                  <a:lumMod val="75000"/>
-                </a:schemeClr>
-              </a:solidFill>
-              <a:tailEnd type="none"/>
-            </a:ln>
-          </p:spPr>
-          <p:style>
-            <a:lnRef idx="1">
-              <a:schemeClr val="accent1"/>
-            </a:lnRef>
-            <a:fillRef idx="0">
-              <a:schemeClr val="accent1"/>
-            </a:fillRef>
-            <a:effectRef idx="0">
-              <a:schemeClr val="accent1"/>
-            </a:effectRef>
-            <a:fontRef idx="minor">
-              <a:schemeClr val="tx1"/>
-            </a:fontRef>
-          </p:style>
-        </p:cxnSp>
-      </p:grpSp>
-      <p:sp>
-        <p:nvSpPr>
-          <p:cNvPr id="12" name="TextBox 11"/>
-          <p:cNvSpPr txBox="1"/>
-          <p:nvPr/>
-        </p:nvSpPr>
-        <p:spPr>
-          <a:xfrm>
-            <a:off x="3344285" y="5517232"/>
-            <a:ext cx="2448272" cy="461665"/>
-          </a:xfrm>
-          <a:prstGeom prst="rect">
-            <a:avLst/>
-          </a:prstGeom>
-          <a:noFill/>
-        </p:spPr>
-        <p:txBody>
-          <a:bodyPr wrap="square" rtlCol="0">
-            <a:spAutoFit/>
-          </a:bodyPr>
-          <a:lstStyle/>
-          <a:p>
-            <a:pPr algn="ctr" fontAlgn="base">
-              <a:spcBef>
-                <a:spcPct val="0"/>
-              </a:spcBef>
-              <a:spcAft>
-                <a:spcPts val="600"/>
-              </a:spcAft>
-            </a:pPr>
-            <a:r>
-              <a:rPr kumimoji="1" lang="en-US" altLang="zh-CN" sz="2400" b="1" dirty="0">
-                <a:solidFill>
-                  <a:prstClr val="black"/>
-                </a:solidFill>
-                <a:latin typeface="맑은 고딕" pitchFamily="50" charset="-127"/>
-                <a:ea typeface="맑은 고딕" pitchFamily="50" charset="-127"/>
-              </a:rPr>
-              <a:t>Hong</a:t>
-            </a:r>
-            <a:r>
-              <a:rPr kumimoji="1" lang="zh-CN" altLang="en-US" sz="2400" b="1" dirty="0">
-                <a:solidFill>
-                  <a:prstClr val="black"/>
-                </a:solidFill>
-                <a:latin typeface="맑은 고딕" pitchFamily="50" charset="-127"/>
-                <a:ea typeface="맑은 고딕" pitchFamily="50" charset="-127"/>
-              </a:rPr>
-              <a:t> </a:t>
-            </a:r>
-            <a:r>
-              <a:rPr kumimoji="1" lang="en-US" altLang="zh-CN" sz="2400" b="1" dirty="0">
-                <a:solidFill>
-                  <a:prstClr val="black"/>
-                </a:solidFill>
-                <a:latin typeface="맑은 고딕" pitchFamily="50" charset="-127"/>
-                <a:ea typeface="맑은 고딕" pitchFamily="50" charset="-127"/>
-              </a:rPr>
-              <a:t>Xu</a:t>
-            </a:r>
-            <a:endParaRPr kumimoji="1" lang="en-US" altLang="ko-KR" sz="2400" b="1" dirty="0">
-              <a:solidFill>
-                <a:prstClr val="black"/>
-              </a:solidFill>
-              <a:latin typeface="맑은 고딕" pitchFamily="50" charset="-127"/>
-              <a:ea typeface="맑은 고딕" pitchFamily="50" charset="-127"/>
-            </a:endParaRPr>
-          </a:p>
-        </p:txBody>
-      </p:sp>
-      <p:sp>
-        <p:nvSpPr>
-          <p:cNvPr id="4" name="TextBox 3">
-            <a:extLst>
-              <a:ext uri="{FF2B5EF4-FFF2-40B4-BE49-F238E27FC236}">
-                <a16:creationId xmlns:a16="http://schemas.microsoft.com/office/drawing/2014/main" id="{D7A47015-6912-00BC-B289-2ACFBCCB2E9B}"/>
-              </a:ext>
-            </a:extLst>
-          </p:cNvPr>
-          <p:cNvSpPr txBox="1"/>
-          <p:nvPr/>
-        </p:nvSpPr>
-        <p:spPr>
-          <a:xfrm>
-            <a:off x="2351994" y="6048603"/>
-            <a:ext cx="4432853" cy="369332"/>
-          </a:xfrm>
-          <a:prstGeom prst="rect">
-            <a:avLst/>
-          </a:prstGeom>
-          <a:noFill/>
-        </p:spPr>
-        <p:txBody>
-          <a:bodyPr wrap="square" rtlCol="0">
-            <a:spAutoFit/>
-          </a:bodyPr>
-          <a:lstStyle/>
-          <a:p>
-            <a:pPr algn="ctr"/>
-            <a:r>
-              <a:rPr lang="en-US" dirty="0">
-                <a:latin typeface="Malgun Gothic" panose="020B0503020000020004" pitchFamily="34" charset="-127"/>
-                <a:ea typeface="Malgun Gothic" panose="020B0503020000020004" pitchFamily="34" charset="-127"/>
-                <a:hlinkClick r:id="rId2"/>
-              </a:rPr>
-              <a:t>https://github.com/henryhxu/CSCI3150</a:t>
-            </a:r>
-            <a:endParaRPr lang="en-US" dirty="0">
-              <a:latin typeface="Malgun Gothic" panose="020B0503020000020004" pitchFamily="34" charset="-127"/>
-              <a:ea typeface="Malgun Gothic" panose="020B0503020000020004" pitchFamily="34" charset="-127"/>
-            </a:endParaRPr>
-          </a:p>
-        </p:txBody>
-      </p:sp>
-    </p:spTree>
-    <p:extLst>
-      <p:ext uri="{BB962C8B-B14F-4D97-AF65-F5344CB8AC3E}">
-        <p14:creationId xmlns:p14="http://schemas.microsoft.com/office/powerpoint/2010/main" val="474372940"/>
-      </p:ext>
-    </p:extLst>
-  </p:cSld>
-  <p:clrMapOvr>
-    <a:masterClrMapping/>
-  </p:clrMapOvr>
-</p:sldLayout>
-</file>
-
-<file path=ppt/slideLayouts/slideLayout7.xml><?xml version="1.0" encoding="utf-8"?>
-<p:sldLayout xmlns:a="http://schemas.openxmlformats.org/drawingml/2006/main" xmlns:r="http://schemas.openxmlformats.org/officeDocument/2006/relationships" xmlns:p="http://schemas.openxmlformats.org/presentationml/2006/main" type="obj" preserve="1">
-  <p:cSld name="제목 및 내용">
-    <p:spTree>
-      <p:nvGrpSpPr>
-        <p:cNvPr id="1" name=""/>
-        <p:cNvGrpSpPr/>
-        <p:nvPr/>
-      </p:nvGrpSpPr>
-      <p:grpSpPr>
-        <a:xfrm>
-          <a:off x="0" y="0"/>
-          <a:ext cx="0" cy="0"/>
-          <a:chOff x="0" y="0"/>
-          <a:chExt cx="0" cy="0"/>
-        </a:xfrm>
-      </p:grpSpPr>
-      <p:cxnSp>
-        <p:nvCxnSpPr>
-          <p:cNvPr id="4" name="직선 연결선 3"/>
-          <p:cNvCxnSpPr/>
-          <p:nvPr/>
-        </p:nvCxnSpPr>
-        <p:spPr>
-          <a:xfrm>
-            <a:off x="0" y="6500813"/>
-            <a:ext cx="9144000" cy="0"/>
-          </a:xfrm>
-          <a:prstGeom prst="line">
-            <a:avLst/>
-          </a:prstGeom>
-          <a:ln w="25400">
-            <a:solidFill>
-              <a:schemeClr val="tx2">
-                <a:lumMod val="75000"/>
-              </a:schemeClr>
-            </a:solidFill>
-          </a:ln>
-        </p:spPr>
-        <p:style>
-          <a:lnRef idx="1">
-            <a:schemeClr val="accent1"/>
-          </a:lnRef>
-          <a:fillRef idx="0">
-            <a:schemeClr val="accent1"/>
-          </a:fillRef>
-          <a:effectRef idx="0">
-            <a:schemeClr val="accent1"/>
-          </a:effectRef>
-          <a:fontRef idx="minor">
-            <a:schemeClr val="tx1"/>
-          </a:fontRef>
-        </p:style>
-      </p:cxnSp>
-      <p:sp>
-        <p:nvSpPr>
-          <p:cNvPr id="2" name="제목 1"/>
-          <p:cNvSpPr>
-            <a:spLocks noGrp="1"/>
-          </p:cNvSpPr>
-          <p:nvPr>
-            <p:ph type="title"/>
-          </p:nvPr>
-        </p:nvSpPr>
-        <p:spPr/>
-        <p:txBody>
-          <a:bodyPr/>
-          <a:lstStyle>
-            <a:lvl1pPr>
-              <a:defRPr sz="2400">
-                <a:solidFill>
-                  <a:schemeClr val="bg1"/>
-                </a:solidFill>
-                <a:latin typeface="Helvetica Neue" panose="02000503000000020004" pitchFamily="2" charset="0"/>
-                <a:ea typeface="Helvetica Neue" panose="02000503000000020004" pitchFamily="2" charset="0"/>
-                <a:cs typeface="Helvetica Neue" panose="02000503000000020004" pitchFamily="2" charset="0"/>
-              </a:defRPr>
-            </a:lvl1pPr>
-          </a:lstStyle>
-          <a:p>
-            <a:r>
-              <a:rPr lang="en-GB" altLang="ko-KR"/>
-              <a:t>Click to edit Master title style</a:t>
-            </a:r>
-            <a:endParaRPr lang="ko-KR" altLang="en-US" dirty="0"/>
-          </a:p>
-        </p:txBody>
-      </p:sp>
-      <p:sp>
-        <p:nvSpPr>
-          <p:cNvPr id="3" name="내용 개체 틀 2"/>
-          <p:cNvSpPr>
-            <a:spLocks noGrp="1"/>
-          </p:cNvSpPr>
-          <p:nvPr>
-            <p:ph idx="1"/>
-          </p:nvPr>
-        </p:nvSpPr>
-        <p:spPr>
-          <a:xfrm>
-            <a:off x="214313" y="880070"/>
-            <a:ext cx="8786812" cy="5501258"/>
-          </a:xfrm>
-        </p:spPr>
-        <p:txBody>
-          <a:bodyPr lIns="90000"/>
-          <a:lstStyle>
-            <a:lvl1pPr latinLnBrk="0">
-              <a:lnSpc>
-                <a:spcPct val="150000"/>
-              </a:lnSpc>
-              <a:buClr>
-                <a:srgbClr val="002060"/>
-              </a:buClr>
-              <a:defRPr sz="2000" b="0">
-                <a:solidFill>
-                  <a:schemeClr val="tx1"/>
-                </a:solidFill>
-                <a:latin typeface="Malgun Gothic" panose="020B0503020000020004" pitchFamily="34" charset="-127"/>
-                <a:ea typeface="Malgun Gothic" panose="020B0503020000020004" pitchFamily="34" charset="-127"/>
-                <a:cs typeface="Helvetica Neue" panose="02000503000000020004" pitchFamily="2" charset="0"/>
-              </a:defRPr>
-            </a:lvl1pPr>
-            <a:lvl2pPr latinLnBrk="0">
-              <a:lnSpc>
-                <a:spcPct val="150000"/>
-              </a:lnSpc>
-              <a:buClr>
-                <a:srgbClr val="002060"/>
-              </a:buClr>
-              <a:defRPr sz="1800">
-                <a:solidFill>
-                  <a:schemeClr val="tx1"/>
-                </a:solidFill>
-                <a:latin typeface="Malgun Gothic" panose="020B0503020000020004" pitchFamily="34" charset="-127"/>
-                <a:ea typeface="Malgun Gothic" panose="020B0503020000020004" pitchFamily="34" charset="-127"/>
-                <a:cs typeface="Helvetica Neue" panose="02000503000000020004" pitchFamily="2" charset="0"/>
-              </a:defRPr>
-            </a:lvl2pPr>
-            <a:lvl3pPr>
-              <a:lnSpc>
-                <a:spcPct val="150000"/>
-              </a:lnSpc>
-              <a:buClr>
-                <a:srgbClr val="002060"/>
-              </a:buClr>
-              <a:defRPr sz="1600">
-                <a:solidFill>
-                  <a:schemeClr val="tx1"/>
-                </a:solidFill>
-                <a:latin typeface="Malgun Gothic" panose="020B0503020000020004" pitchFamily="34" charset="-127"/>
-                <a:ea typeface="Malgun Gothic" panose="020B0503020000020004" pitchFamily="34" charset="-127"/>
-                <a:cs typeface="Helvetica Neue" panose="02000503000000020004" pitchFamily="2" charset="0"/>
-              </a:defRPr>
-            </a:lvl3pPr>
-            <a:lvl4pPr>
-              <a:lnSpc>
-                <a:spcPct val="150000"/>
-              </a:lnSpc>
-              <a:buClr>
-                <a:srgbClr val="002060"/>
-              </a:buClr>
-              <a:defRPr sz="1400">
-                <a:solidFill>
-                  <a:schemeClr val="tx1"/>
-                </a:solidFill>
-                <a:latin typeface="Malgun Gothic" panose="020B0503020000020004" pitchFamily="34" charset="-127"/>
-                <a:ea typeface="Malgun Gothic" panose="020B0503020000020004" pitchFamily="34" charset="-127"/>
-                <a:cs typeface="Helvetica Neue" panose="02000503000000020004" pitchFamily="2" charset="0"/>
-              </a:defRPr>
-            </a:lvl4pPr>
-            <a:lvl5pPr>
-              <a:lnSpc>
-                <a:spcPct val="150000"/>
-              </a:lnSpc>
-              <a:buClr>
-                <a:srgbClr val="002060"/>
-              </a:buClr>
-              <a:defRPr sz="1400">
-                <a:solidFill>
-                  <a:schemeClr val="tx1"/>
-                </a:solidFill>
-                <a:latin typeface="Malgun Gothic" panose="020B0503020000020004" pitchFamily="34" charset="-127"/>
-                <a:ea typeface="Malgun Gothic" panose="020B0503020000020004" pitchFamily="34" charset="-127"/>
-                <a:cs typeface="Helvetica Neue" panose="02000503000000020004" pitchFamily="2" charset="0"/>
-              </a:defRPr>
-            </a:lvl5pPr>
-          </a:lstStyle>
-          <a:p>
-            <a:pPr lvl="0"/>
-            <a:r>
-              <a:rPr lang="en-GB" altLang="ko-KR"/>
-              <a:t>Click to edit Master text styles</a:t>
-            </a:r>
-          </a:p>
-          <a:p>
-            <a:pPr lvl="1"/>
-            <a:r>
-              <a:rPr lang="en-GB" altLang="ko-KR"/>
-              <a:t>Second level</a:t>
-            </a:r>
-          </a:p>
-          <a:p>
-            <a:pPr lvl="2"/>
-            <a:r>
-              <a:rPr lang="en-GB" altLang="ko-KR"/>
-              <a:t>Third level</a:t>
-            </a:r>
-          </a:p>
-          <a:p>
-            <a:pPr lvl="3"/>
-            <a:r>
-              <a:rPr lang="en-GB" altLang="ko-KR"/>
-              <a:t>Fourth level</a:t>
-            </a:r>
-          </a:p>
-          <a:p>
-            <a:pPr lvl="4"/>
-            <a:r>
-              <a:rPr lang="en-GB" altLang="ko-KR"/>
-              <a:t>Fifth level</a:t>
-            </a:r>
-            <a:endParaRPr lang="ko-KR" altLang="en-US" dirty="0"/>
-          </a:p>
-        </p:txBody>
-      </p:sp>
-      <p:sp>
-        <p:nvSpPr>
-          <p:cNvPr id="7" name="Rectangle 6"/>
-          <p:cNvSpPr>
-            <a:spLocks noGrp="1" noChangeArrowheads="1"/>
-          </p:cNvSpPr>
-          <p:nvPr>
-            <p:ph type="sldNum" sz="quarter" idx="11"/>
-          </p:nvPr>
-        </p:nvSpPr>
-        <p:spPr>
-          <a:xfrm>
-            <a:off x="7964934" y="6592713"/>
-            <a:ext cx="1071562" cy="220663"/>
-          </a:xfrm>
-        </p:spPr>
-        <p:txBody>
-          <a:bodyPr/>
-          <a:lstStyle>
-            <a:lvl1pPr>
-              <a:defRPr b="1">
-                <a:latin typeface="맑은 고딕" pitchFamily="50" charset="-127"/>
-                <a:ea typeface="맑은 고딕" pitchFamily="50" charset="-127"/>
-              </a:defRPr>
-            </a:lvl1pPr>
-          </a:lstStyle>
-          <a:p>
-            <a:pPr>
-              <a:defRPr/>
-            </a:pPr>
-            <a:fld id="{515CC4ED-1449-4712-AE45-EBC263B4DD26}" type="slidenum">
-              <a:rPr lang="en-US" altLang="ko-KR" smtClean="0">
-                <a:solidFill>
-                  <a:srgbClr val="1F497D">
-                    <a:lumMod val="50000"/>
-                  </a:srgbClr>
-                </a:solidFill>
-              </a:rPr>
-              <a:pPr>
-                <a:defRPr/>
-              </a:pPr>
-              <a:t>‹#›</a:t>
-            </a:fld>
-            <a:r>
-              <a:rPr lang="en-US" altLang="ko-KR">
-                <a:solidFill>
-                  <a:srgbClr val="1F497D">
-                    <a:lumMod val="50000"/>
-                  </a:srgbClr>
-                </a:solidFill>
-              </a:rPr>
-              <a:t> </a:t>
-            </a:r>
-          </a:p>
-        </p:txBody>
-      </p:sp>
-      <p:sp>
-        <p:nvSpPr>
-          <p:cNvPr id="10" name="Rectangle 5"/>
-          <p:cNvSpPr>
-            <a:spLocks noGrp="1" noChangeArrowheads="1"/>
-          </p:cNvSpPr>
-          <p:nvPr>
-            <p:ph type="ftr" sz="quarter" idx="3"/>
-          </p:nvPr>
-        </p:nvSpPr>
-        <p:spPr>
-          <a:xfrm>
-            <a:off x="3033713" y="6582995"/>
-            <a:ext cx="3038475" cy="220663"/>
-          </a:xfrm>
-          <a:prstGeom prst="rect">
-            <a:avLst/>
-          </a:prstGeom>
-        </p:spPr>
-        <p:txBody>
-          <a:bodyPr/>
-          <a:lstStyle>
-            <a:lvl1pPr algn="ctr">
-              <a:defRPr sz="1000" b="1">
-                <a:latin typeface="맑은 고딕" pitchFamily="50" charset="-127"/>
-                <a:ea typeface="맑은 고딕" pitchFamily="50" charset="-127"/>
-              </a:defRPr>
-            </a:lvl1pPr>
-          </a:lstStyle>
-          <a:p>
-            <a:pPr fontAlgn="base">
-              <a:spcBef>
-                <a:spcPct val="0"/>
-              </a:spcBef>
-              <a:spcAft>
-                <a:spcPct val="0"/>
-              </a:spcAft>
-              <a:defRPr/>
-            </a:pPr>
-            <a:r>
-              <a:rPr kumimoji="1" lang="en-US" altLang="ko-KR">
-                <a:solidFill>
-                  <a:prstClr val="black"/>
-                </a:solidFill>
-              </a:rPr>
-              <a:t>CSCI 3150 Intro to OS</a:t>
-            </a:r>
-            <a:endParaRPr kumimoji="1" lang="ko-KR" altLang="en-US" dirty="0">
-              <a:solidFill>
-                <a:prstClr val="black"/>
-              </a:solidFill>
-            </a:endParaRPr>
-          </a:p>
-        </p:txBody>
-      </p:sp>
-    </p:spTree>
-    <p:extLst>
-      <p:ext uri="{BB962C8B-B14F-4D97-AF65-F5344CB8AC3E}">
-        <p14:creationId xmlns:p14="http://schemas.microsoft.com/office/powerpoint/2010/main" val="3354713223"/>
-      </p:ext>
-    </p:extLst>
-  </p:cSld>
-  <p:clrMapOvr>
-    <a:masterClrMapping/>
-  </p:clrMapOvr>
-</p:sldLayout>
-</file>
-
-<file path=ppt/slideLayouts/slideLayout8.xml><?xml version="1.0" encoding="utf-8"?>
-<p:sldLayout xmlns:a="http://schemas.openxmlformats.org/drawingml/2006/main" xmlns:r="http://schemas.openxmlformats.org/officeDocument/2006/relationships" xmlns:p="http://schemas.openxmlformats.org/presentationml/2006/main" preserve="1">
-  <p:cSld name="구역 머리글">
-    <p:spTree>
-      <p:nvGrpSpPr>
-        <p:cNvPr id="1" name=""/>
-        <p:cNvGrpSpPr/>
-        <p:nvPr/>
-      </p:nvGrpSpPr>
-      <p:grpSpPr>
-        <a:xfrm>
-          <a:off x="0" y="0"/>
-          <a:ext cx="0" cy="0"/>
-          <a:chOff x="0" y="0"/>
-          <a:chExt cx="0" cy="0"/>
-        </a:xfrm>
-      </p:grpSpPr>
-      <p:cxnSp>
-        <p:nvCxnSpPr>
-          <p:cNvPr id="4" name="직선 연결선 3"/>
-          <p:cNvCxnSpPr/>
-          <p:nvPr/>
-        </p:nvCxnSpPr>
-        <p:spPr>
-          <a:xfrm>
-            <a:off x="214313" y="4429125"/>
-            <a:ext cx="8786812" cy="0"/>
-          </a:xfrm>
-          <a:prstGeom prst="line">
-            <a:avLst/>
-          </a:prstGeom>
-          <a:ln w="38100">
-            <a:solidFill>
-              <a:schemeClr val="tx2">
-                <a:lumMod val="50000"/>
-              </a:schemeClr>
-            </a:solidFill>
-          </a:ln>
-        </p:spPr>
-        <p:style>
-          <a:lnRef idx="1">
-            <a:schemeClr val="accent1"/>
-          </a:lnRef>
-          <a:fillRef idx="0">
-            <a:schemeClr val="accent1"/>
-          </a:fillRef>
-          <a:effectRef idx="0">
-            <a:schemeClr val="accent1"/>
-          </a:effectRef>
-          <a:fontRef idx="minor">
-            <a:schemeClr val="tx1"/>
-          </a:fontRef>
-        </p:style>
-      </p:cxnSp>
-      <p:sp>
-        <p:nvSpPr>
-          <p:cNvPr id="3" name="텍스트 개체 틀 2"/>
-          <p:cNvSpPr>
-            <a:spLocks noGrp="1"/>
-          </p:cNvSpPr>
-          <p:nvPr>
-            <p:ph type="body" idx="1"/>
-          </p:nvPr>
-        </p:nvSpPr>
-        <p:spPr>
-          <a:xfrm>
-            <a:off x="891994" y="2906713"/>
-            <a:ext cx="8072494" cy="1500187"/>
-          </a:xfrm>
-        </p:spPr>
-        <p:txBody>
-          <a:bodyPr anchor="b"/>
-          <a:lstStyle>
-            <a:lvl1pPr marL="0" indent="0" algn="r">
-              <a:buNone/>
-              <a:defRPr sz="3200" b="1">
-                <a:solidFill>
-                  <a:schemeClr val="tx2">
-                    <a:lumMod val="50000"/>
-                  </a:schemeClr>
-                </a:solidFill>
-              </a:defRPr>
-            </a:lvl1pPr>
-            <a:lvl2pPr marL="457200" indent="0">
-              <a:buNone/>
-              <a:defRPr sz="1800"/>
-            </a:lvl2pPr>
-            <a:lvl3pPr marL="914400" indent="0">
-              <a:buNone/>
-              <a:defRPr sz="1600"/>
-            </a:lvl3pPr>
-            <a:lvl4pPr marL="1371600" indent="0">
-              <a:buNone/>
-              <a:defRPr sz="1400"/>
-            </a:lvl4pPr>
-            <a:lvl5pPr marL="1828800" indent="0">
-              <a:buNone/>
-              <a:defRPr sz="1400"/>
-            </a:lvl5pPr>
-            <a:lvl6pPr marL="2286000" indent="0">
-              <a:buNone/>
-              <a:defRPr sz="1400"/>
-            </a:lvl6pPr>
-            <a:lvl7pPr marL="2743200" indent="0">
-              <a:buNone/>
-              <a:defRPr sz="1400"/>
-            </a:lvl7pPr>
-            <a:lvl8pPr marL="3200400" indent="0">
-              <a:buNone/>
-              <a:defRPr sz="1400"/>
-            </a:lvl8pPr>
-            <a:lvl9pPr marL="3657600" indent="0">
-              <a:buNone/>
-              <a:defRPr sz="1400"/>
-            </a:lvl9pPr>
-          </a:lstStyle>
-          <a:p>
-            <a:pPr lvl="0"/>
-            <a:r>
-              <a:rPr lang="en-GB" altLang="ko-KR"/>
-              <a:t>Click to edit Master text styles</a:t>
-            </a:r>
-          </a:p>
-        </p:txBody>
-      </p:sp>
-      <p:cxnSp>
-        <p:nvCxnSpPr>
-          <p:cNvPr id="9" name="직선 연결선 8"/>
-          <p:cNvCxnSpPr/>
-          <p:nvPr/>
-        </p:nvCxnSpPr>
-        <p:spPr>
-          <a:xfrm>
-            <a:off x="0" y="6500813"/>
-            <a:ext cx="9144000" cy="0"/>
-          </a:xfrm>
-          <a:prstGeom prst="line">
-            <a:avLst/>
-          </a:prstGeom>
-          <a:ln w="25400">
-            <a:solidFill>
-              <a:schemeClr val="tx2">
-                <a:lumMod val="75000"/>
-              </a:schemeClr>
-            </a:solidFill>
-          </a:ln>
-        </p:spPr>
-        <p:style>
-          <a:lnRef idx="1">
-            <a:schemeClr val="accent1"/>
-          </a:lnRef>
-          <a:fillRef idx="0">
-            <a:schemeClr val="accent1"/>
-          </a:fillRef>
-          <a:effectRef idx="0">
-            <a:schemeClr val="accent1"/>
-          </a:effectRef>
-          <a:fontRef idx="minor">
-            <a:schemeClr val="tx1"/>
-          </a:fontRef>
-        </p:style>
-      </p:cxnSp>
-      <p:sp>
-        <p:nvSpPr>
-          <p:cNvPr id="14" name="Rectangle 6"/>
-          <p:cNvSpPr>
-            <a:spLocks noGrp="1" noChangeArrowheads="1"/>
-          </p:cNvSpPr>
-          <p:nvPr>
-            <p:ph type="sldNum" sz="quarter" idx="11"/>
-          </p:nvPr>
-        </p:nvSpPr>
-        <p:spPr>
-          <a:xfrm>
-            <a:off x="7964934" y="6592713"/>
-            <a:ext cx="1071562" cy="220663"/>
-          </a:xfrm>
-        </p:spPr>
-        <p:txBody>
-          <a:bodyPr/>
-          <a:lstStyle>
-            <a:lvl1pPr>
-              <a:defRPr b="1">
-                <a:latin typeface="맑은 고딕" pitchFamily="50" charset="-127"/>
-                <a:ea typeface="맑은 고딕" pitchFamily="50" charset="-127"/>
-              </a:defRPr>
-            </a:lvl1pPr>
-          </a:lstStyle>
-          <a:p>
-            <a:pPr>
-              <a:defRPr/>
-            </a:pPr>
-            <a:fld id="{515CC4ED-1449-4712-AE45-EBC263B4DD26}" type="slidenum">
-              <a:rPr lang="en-US" altLang="ko-KR" smtClean="0">
-                <a:solidFill>
-                  <a:srgbClr val="1F497D">
-                    <a:lumMod val="50000"/>
-                  </a:srgbClr>
-                </a:solidFill>
-              </a:rPr>
-              <a:pPr>
-                <a:defRPr/>
-              </a:pPr>
-              <a:t>‹#›</a:t>
-            </a:fld>
-            <a:r>
-              <a:rPr lang="en-US" altLang="ko-KR">
-                <a:solidFill>
-                  <a:srgbClr val="1F497D">
-                    <a:lumMod val="50000"/>
-                  </a:srgbClr>
-                </a:solidFill>
-              </a:rPr>
-              <a:t> </a:t>
-            </a:r>
-          </a:p>
-        </p:txBody>
-      </p:sp>
-      <p:sp>
-        <p:nvSpPr>
-          <p:cNvPr id="15" name="Rectangle 5"/>
-          <p:cNvSpPr>
-            <a:spLocks noGrp="1" noChangeArrowheads="1"/>
-          </p:cNvSpPr>
-          <p:nvPr>
-            <p:ph type="ftr" sz="quarter" idx="3"/>
-          </p:nvPr>
-        </p:nvSpPr>
-        <p:spPr>
-          <a:xfrm>
-            <a:off x="3033713" y="6582995"/>
-            <a:ext cx="3038475" cy="220663"/>
-          </a:xfrm>
-          <a:prstGeom prst="rect">
-            <a:avLst/>
-          </a:prstGeom>
-        </p:spPr>
-        <p:txBody>
-          <a:bodyPr/>
-          <a:lstStyle>
-            <a:lvl1pPr algn="ctr">
-              <a:defRPr sz="1000" b="1">
-                <a:latin typeface="맑은 고딕" pitchFamily="50" charset="-127"/>
-                <a:ea typeface="맑은 고딕" pitchFamily="50" charset="-127"/>
-              </a:defRPr>
-            </a:lvl1pPr>
-          </a:lstStyle>
-          <a:p>
-            <a:pPr fontAlgn="base">
-              <a:spcBef>
-                <a:spcPct val="0"/>
-              </a:spcBef>
-              <a:spcAft>
-                <a:spcPct val="0"/>
-              </a:spcAft>
-              <a:defRPr/>
-            </a:pPr>
-            <a:r>
-              <a:rPr kumimoji="1" lang="en-US" altLang="ko-KR">
-                <a:solidFill>
-                  <a:prstClr val="black"/>
-                </a:solidFill>
-              </a:rPr>
-              <a:t>CSCI 3150 Intro to OS</a:t>
-            </a:r>
-            <a:endParaRPr kumimoji="1" lang="ko-KR" altLang="en-US" dirty="0">
-              <a:solidFill>
-                <a:prstClr val="black"/>
-              </a:solidFill>
-            </a:endParaRPr>
-          </a:p>
-        </p:txBody>
-      </p:sp>
-    </p:spTree>
-    <p:extLst>
-      <p:ext uri="{BB962C8B-B14F-4D97-AF65-F5344CB8AC3E}">
-        <p14:creationId xmlns:p14="http://schemas.microsoft.com/office/powerpoint/2010/main" val="1380262016"/>
-      </p:ext>
-    </p:extLst>
-  </p:cSld>
-  <p:clrMapOvr>
-    <a:masterClrMapping/>
-  </p:clrMapOvr>
-</p:sldLayout>
-</file>
-
-<file path=ppt/slideLayouts/slideLayout9.xml><?xml version="1.0" encoding="utf-8"?>
-<p:sldLayout xmlns:a="http://schemas.openxmlformats.org/drawingml/2006/main" xmlns:r="http://schemas.openxmlformats.org/officeDocument/2006/relationships" xmlns:p="http://schemas.openxmlformats.org/presentationml/2006/main" preserve="1" userDrawn="1">
-  <p:cSld name="1_제목 슬라이드">
-    <p:spTree>
-      <p:nvGrpSpPr>
-        <p:cNvPr id="1" name=""/>
-        <p:cNvGrpSpPr/>
-        <p:nvPr/>
-      </p:nvGrpSpPr>
-      <p:grpSpPr>
-        <a:xfrm>
-          <a:off x="0" y="0"/>
-          <a:ext cx="0" cy="0"/>
-          <a:chOff x="0" y="0"/>
-          <a:chExt cx="0" cy="0"/>
-        </a:xfrm>
-      </p:grpSpPr>
-      <p:sp>
-        <p:nvSpPr>
-          <p:cNvPr id="18" name="부제목 2"/>
-          <p:cNvSpPr>
-            <a:spLocks noGrp="1"/>
-          </p:cNvSpPr>
-          <p:nvPr>
-            <p:ph type="subTitle" idx="1"/>
-          </p:nvPr>
-        </p:nvSpPr>
-        <p:spPr>
-          <a:xfrm>
-            <a:off x="251520" y="78531"/>
-            <a:ext cx="8640960" cy="576065"/>
-          </a:xfrm>
-        </p:spPr>
-        <p:txBody>
-          <a:bodyPr anchor="ctr"/>
-          <a:lstStyle>
-            <a:lvl1pPr marL="0" indent="0" algn="ctr" rtl="0" fontAlgn="base" latinLnBrk="1">
-              <a:spcBef>
-                <a:spcPct val="0"/>
-              </a:spcBef>
-              <a:spcAft>
-                <a:spcPct val="0"/>
-              </a:spcAft>
-              <a:buNone/>
-              <a:defRPr kumimoji="1" lang="ko-KR" altLang="en-US" sz="2400" b="1" kern="1200" cap="none" spc="0" dirty="0">
-                <a:ln>
-                  <a:noFill/>
-                </a:ln>
-                <a:solidFill>
-                  <a:schemeClr val="bg1"/>
-                </a:solidFill>
-                <a:effectLst>
-                  <a:outerShdw blurRad="38100" dist="38100" dir="2700000" algn="tl">
-                    <a:srgbClr val="000000">
-                      <a:alpha val="43137"/>
-                    </a:srgbClr>
-                  </a:outerShdw>
-                </a:effectLst>
-                <a:latin typeface="+mj-lt"/>
-                <a:ea typeface="Arial" pitchFamily="34" charset="0"/>
-                <a:cs typeface="Arial" pitchFamily="34" charset="0"/>
-              </a:defRPr>
-            </a:lvl1pPr>
-            <a:lvl2pPr marL="457200" indent="0" algn="ctr">
-              <a:buNone/>
-              <a:defRPr/>
-            </a:lvl2pPr>
-            <a:lvl3pPr marL="914400" indent="0" algn="ctr">
-              <a:buNone/>
-              <a:defRPr/>
-            </a:lvl3pPr>
-            <a:lvl4pPr marL="1371600" indent="0" algn="ctr">
-              <a:buNone/>
-              <a:defRPr/>
-            </a:lvl4pPr>
-            <a:lvl5pPr marL="1828800" indent="0" algn="ctr">
-              <a:buNone/>
-              <a:defRPr/>
-            </a:lvl5pPr>
-            <a:lvl6pPr marL="2286000" indent="0" algn="ctr">
-              <a:buNone/>
-              <a:defRPr/>
-            </a:lvl6pPr>
-            <a:lvl7pPr marL="2743200" indent="0" algn="ctr">
-              <a:buNone/>
-              <a:defRPr/>
-            </a:lvl7pPr>
-            <a:lvl8pPr marL="3200400" indent="0" algn="ctr">
-              <a:buNone/>
-              <a:defRPr/>
-            </a:lvl8pPr>
-            <a:lvl9pPr marL="3657600" indent="0" algn="ctr">
-              <a:buNone/>
-              <a:defRPr/>
-            </a:lvl9pPr>
-          </a:lstStyle>
-          <a:p>
-            <a:r>
-              <a:rPr lang="ko-KR" altLang="en-US" dirty="0"/>
-              <a:t>마스터 부제목 스타일 편집</a:t>
-            </a:r>
-          </a:p>
-        </p:txBody>
-      </p:sp>
-      <p:sp>
-        <p:nvSpPr>
-          <p:cNvPr id="19" name="제목 1"/>
-          <p:cNvSpPr>
-            <a:spLocks noGrp="1"/>
-          </p:cNvSpPr>
-          <p:nvPr>
-            <p:ph type="ctrTitle"/>
-          </p:nvPr>
-        </p:nvSpPr>
-        <p:spPr>
-          <a:xfrm>
-            <a:off x="685800" y="1772816"/>
-            <a:ext cx="7772400" cy="1542033"/>
-          </a:xfrm>
-          <a:effectLst>
-            <a:outerShdw dist="17780" dir="2700000" algn="ctr" rotWithShape="0">
-              <a:srgbClr val="000000"/>
-            </a:outerShdw>
-          </a:effectLst>
-        </p:spPr>
-        <p:txBody>
-          <a:bodyPr/>
-          <a:lstStyle>
-            <a:lvl1pPr algn="ctr" rtl="0" fontAlgn="base" latinLnBrk="1">
-              <a:spcBef>
-                <a:spcPct val="0"/>
-              </a:spcBef>
-              <a:spcAft>
-                <a:spcPct val="0"/>
-              </a:spcAft>
-              <a:defRPr kumimoji="1" lang="ko-KR" altLang="en-US" sz="4400" b="1" kern="1200" dirty="0">
-                <a:solidFill>
-                  <a:schemeClr val="tx2">
-                    <a:lumMod val="75000"/>
-                  </a:schemeClr>
-                </a:solidFill>
-                <a:latin typeface="Adobe 고딕 Std B" pitchFamily="34" charset="-127"/>
-                <a:ea typeface="Adobe 고딕 Std B" pitchFamily="34" charset="-127"/>
-                <a:cs typeface="Adobe Arabic" pitchFamily="18" charset="-78"/>
-              </a:defRPr>
-            </a:lvl1pPr>
-          </a:lstStyle>
-          <a:p>
-            <a:r>
-              <a:rPr lang="ko-KR" altLang="en-US" dirty="0"/>
-              <a:t>마스터 제목 스타일 편집</a:t>
-            </a:r>
-          </a:p>
-        </p:txBody>
-      </p:sp>
-      <p:grpSp>
-        <p:nvGrpSpPr>
-          <p:cNvPr id="36" name="그룹 35"/>
-          <p:cNvGrpSpPr/>
-          <p:nvPr userDrawn="1"/>
-        </p:nvGrpSpPr>
-        <p:grpSpPr>
-          <a:xfrm>
-            <a:off x="-3579" y="3573016"/>
-            <a:ext cx="9147579" cy="64193"/>
-            <a:chOff x="-3579" y="3356992"/>
-            <a:chExt cx="9147579" cy="64193"/>
-          </a:xfrm>
-        </p:grpSpPr>
-        <p:cxnSp>
-          <p:nvCxnSpPr>
-            <p:cNvPr id="31" name="직선 연결선 30"/>
-            <p:cNvCxnSpPr/>
-            <p:nvPr userDrawn="1"/>
-          </p:nvCxnSpPr>
-          <p:spPr>
-            <a:xfrm>
-              <a:off x="0" y="3356992"/>
-              <a:ext cx="9144000" cy="0"/>
-            </a:xfrm>
-            <a:prstGeom prst="line">
-              <a:avLst/>
-            </a:prstGeom>
-            <a:ln w="63500">
-              <a:solidFill>
-                <a:schemeClr val="tx2">
-                  <a:lumMod val="75000"/>
-                </a:schemeClr>
-              </a:solidFill>
-              <a:tailEnd type="none"/>
-            </a:ln>
-          </p:spPr>
-          <p:style>
-            <a:lnRef idx="1">
-              <a:schemeClr val="accent1"/>
-            </a:lnRef>
-            <a:fillRef idx="0">
-              <a:schemeClr val="accent1"/>
-            </a:fillRef>
-            <a:effectRef idx="0">
-              <a:schemeClr val="accent1"/>
-            </a:effectRef>
-            <a:fontRef idx="minor">
-              <a:schemeClr val="tx1"/>
-            </a:fontRef>
-          </p:style>
-        </p:cxnSp>
-        <p:cxnSp>
-          <p:nvCxnSpPr>
-            <p:cNvPr id="32" name="직선 연결선 31"/>
-            <p:cNvCxnSpPr/>
-            <p:nvPr userDrawn="1"/>
-          </p:nvCxnSpPr>
-          <p:spPr>
-            <a:xfrm>
-              <a:off x="-3579" y="3421185"/>
-              <a:ext cx="9144000" cy="0"/>
-            </a:xfrm>
-            <a:prstGeom prst="line">
-              <a:avLst/>
-            </a:prstGeom>
-            <a:ln w="31750">
-              <a:solidFill>
-                <a:schemeClr val="accent1">
-                  <a:lumMod val="75000"/>
-                </a:schemeClr>
-              </a:solidFill>
-              <a:tailEnd type="none"/>
-            </a:ln>
-          </p:spPr>
-          <p:style>
-            <a:lnRef idx="1">
-              <a:schemeClr val="accent1"/>
-            </a:lnRef>
-            <a:fillRef idx="0">
-              <a:schemeClr val="accent1"/>
-            </a:fillRef>
-            <a:effectRef idx="0">
-              <a:schemeClr val="accent1"/>
-            </a:effectRef>
-            <a:fontRef idx="minor">
-              <a:schemeClr val="tx1"/>
-            </a:fontRef>
-          </p:style>
-        </p:cxnSp>
-      </p:grpSp>
-      <p:sp>
-        <p:nvSpPr>
-          <p:cNvPr id="12" name="TextBox 11"/>
-          <p:cNvSpPr txBox="1"/>
-          <p:nvPr userDrawn="1"/>
-        </p:nvSpPr>
-        <p:spPr>
-          <a:xfrm>
-            <a:off x="3347864" y="4030167"/>
-            <a:ext cx="2448272" cy="461665"/>
-          </a:xfrm>
-          <a:prstGeom prst="rect">
-            <a:avLst/>
-          </a:prstGeom>
-          <a:noFill/>
-        </p:spPr>
-        <p:txBody>
-          <a:bodyPr wrap="square" rtlCol="0">
-            <a:spAutoFit/>
-          </a:bodyPr>
-          <a:lstStyle/>
-          <a:p>
-            <a:pPr algn="ctr" fontAlgn="base">
-              <a:spcBef>
-                <a:spcPct val="0"/>
-              </a:spcBef>
-              <a:spcAft>
-                <a:spcPts val="600"/>
-              </a:spcAft>
-            </a:pPr>
-            <a:r>
-              <a:rPr kumimoji="1" lang="en-US" altLang="ko-KR" sz="2400" b="1" dirty="0" err="1">
-                <a:solidFill>
-                  <a:prstClr val="black"/>
-                </a:solidFill>
-                <a:latin typeface="맑은 고딕" pitchFamily="50" charset="-127"/>
-                <a:ea typeface="맑은 고딕" pitchFamily="50" charset="-127"/>
-              </a:rPr>
-              <a:t>Youjip</a:t>
-            </a:r>
-            <a:r>
-              <a:rPr kumimoji="1" lang="en-US" altLang="ko-KR" sz="2400" b="1" baseline="0" dirty="0">
-                <a:solidFill>
-                  <a:prstClr val="black"/>
-                </a:solidFill>
-                <a:latin typeface="맑은 고딕" pitchFamily="50" charset="-127"/>
-                <a:ea typeface="맑은 고딕" pitchFamily="50" charset="-127"/>
-              </a:rPr>
-              <a:t> Won</a:t>
-            </a:r>
-            <a:endParaRPr kumimoji="1" lang="en-US" altLang="ko-KR" sz="2400" b="1" dirty="0">
-              <a:solidFill>
-                <a:prstClr val="black"/>
-              </a:solidFill>
-              <a:latin typeface="맑은 고딕" pitchFamily="50" charset="-127"/>
-              <a:ea typeface="맑은 고딕" pitchFamily="50" charset="-127"/>
-            </a:endParaRPr>
-          </a:p>
-        </p:txBody>
-      </p:sp>
-      <p:pic>
-        <p:nvPicPr>
-          <p:cNvPr id="2" name="그림 1"/>
-          <p:cNvPicPr>
-            <a:picLocks noChangeAspect="1"/>
-          </p:cNvPicPr>
-          <p:nvPr userDrawn="1"/>
-        </p:nvPicPr>
-        <p:blipFill>
-          <a:blip r:embed="rId2" cstate="print">
-            <a:extLst>
-              <a:ext uri="{28A0092B-C50C-407E-A947-70E740481C1C}">
-                <a14:useLocalDpi xmlns:a14="http://schemas.microsoft.com/office/drawing/2010/main" val="0"/>
-              </a:ext>
-            </a:extLst>
-          </a:blip>
-          <a:stretch>
-            <a:fillRect/>
-          </a:stretch>
-        </p:blipFill>
-        <p:spPr>
-          <a:xfrm>
-            <a:off x="3252786" y="5013176"/>
-            <a:ext cx="2638429" cy="753613"/>
-          </a:xfrm>
-          <a:prstGeom prst="rect">
-            <a:avLst/>
-          </a:prstGeom>
-        </p:spPr>
-      </p:pic>
-    </p:spTree>
-    <p:extLst>
-      <p:ext uri="{BB962C8B-B14F-4D97-AF65-F5344CB8AC3E}">
-        <p14:creationId xmlns:p14="http://schemas.microsoft.com/office/powerpoint/2010/main" val="2661611116"/>
       </p:ext>
     </p:extLst>
   </p:cSld>
@@ -7357,777 +4247,6 @@
 </p:sldMaster>
 </file>
 
-<file path=ppt/slideMasters/slideMaster2.xml><?xml version="1.0" encoding="utf-8"?>
-<p:sldMaster xmlns:a="http://schemas.openxmlformats.org/drawingml/2006/main" xmlns:r="http://schemas.openxmlformats.org/officeDocument/2006/relationships" xmlns:p="http://schemas.openxmlformats.org/presentationml/2006/main" preserve="1">
-  <p:cSld>
-    <p:bg>
-      <p:bgPr>
-        <a:solidFill>
-          <a:schemeClr val="bg1"/>
-        </a:solidFill>
-        <a:effectLst/>
-      </p:bgPr>
-    </p:bg>
-    <p:spTree>
-      <p:nvGrpSpPr>
-        <p:cNvPr id="1" name=""/>
-        <p:cNvGrpSpPr/>
-        <p:nvPr/>
-      </p:nvGrpSpPr>
-      <p:grpSpPr>
-        <a:xfrm>
-          <a:off x="0" y="0"/>
-          <a:ext cx="0" cy="0"/>
-          <a:chOff x="0" y="0"/>
-          <a:chExt cx="0" cy="0"/>
-        </a:xfrm>
-      </p:grpSpPr>
-      <p:sp>
-        <p:nvSpPr>
-          <p:cNvPr id="5" name="직사각형 4"/>
-          <p:cNvSpPr/>
-          <p:nvPr/>
-        </p:nvSpPr>
-        <p:spPr>
-          <a:xfrm>
-            <a:off x="0" y="-611"/>
-            <a:ext cx="9144000" cy="706619"/>
-          </a:xfrm>
-          <a:prstGeom prst="rect">
-            <a:avLst/>
-          </a:prstGeom>
-          <a:solidFill>
-            <a:schemeClr val="tx2">
-              <a:lumMod val="75000"/>
-            </a:schemeClr>
-          </a:solidFill>
-          <a:ln w="9525">
-            <a:noFill/>
-          </a:ln>
-        </p:spPr>
-        <p:style>
-          <a:lnRef idx="3">
-            <a:schemeClr val="lt1"/>
-          </a:lnRef>
-          <a:fillRef idx="1">
-            <a:schemeClr val="accent1"/>
-          </a:fillRef>
-          <a:effectRef idx="1">
-            <a:schemeClr val="accent1"/>
-          </a:effectRef>
-          <a:fontRef idx="minor">
-            <a:schemeClr val="lt1"/>
-          </a:fontRef>
-        </p:style>
-        <p:txBody>
-          <a:bodyPr lIns="252000" rtlCol="0" anchor="ctr"/>
-          <a:lstStyle/>
-          <a:p>
-            <a:pPr algn="ctr"/>
-            <a:endParaRPr lang="ko-KR" altLang="en-US" sz="1600" dirty="0">
-              <a:solidFill>
-                <a:srgbClr val="00B050"/>
-              </a:solidFill>
-              <a:latin typeface="Courier New" pitchFamily="49" charset="0"/>
-              <a:ea typeface="맑은 고딕" pitchFamily="50" charset="-127"/>
-              <a:cs typeface="Courier New" pitchFamily="49" charset="0"/>
-            </a:endParaRPr>
-          </a:p>
-        </p:txBody>
-      </p:sp>
-      <p:sp>
-        <p:nvSpPr>
-          <p:cNvPr id="2" name="Rectangle 2"/>
-          <p:cNvSpPr>
-            <a:spLocks noGrp="1" noChangeArrowheads="1"/>
-          </p:cNvSpPr>
-          <p:nvPr>
-            <p:ph type="title"/>
-          </p:nvPr>
-        </p:nvSpPr>
-        <p:spPr bwMode="auto">
-          <a:xfrm>
-            <a:off x="214313" y="55563"/>
-            <a:ext cx="8786812" cy="585787"/>
-          </a:xfrm>
-          <a:prstGeom prst="rect">
-            <a:avLst/>
-          </a:prstGeom>
-          <a:noFill/>
-          <a:ln w="9525">
-            <a:noFill/>
-            <a:miter lim="800000"/>
-            <a:headEnd/>
-            <a:tailEnd/>
-          </a:ln>
-          <a:effectLst>
-            <a:outerShdw dist="17961" dir="2700000" algn="ctr" rotWithShape="0">
-              <a:schemeClr val="tx1"/>
-            </a:outerShdw>
-          </a:effectLst>
-        </p:spPr>
-        <p:txBody>
-          <a:bodyPr vert="horz" wrap="square" lIns="91440" tIns="45720" rIns="91440" bIns="45720" numCol="1" anchor="ctr" anchorCtr="0" compatLnSpc="1">
-            <a:prstTxWarp prst="textNoShape">
-              <a:avLst/>
-            </a:prstTxWarp>
-          </a:bodyPr>
-          <a:lstStyle/>
-          <a:p>
-            <a:pPr lvl="0"/>
-            <a:endParaRPr lang="ko-KR" altLang="en-US" dirty="0"/>
-          </a:p>
-        </p:txBody>
-      </p:sp>
-      <p:sp>
-        <p:nvSpPr>
-          <p:cNvPr id="1028" name="Rectangle 3"/>
-          <p:cNvSpPr>
-            <a:spLocks noGrp="1" noChangeArrowheads="1"/>
-          </p:cNvSpPr>
-          <p:nvPr>
-            <p:ph type="body" idx="1"/>
-          </p:nvPr>
-        </p:nvSpPr>
-        <p:spPr bwMode="auto">
-          <a:xfrm>
-            <a:off x="214313" y="1000125"/>
-            <a:ext cx="8786812" cy="5429250"/>
-          </a:xfrm>
-          <a:prstGeom prst="rect">
-            <a:avLst/>
-          </a:prstGeom>
-          <a:noFill/>
-          <a:ln w="9525">
-            <a:noFill/>
-            <a:miter lim="800000"/>
-            <a:headEnd/>
-            <a:tailEnd/>
-          </a:ln>
-        </p:spPr>
-        <p:txBody>
-          <a:bodyPr vert="horz" wrap="square" lIns="91440" tIns="45720" rIns="91440" bIns="45720" numCol="1" anchor="t" anchorCtr="0" compatLnSpc="1">
-            <a:prstTxWarp prst="textNoShape">
-              <a:avLst/>
-            </a:prstTxWarp>
-          </a:bodyPr>
-          <a:lstStyle/>
-          <a:p>
-            <a:pPr lvl="0"/>
-            <a:r>
-              <a:rPr lang="ko-KR" altLang="en-US" dirty="0"/>
-              <a:t>마스터 텍스트 스타일을 편집합니다</a:t>
-            </a:r>
-          </a:p>
-          <a:p>
-            <a:pPr lvl="1"/>
-            <a:r>
-              <a:rPr lang="ko-KR" altLang="en-US" dirty="0"/>
-              <a:t>둘째 수준</a:t>
-            </a:r>
-          </a:p>
-          <a:p>
-            <a:pPr lvl="2"/>
-            <a:r>
-              <a:rPr lang="ko-KR" altLang="en-US" dirty="0"/>
-              <a:t>셋째 수준</a:t>
-            </a:r>
-          </a:p>
-          <a:p>
-            <a:pPr lvl="3"/>
-            <a:r>
-              <a:rPr lang="ko-KR" altLang="en-US" dirty="0"/>
-              <a:t>넷째 수준</a:t>
-            </a:r>
-          </a:p>
-          <a:p>
-            <a:pPr lvl="4"/>
-            <a:r>
-              <a:rPr lang="ko-KR" altLang="en-US" dirty="0"/>
-              <a:t>다섯째 수준</a:t>
-            </a:r>
-          </a:p>
-        </p:txBody>
-      </p:sp>
-      <p:sp>
-        <p:nvSpPr>
-          <p:cNvPr id="1030" name="Rectangle 6"/>
-          <p:cNvSpPr>
-            <a:spLocks noGrp="1" noChangeArrowheads="1"/>
-          </p:cNvSpPr>
-          <p:nvPr>
-            <p:ph type="sldNum" sz="quarter" idx="4"/>
-          </p:nvPr>
-        </p:nvSpPr>
-        <p:spPr bwMode="auto">
-          <a:xfrm>
-            <a:off x="7500938" y="6562725"/>
-            <a:ext cx="1071562" cy="220663"/>
-          </a:xfrm>
-          <a:prstGeom prst="rect">
-            <a:avLst/>
-          </a:prstGeom>
-          <a:noFill/>
-          <a:ln w="9525">
-            <a:noFill/>
-            <a:miter lim="800000"/>
-            <a:headEnd/>
-            <a:tailEnd/>
-          </a:ln>
-          <a:effectLst/>
-        </p:spPr>
-        <p:txBody>
-          <a:bodyPr vert="horz" wrap="square" lIns="91440" tIns="45720" rIns="91440" bIns="45720" numCol="1" anchor="ctr" anchorCtr="0" compatLnSpc="1">
-            <a:prstTxWarp prst="textNoShape">
-              <a:avLst/>
-            </a:prstTxWarp>
-          </a:bodyPr>
-          <a:lstStyle>
-            <a:lvl1pPr algn="r">
-              <a:defRPr sz="1000">
-                <a:solidFill>
-                  <a:schemeClr val="tx2">
-                    <a:lumMod val="50000"/>
-                  </a:schemeClr>
-                </a:solidFill>
-                <a:latin typeface="굴림" pitchFamily="50" charset="-127"/>
-                <a:ea typeface="굴림" pitchFamily="50" charset="-127"/>
-              </a:defRPr>
-            </a:lvl1pPr>
-          </a:lstStyle>
-          <a:p>
-            <a:fld id="{5BCC3F0E-9362-6D47-9781-DB401EE9B6B9}" type="slidenum">
-              <a:rPr lang="en-US" smtClean="0"/>
-              <a:pPr/>
-              <a:t>‹#›</a:t>
-            </a:fld>
-            <a:endParaRPr lang="en-US"/>
-          </a:p>
-        </p:txBody>
-      </p:sp>
-      <p:sp>
-        <p:nvSpPr>
-          <p:cNvPr id="8" name="Rectangle 5"/>
-          <p:cNvSpPr>
-            <a:spLocks noGrp="1" noChangeArrowheads="1"/>
-          </p:cNvSpPr>
-          <p:nvPr>
-            <p:ph type="ftr" sz="quarter" idx="3"/>
-          </p:nvPr>
-        </p:nvSpPr>
-        <p:spPr>
-          <a:xfrm>
-            <a:off x="3033713" y="6559550"/>
-            <a:ext cx="3038475" cy="220663"/>
-          </a:xfrm>
-          <a:prstGeom prst="rect">
-            <a:avLst/>
-          </a:prstGeom>
-        </p:spPr>
-        <p:txBody>
-          <a:bodyPr/>
-          <a:lstStyle>
-            <a:lvl1pPr algn="ctr">
-              <a:defRPr sz="1100" b="1">
-                <a:latin typeface="맑은 고딕" pitchFamily="50" charset="-127"/>
-                <a:ea typeface="맑은 고딕" pitchFamily="50" charset="-127"/>
-              </a:defRPr>
-            </a:lvl1pPr>
-          </a:lstStyle>
-          <a:p>
-            <a:r>
-              <a:rPr lang="en-US"/>
-              <a:t>CSCI3150 Intro to Operating Systems</a:t>
-            </a:r>
-          </a:p>
-        </p:txBody>
-      </p:sp>
-      <p:sp>
-        <p:nvSpPr>
-          <p:cNvPr id="10" name="직사각형 9"/>
-          <p:cNvSpPr/>
-          <p:nvPr/>
-        </p:nvSpPr>
-        <p:spPr>
-          <a:xfrm>
-            <a:off x="0" y="706008"/>
-            <a:ext cx="9144000" cy="45719"/>
-          </a:xfrm>
-          <a:prstGeom prst="rect">
-            <a:avLst/>
-          </a:prstGeom>
-          <a:solidFill>
-            <a:schemeClr val="accent1">
-              <a:lumMod val="75000"/>
-            </a:schemeClr>
-          </a:solidFill>
-          <a:ln w="9525">
-            <a:noFill/>
-          </a:ln>
-        </p:spPr>
-        <p:style>
-          <a:lnRef idx="3">
-            <a:schemeClr val="lt1"/>
-          </a:lnRef>
-          <a:fillRef idx="1">
-            <a:schemeClr val="accent1"/>
-          </a:fillRef>
-          <a:effectRef idx="1">
-            <a:schemeClr val="accent1"/>
-          </a:effectRef>
-          <a:fontRef idx="minor">
-            <a:schemeClr val="lt1"/>
-          </a:fontRef>
-        </p:style>
-        <p:txBody>
-          <a:bodyPr lIns="252000" rtlCol="0" anchor="ctr"/>
-          <a:lstStyle/>
-          <a:p>
-            <a:pPr algn="ctr"/>
-            <a:endParaRPr lang="ko-KR" altLang="en-US" sz="1600" dirty="0">
-              <a:solidFill>
-                <a:srgbClr val="00B050"/>
-              </a:solidFill>
-              <a:latin typeface="Courier New" pitchFamily="49" charset="0"/>
-              <a:ea typeface="맑은 고딕" pitchFamily="50" charset="-127"/>
-              <a:cs typeface="Courier New" pitchFamily="49" charset="0"/>
-            </a:endParaRPr>
-          </a:p>
-        </p:txBody>
-      </p:sp>
-    </p:spTree>
-    <p:extLst>
-      <p:ext uri="{BB962C8B-B14F-4D97-AF65-F5344CB8AC3E}">
-        <p14:creationId xmlns:p14="http://schemas.microsoft.com/office/powerpoint/2010/main" val="1306881173"/>
-      </p:ext>
-    </p:extLst>
-  </p:cSld>
-  <p:clrMap bg1="lt1" tx1="dk1" bg2="lt2" tx2="dk2" accent1="accent1" accent2="accent2" accent3="accent3" accent4="accent4" accent5="accent5" accent6="accent6" hlink="hlink" folHlink="folHlink"/>
-  <p:sldLayoutIdLst>
-    <p:sldLayoutId id="2147483687" r:id="rId1"/>
-    <p:sldLayoutId id="2147483688" r:id="rId2"/>
-    <p:sldLayoutId id="2147483689" r:id="rId3"/>
-    <p:sldLayoutId id="2147483690" r:id="rId4"/>
-    <p:sldLayoutId id="2147483691" r:id="rId5"/>
-    <p:sldLayoutId id="2147483692" r:id="rId6"/>
-    <p:sldLayoutId id="2147483693" r:id="rId7"/>
-    <p:sldLayoutId id="2147483694" r:id="rId8"/>
-    <p:sldLayoutId id="2147483695" r:id="rId9"/>
-  </p:sldLayoutIdLst>
-  <p:hf hdr="0" dt="0"/>
-  <p:txStyles>
-    <p:titleStyle>
-      <a:lvl1pPr algn="l" rtl="0" eaLnBrk="1" fontAlgn="base" latinLnBrk="1" hangingPunct="1">
-        <a:spcBef>
-          <a:spcPct val="0"/>
-        </a:spcBef>
-        <a:spcAft>
-          <a:spcPct val="0"/>
-        </a:spcAft>
-        <a:defRPr kumimoji="1" sz="2400">
-          <a:solidFill>
-            <a:schemeClr val="bg1"/>
-          </a:solidFill>
-          <a:latin typeface="Helvetica Neue" panose="02000503000000020004" pitchFamily="2" charset="0"/>
-          <a:ea typeface="Helvetica Neue" panose="02000503000000020004" pitchFamily="2" charset="0"/>
-          <a:cs typeface="Helvetica Neue" panose="02000503000000020004" pitchFamily="2" charset="0"/>
-        </a:defRPr>
-      </a:lvl1pPr>
-      <a:lvl2pPr algn="l" rtl="0" eaLnBrk="1" fontAlgn="base" latinLnBrk="1" hangingPunct="1">
-        <a:spcBef>
-          <a:spcPct val="0"/>
-        </a:spcBef>
-        <a:spcAft>
-          <a:spcPct val="0"/>
-        </a:spcAft>
-        <a:defRPr kumimoji="1" sz="2400">
-          <a:solidFill>
-            <a:srgbClr val="FFFF00"/>
-          </a:solidFill>
-          <a:latin typeface="HY견고딕" pitchFamily="18" charset="-127"/>
-          <a:ea typeface="HY견고딕" pitchFamily="18" charset="-127"/>
-        </a:defRPr>
-      </a:lvl2pPr>
-      <a:lvl3pPr algn="l" rtl="0" eaLnBrk="1" fontAlgn="base" latinLnBrk="1" hangingPunct="1">
-        <a:spcBef>
-          <a:spcPct val="0"/>
-        </a:spcBef>
-        <a:spcAft>
-          <a:spcPct val="0"/>
-        </a:spcAft>
-        <a:defRPr kumimoji="1" sz="2400">
-          <a:solidFill>
-            <a:srgbClr val="FFFF00"/>
-          </a:solidFill>
-          <a:latin typeface="HY견고딕" pitchFamily="18" charset="-127"/>
-          <a:ea typeface="HY견고딕" pitchFamily="18" charset="-127"/>
-        </a:defRPr>
-      </a:lvl3pPr>
-      <a:lvl4pPr algn="l" rtl="0" eaLnBrk="1" fontAlgn="base" latinLnBrk="1" hangingPunct="1">
-        <a:spcBef>
-          <a:spcPct val="0"/>
-        </a:spcBef>
-        <a:spcAft>
-          <a:spcPct val="0"/>
-        </a:spcAft>
-        <a:defRPr kumimoji="1" sz="2400">
-          <a:solidFill>
-            <a:srgbClr val="FFFF00"/>
-          </a:solidFill>
-          <a:latin typeface="HY견고딕" pitchFamily="18" charset="-127"/>
-          <a:ea typeface="HY견고딕" pitchFamily="18" charset="-127"/>
-        </a:defRPr>
-      </a:lvl4pPr>
-      <a:lvl5pPr algn="l" rtl="0" eaLnBrk="1" fontAlgn="base" latinLnBrk="1" hangingPunct="1">
-        <a:spcBef>
-          <a:spcPct val="0"/>
-        </a:spcBef>
-        <a:spcAft>
-          <a:spcPct val="0"/>
-        </a:spcAft>
-        <a:defRPr kumimoji="1" sz="2400">
-          <a:solidFill>
-            <a:srgbClr val="FFFF00"/>
-          </a:solidFill>
-          <a:latin typeface="HY견고딕" pitchFamily="18" charset="-127"/>
-          <a:ea typeface="HY견고딕" pitchFamily="18" charset="-127"/>
-        </a:defRPr>
-      </a:lvl5pPr>
-      <a:lvl6pPr marL="457200" algn="l" rtl="0" eaLnBrk="1" fontAlgn="base" latinLnBrk="1" hangingPunct="1">
-        <a:spcBef>
-          <a:spcPct val="0"/>
-        </a:spcBef>
-        <a:spcAft>
-          <a:spcPct val="0"/>
-        </a:spcAft>
-        <a:defRPr kumimoji="1" sz="3000">
-          <a:solidFill>
-            <a:schemeClr val="bg1"/>
-          </a:solidFill>
-          <a:latin typeface="HY견고딕" pitchFamily="18" charset="-127"/>
-          <a:ea typeface="HY견고딕" pitchFamily="18" charset="-127"/>
-        </a:defRPr>
-      </a:lvl6pPr>
-      <a:lvl7pPr marL="914400" algn="l" rtl="0" eaLnBrk="1" fontAlgn="base" latinLnBrk="1" hangingPunct="1">
-        <a:spcBef>
-          <a:spcPct val="0"/>
-        </a:spcBef>
-        <a:spcAft>
-          <a:spcPct val="0"/>
-        </a:spcAft>
-        <a:defRPr kumimoji="1" sz="3000">
-          <a:solidFill>
-            <a:schemeClr val="bg1"/>
-          </a:solidFill>
-          <a:latin typeface="HY견고딕" pitchFamily="18" charset="-127"/>
-          <a:ea typeface="HY견고딕" pitchFamily="18" charset="-127"/>
-        </a:defRPr>
-      </a:lvl7pPr>
-      <a:lvl8pPr marL="1371600" algn="l" rtl="0" eaLnBrk="1" fontAlgn="base" latinLnBrk="1" hangingPunct="1">
-        <a:spcBef>
-          <a:spcPct val="0"/>
-        </a:spcBef>
-        <a:spcAft>
-          <a:spcPct val="0"/>
-        </a:spcAft>
-        <a:defRPr kumimoji="1" sz="3000">
-          <a:solidFill>
-            <a:schemeClr val="bg1"/>
-          </a:solidFill>
-          <a:latin typeface="HY견고딕" pitchFamily="18" charset="-127"/>
-          <a:ea typeface="HY견고딕" pitchFamily="18" charset="-127"/>
-        </a:defRPr>
-      </a:lvl8pPr>
-      <a:lvl9pPr marL="1828800" algn="l" rtl="0" eaLnBrk="1" fontAlgn="base" latinLnBrk="1" hangingPunct="1">
-        <a:spcBef>
-          <a:spcPct val="0"/>
-        </a:spcBef>
-        <a:spcAft>
-          <a:spcPct val="0"/>
-        </a:spcAft>
-        <a:defRPr kumimoji="1" sz="3000">
-          <a:solidFill>
-            <a:schemeClr val="bg1"/>
-          </a:solidFill>
-          <a:latin typeface="HY견고딕" pitchFamily="18" charset="-127"/>
-          <a:ea typeface="HY견고딕" pitchFamily="18" charset="-127"/>
-        </a:defRPr>
-      </a:lvl9pPr>
-    </p:titleStyle>
-    <p:bodyStyle>
-      <a:lvl1pPr marL="342900" indent="-342900" algn="l" rtl="0" eaLnBrk="1" fontAlgn="base" latinLnBrk="0" hangingPunct="1">
-        <a:spcBef>
-          <a:spcPct val="20000"/>
-        </a:spcBef>
-        <a:spcAft>
-          <a:spcPct val="0"/>
-        </a:spcAft>
-        <a:buClr>
-          <a:srgbClr val="002060"/>
-        </a:buClr>
-        <a:buSzPct val="65000"/>
-        <a:buFont typeface="Wingdings" pitchFamily="2" charset="2"/>
-        <a:buChar char=""/>
-        <a:defRPr kumimoji="1" sz="2000">
-          <a:solidFill>
-            <a:srgbClr val="10253F"/>
-          </a:solidFill>
-          <a:latin typeface="Helvetica Neue" panose="02000503000000020004" pitchFamily="2" charset="0"/>
-          <a:ea typeface="Helvetica Neue" panose="02000503000000020004" pitchFamily="2" charset="0"/>
-          <a:cs typeface="Helvetica Neue" panose="02000503000000020004" pitchFamily="2" charset="0"/>
-        </a:defRPr>
-      </a:lvl1pPr>
-      <a:lvl2pPr marL="742950" indent="-285750" algn="l" rtl="0" eaLnBrk="1" fontAlgn="base" latinLnBrk="1" hangingPunct="1">
-        <a:spcBef>
-          <a:spcPct val="20000"/>
-        </a:spcBef>
-        <a:spcAft>
-          <a:spcPct val="0"/>
-        </a:spcAft>
-        <a:buClr>
-          <a:srgbClr val="007E3C"/>
-        </a:buClr>
-        <a:buSzPct val="100000"/>
-        <a:buFont typeface="Wingdings" pitchFamily="2" charset="2"/>
-        <a:buChar char=""/>
-        <a:defRPr kumimoji="1">
-          <a:solidFill>
-            <a:srgbClr val="10253F"/>
-          </a:solidFill>
-          <a:latin typeface="Helvetica Neue" panose="02000503000000020004" pitchFamily="2" charset="0"/>
-          <a:ea typeface="Helvetica Neue" panose="02000503000000020004" pitchFamily="2" charset="0"/>
-          <a:cs typeface="Helvetica Neue" panose="02000503000000020004" pitchFamily="2" charset="0"/>
-        </a:defRPr>
-      </a:lvl2pPr>
-      <a:lvl3pPr marL="1143000" indent="-228600" algn="l" rtl="0" eaLnBrk="1" fontAlgn="base" latinLnBrk="1" hangingPunct="1">
-        <a:spcBef>
-          <a:spcPct val="20000"/>
-        </a:spcBef>
-        <a:spcAft>
-          <a:spcPct val="0"/>
-        </a:spcAft>
-        <a:buClr>
-          <a:srgbClr val="002060"/>
-        </a:buClr>
-        <a:buSzPct val="65000"/>
-        <a:buFont typeface="Wingdings" pitchFamily="2" charset="2"/>
-        <a:buChar char=""/>
-        <a:defRPr kumimoji="1" sz="1600">
-          <a:solidFill>
-            <a:srgbClr val="10253F"/>
-          </a:solidFill>
-          <a:latin typeface="Helvetica Neue" panose="02000503000000020004" pitchFamily="2" charset="0"/>
-          <a:ea typeface="Helvetica Neue" panose="02000503000000020004" pitchFamily="2" charset="0"/>
-          <a:cs typeface="Helvetica Neue" panose="02000503000000020004" pitchFamily="2" charset="0"/>
-        </a:defRPr>
-      </a:lvl3pPr>
-      <a:lvl4pPr marL="1600200" indent="-228600" algn="l" rtl="0" eaLnBrk="1" fontAlgn="base" latinLnBrk="1" hangingPunct="1">
-        <a:spcBef>
-          <a:spcPct val="20000"/>
-        </a:spcBef>
-        <a:spcAft>
-          <a:spcPct val="0"/>
-        </a:spcAft>
-        <a:buClr>
-          <a:srgbClr val="00B03C"/>
-        </a:buClr>
-        <a:buSzPct val="65000"/>
-        <a:buFont typeface="Wingdings" pitchFamily="2" charset="2"/>
-        <a:buChar char=""/>
-        <a:defRPr kumimoji="1" sz="1400">
-          <a:solidFill>
-            <a:srgbClr val="10253F"/>
-          </a:solidFill>
-          <a:latin typeface="Helvetica Neue" panose="02000503000000020004" pitchFamily="2" charset="0"/>
-          <a:ea typeface="Helvetica Neue" panose="02000503000000020004" pitchFamily="2" charset="0"/>
-          <a:cs typeface="Helvetica Neue" panose="02000503000000020004" pitchFamily="2" charset="0"/>
-        </a:defRPr>
-      </a:lvl4pPr>
-      <a:lvl5pPr marL="2057400" indent="-228600" algn="l" rtl="0" eaLnBrk="1" fontAlgn="base" latinLnBrk="1" hangingPunct="1">
-        <a:spcBef>
-          <a:spcPct val="20000"/>
-        </a:spcBef>
-        <a:spcAft>
-          <a:spcPct val="0"/>
-        </a:spcAft>
-        <a:buClr>
-          <a:srgbClr val="002060"/>
-        </a:buClr>
-        <a:buFont typeface="Wingdings" pitchFamily="2" charset="2"/>
-        <a:buChar char=""/>
-        <a:defRPr kumimoji="1" sz="1400">
-          <a:solidFill>
-            <a:srgbClr val="10253F"/>
-          </a:solidFill>
-          <a:latin typeface="Helvetica Neue" panose="02000503000000020004" pitchFamily="2" charset="0"/>
-          <a:ea typeface="Helvetica Neue" panose="02000503000000020004" pitchFamily="2" charset="0"/>
-          <a:cs typeface="Helvetica Neue" panose="02000503000000020004" pitchFamily="2" charset="0"/>
-        </a:defRPr>
-      </a:lvl5pPr>
-      <a:lvl6pPr marL="2514600" indent="-228600" algn="l" rtl="0" eaLnBrk="1" fontAlgn="base" latinLnBrk="1" hangingPunct="1">
-        <a:spcBef>
-          <a:spcPct val="20000"/>
-        </a:spcBef>
-        <a:spcAft>
-          <a:spcPct val="0"/>
-        </a:spcAft>
-        <a:buChar char="»"/>
-        <a:defRPr kumimoji="1" sz="2000">
-          <a:solidFill>
-            <a:schemeClr val="tx1"/>
-          </a:solidFill>
-          <a:latin typeface="+mn-lt"/>
-          <a:ea typeface="+mn-ea"/>
-        </a:defRPr>
-      </a:lvl6pPr>
-      <a:lvl7pPr marL="2971800" indent="-228600" algn="l" rtl="0" eaLnBrk="1" fontAlgn="base" latinLnBrk="1" hangingPunct="1">
-        <a:spcBef>
-          <a:spcPct val="20000"/>
-        </a:spcBef>
-        <a:spcAft>
-          <a:spcPct val="0"/>
-        </a:spcAft>
-        <a:buChar char="»"/>
-        <a:defRPr kumimoji="1" sz="2000">
-          <a:solidFill>
-            <a:schemeClr val="tx1"/>
-          </a:solidFill>
-          <a:latin typeface="+mn-lt"/>
-          <a:ea typeface="+mn-ea"/>
-        </a:defRPr>
-      </a:lvl7pPr>
-      <a:lvl8pPr marL="3429000" indent="-228600" algn="l" rtl="0" eaLnBrk="1" fontAlgn="base" latinLnBrk="1" hangingPunct="1">
-        <a:spcBef>
-          <a:spcPct val="20000"/>
-        </a:spcBef>
-        <a:spcAft>
-          <a:spcPct val="0"/>
-        </a:spcAft>
-        <a:buChar char="»"/>
-        <a:defRPr kumimoji="1" sz="2000">
-          <a:solidFill>
-            <a:schemeClr val="tx1"/>
-          </a:solidFill>
-          <a:latin typeface="+mn-lt"/>
-          <a:ea typeface="+mn-ea"/>
-        </a:defRPr>
-      </a:lvl8pPr>
-      <a:lvl9pPr marL="3886200" indent="-228600" algn="l" rtl="0" eaLnBrk="1" fontAlgn="base" latinLnBrk="1" hangingPunct="1">
-        <a:spcBef>
-          <a:spcPct val="20000"/>
-        </a:spcBef>
-        <a:spcAft>
-          <a:spcPct val="0"/>
-        </a:spcAft>
-        <a:buChar char="»"/>
-        <a:defRPr kumimoji="1" sz="2000">
-          <a:solidFill>
-            <a:schemeClr val="tx1"/>
-          </a:solidFill>
-          <a:latin typeface="+mn-lt"/>
-          <a:ea typeface="+mn-ea"/>
-        </a:defRPr>
-      </a:lvl9pPr>
-    </p:bodyStyle>
-    <p:otherStyle>
-      <a:defPPr>
-        <a:defRPr lang="ko-KR"/>
-      </a:defPPr>
-      <a:lvl1pPr marL="0" algn="l" defTabSz="914400" rtl="0" eaLnBrk="1" latinLnBrk="1" hangingPunct="1">
-        <a:defRPr sz="1800" kern="1200">
-          <a:solidFill>
-            <a:schemeClr val="tx1"/>
-          </a:solidFill>
-          <a:latin typeface="+mn-lt"/>
-          <a:ea typeface="+mn-ea"/>
-          <a:cs typeface="+mn-cs"/>
-        </a:defRPr>
-      </a:lvl1pPr>
-      <a:lvl2pPr marL="457200" algn="l" defTabSz="914400" rtl="0" eaLnBrk="1" latinLnBrk="1" hangingPunct="1">
-        <a:defRPr sz="1800" kern="1200">
-          <a:solidFill>
-            <a:schemeClr val="tx1"/>
-          </a:solidFill>
-          <a:latin typeface="+mn-lt"/>
-          <a:ea typeface="+mn-ea"/>
-          <a:cs typeface="+mn-cs"/>
-        </a:defRPr>
-      </a:lvl2pPr>
-      <a:lvl3pPr marL="914400" algn="l" defTabSz="914400" rtl="0" eaLnBrk="1" latinLnBrk="1" hangingPunct="1">
-        <a:defRPr sz="1800" kern="1200">
-          <a:solidFill>
-            <a:schemeClr val="tx1"/>
-          </a:solidFill>
-          <a:latin typeface="+mn-lt"/>
-          <a:ea typeface="+mn-ea"/>
-          <a:cs typeface="+mn-cs"/>
-        </a:defRPr>
-      </a:lvl3pPr>
-      <a:lvl4pPr marL="1371600" algn="l" defTabSz="914400" rtl="0" eaLnBrk="1" latinLnBrk="1" hangingPunct="1">
-        <a:defRPr sz="1800" kern="1200">
-          <a:solidFill>
-            <a:schemeClr val="tx1"/>
-          </a:solidFill>
-          <a:latin typeface="+mn-lt"/>
-          <a:ea typeface="+mn-ea"/>
-          <a:cs typeface="+mn-cs"/>
-        </a:defRPr>
-      </a:lvl4pPr>
-      <a:lvl5pPr marL="1828800" algn="l" defTabSz="914400" rtl="0" eaLnBrk="1" latinLnBrk="1" hangingPunct="1">
-        <a:defRPr sz="1800" kern="1200">
-          <a:solidFill>
-            <a:schemeClr val="tx1"/>
-          </a:solidFill>
-          <a:latin typeface="+mn-lt"/>
-          <a:ea typeface="+mn-ea"/>
-          <a:cs typeface="+mn-cs"/>
-        </a:defRPr>
-      </a:lvl5pPr>
-      <a:lvl6pPr marL="2286000" algn="l" defTabSz="914400" rtl="0" eaLnBrk="1" latinLnBrk="1" hangingPunct="1">
-        <a:defRPr sz="1800" kern="1200">
-          <a:solidFill>
-            <a:schemeClr val="tx1"/>
-          </a:solidFill>
-          <a:latin typeface="+mn-lt"/>
-          <a:ea typeface="+mn-ea"/>
-          <a:cs typeface="+mn-cs"/>
-        </a:defRPr>
-      </a:lvl6pPr>
-      <a:lvl7pPr marL="2743200" algn="l" defTabSz="914400" rtl="0" eaLnBrk="1" latinLnBrk="1" hangingPunct="1">
-        <a:defRPr sz="1800" kern="1200">
-          <a:solidFill>
-            <a:schemeClr val="tx1"/>
-          </a:solidFill>
-          <a:latin typeface="+mn-lt"/>
-          <a:ea typeface="+mn-ea"/>
-          <a:cs typeface="+mn-cs"/>
-        </a:defRPr>
-      </a:lvl7pPr>
-      <a:lvl8pPr marL="3200400" algn="l" defTabSz="914400" rtl="0" eaLnBrk="1" latinLnBrk="1" hangingPunct="1">
-        <a:defRPr sz="1800" kern="1200">
-          <a:solidFill>
-            <a:schemeClr val="tx1"/>
-          </a:solidFill>
-          <a:latin typeface="+mn-lt"/>
-          <a:ea typeface="+mn-ea"/>
-          <a:cs typeface="+mn-cs"/>
-        </a:defRPr>
-      </a:lvl8pPr>
-      <a:lvl9pPr marL="3657600" algn="l" defTabSz="914400" rtl="0" eaLnBrk="1" latinLnBrk="1" hangingPunct="1">
-        <a:defRPr sz="1800" kern="1200">
-          <a:solidFill>
-            <a:schemeClr val="tx1"/>
-          </a:solidFill>
-          <a:latin typeface="+mn-lt"/>
-          <a:ea typeface="+mn-ea"/>
-          <a:cs typeface="+mn-cs"/>
-        </a:defRPr>
-      </a:lvl9pPr>
-    </p:otherStyle>
-  </p:txStyles>
-</p:sldMaster>
-</file>
-
 <file path=ppt/slides/slide1.xml><?xml version="1.0" encoding="utf-8"?>
 <p:sld xmlns:a="http://schemas.openxmlformats.org/drawingml/2006/main" xmlns:r="http://schemas.openxmlformats.org/officeDocument/2006/relationships" xmlns:p="http://schemas.openxmlformats.org/presentationml/2006/main">
   <p:cSld>
@@ -8176,7 +4295,7 @@
         </p:nvSpPr>
         <p:spPr>
           <a:xfrm>
-            <a:off x="683568" y="1484786"/>
+            <a:off x="683568" y="1484784"/>
             <a:ext cx="7772400" cy="1326009"/>
           </a:xfrm>
         </p:spPr>
@@ -8184,10 +4303,16 @@
           <a:bodyPr/>
           <a:lstStyle/>
           <a:p>
-            <a:pPr latinLnBrk="0"/>
+            <a:r>
+              <a:rPr lang="en-US" sz="3600" dirty="0"/>
+              <a:t>Operating Systems</a:t>
+            </a:r>
+            <a:br>
+              <a:rPr lang="en-US" sz="3600" dirty="0"/>
+            </a:br>
             <a:r>
               <a:rPr lang="en-US" altLang="zh-CN" sz="3600" dirty="0"/>
-              <a:t>CSCI3150</a:t>
+              <a:t>CSCI</a:t>
             </a:r>
             <a:r>
               <a:rPr lang="zh-CN" altLang="en-US" sz="3600" dirty="0"/>
@@ -8195,34 +4320,21 @@
             </a:r>
             <a:r>
               <a:rPr lang="en-US" altLang="zh-CN" sz="3600" dirty="0"/>
-              <a:t>Introduction</a:t>
-            </a:r>
-            <a:r>
-              <a:rPr lang="zh-CN" altLang="en-US" sz="3600" dirty="0"/>
-              <a:t> </a:t>
-            </a:r>
-            <a:r>
-              <a:rPr lang="en-US" altLang="zh-CN" sz="3600" dirty="0"/>
-              <a:t>to</a:t>
-            </a:r>
-            <a:r>
-              <a:rPr lang="zh-CN" altLang="en-US" sz="3600" dirty="0"/>
-              <a:t> </a:t>
-            </a:r>
-            <a:r>
+              <a:t>3150</a:t>
+            </a:r>
+            <a:br>
               <a:rPr lang="en-US" sz="3600" dirty="0"/>
-              <a:t>Operating Systems</a:t>
-            </a:r>
+            </a:br>
             <a:endParaRPr lang="en-US" sz="1600" b="0" dirty="0"/>
           </a:p>
         </p:txBody>
       </p:sp>
       <p:sp>
         <p:nvSpPr>
-          <p:cNvPr id="4" name="TextBox 3">
+          <p:cNvPr id="7" name="TextBox 6">
             <a:extLst>
               <a:ext uri="{FF2B5EF4-FFF2-40B4-BE49-F238E27FC236}">
-                <a16:creationId xmlns:a16="http://schemas.microsoft.com/office/drawing/2014/main" id="{D8BF8FA8-3607-FC4B-303A-4C5A91BC53F8}"/>
+                <a16:creationId xmlns:a16="http://schemas.microsoft.com/office/drawing/2014/main" id="{76D54133-2D6D-01F0-16E0-938675560490}"/>
               </a:ext>
             </a:extLst>
           </p:cNvPr>
@@ -8231,8 +4343,8 @@
         </p:nvSpPr>
         <p:spPr>
           <a:xfrm>
-            <a:off x="683568" y="3933058"/>
-            <a:ext cx="7772400" cy="646331"/>
+            <a:off x="683568" y="3933056"/>
+            <a:ext cx="7772400" cy="1200329"/>
           </a:xfrm>
           <a:prstGeom prst="rect">
             <a:avLst/>
@@ -8358,39 +4470,79 @@
               </a:rPr>
               <a:t>Management</a:t>
             </a:r>
-            <a:r>
-              <a:rPr kumimoji="0" lang="zh-CN" altLang="en-US" sz="3600" b="0" i="0" u="none" strike="noStrike" kern="1200" cap="none" spc="0" normalizeH="0" baseline="0" noProof="0" dirty="0">
-                <a:ln>
-                  <a:noFill/>
-                </a:ln>
+          </a:p>
+          <a:p>
+            <a:pPr marL="0" marR="0" lvl="0" indent="0" algn="ctr" defTabSz="914400" rtl="0" eaLnBrk="1" fontAlgn="auto" latinLnBrk="1" hangingPunct="1">
+              <a:lnSpc>
+                <a:spcPct val="100000"/>
+              </a:lnSpc>
+              <a:spcBef>
+                <a:spcPts val="0"/>
+              </a:spcBef>
+              <a:spcAft>
+                <a:spcPts val="0"/>
+              </a:spcAft>
+              <a:buClrTx/>
+              <a:buSzTx/>
+              <a:buFontTx/>
+              <a:buNone/>
+              <a:tabLst/>
+              <a:defRPr/>
+            </a:pPr>
+            <a:r>
+              <a:rPr lang="en-US" altLang="zh-CN" sz="3600" dirty="0">
                 <a:solidFill>
                   <a:prstClr val="black"/>
                 </a:solidFill>
-                <a:effectLst/>
-                <a:uLnTx/>
-                <a:uFillTx/>
                 <a:latin typeface="Arial" panose="020B0604020202020204" pitchFamily="34" charset="0"/>
                 <a:ea typeface="굴림"/>
                 <a:cs typeface="Arial" panose="020B0604020202020204" pitchFamily="34" charset="0"/>
               </a:rPr>
-              <a:t> </a:t>
-            </a:r>
-            <a:r>
-              <a:rPr kumimoji="0" lang="en-US" altLang="zh-CN" sz="3600" b="0" i="0" u="none" strike="noStrike" kern="1200" cap="none" spc="0" normalizeH="0" baseline="0" noProof="0" dirty="0">
-                <a:ln>
-                  <a:noFill/>
-                </a:ln>
+              <a:t>Part</a:t>
+            </a:r>
+            <a:r>
+              <a:rPr lang="zh-CN" altLang="en-US" sz="3600" dirty="0">
                 <a:solidFill>
                   <a:prstClr val="black"/>
                 </a:solidFill>
-                <a:effectLst/>
-                <a:uLnTx/>
-                <a:uFillTx/>
                 <a:latin typeface="Arial" panose="020B0604020202020204" pitchFamily="34" charset="0"/>
                 <a:ea typeface="굴림"/>
                 <a:cs typeface="Arial" panose="020B0604020202020204" pitchFamily="34" charset="0"/>
               </a:rPr>
-              <a:t>I</a:t>
+              <a:t> </a:t>
+            </a:r>
+            <a:r>
+              <a:rPr lang="en-US" altLang="zh-CN" sz="3600" dirty="0">
+                <a:solidFill>
+                  <a:prstClr val="black"/>
+                </a:solidFill>
+                <a:latin typeface="Arial" panose="020B0604020202020204" pitchFamily="34" charset="0"/>
+                <a:ea typeface="굴림"/>
+                <a:cs typeface="Arial" panose="020B0604020202020204" pitchFamily="34" charset="0"/>
+              </a:rPr>
+              <a:t>I:</a:t>
+            </a:r>
+            <a:r>
+              <a:rPr lang="zh-CN" altLang="en-US" sz="3600" dirty="0">
+                <a:solidFill>
+                  <a:prstClr val="black"/>
+                </a:solidFill>
+                <a:latin typeface="Arial" panose="020B0604020202020204" pitchFamily="34" charset="0"/>
+                <a:ea typeface="굴림"/>
+                <a:cs typeface="Arial" panose="020B0604020202020204" pitchFamily="34" charset="0"/>
+              </a:rPr>
+              <a:t> </a:t>
+            </a:r>
+            <a:r>
+              <a:rPr lang="en-US" altLang="zh-CN" sz="3600" dirty="0">
+                <a:solidFill>
+                  <a:prstClr val="black"/>
+                </a:solidFill>
+                <a:latin typeface="Arial" panose="020B0604020202020204" pitchFamily="34" charset="0"/>
+                <a:ea typeface="굴림"/>
+                <a:cs typeface="Arial" panose="020B0604020202020204" pitchFamily="34" charset="0"/>
+              </a:rPr>
+              <a:t>Basics</a:t>
             </a:r>
             <a:endParaRPr kumimoji="0" lang="en-US" sz="3600" b="0" i="0" u="none" strike="noStrike" kern="1200" cap="none" spc="0" normalizeH="0" baseline="0" noProof="0" dirty="0">
               <a:ln>
@@ -8412,7 +4564,7 @@
     </p:spTree>
     <p:extLst>
       <p:ext uri="{BB962C8B-B14F-4D97-AF65-F5344CB8AC3E}">
-        <p14:creationId xmlns:p14="http://schemas.microsoft.com/office/powerpoint/2010/main" val="3144308033"/>
+        <p14:creationId xmlns:p14="http://schemas.microsoft.com/office/powerpoint/2010/main" val="2693174043"/>
       </p:ext>
     </p:extLst>
   </p:cSld>
@@ -8503,52 +4655,6 @@
               </a:rPr>
               <a:t> </a:t>
             </a:r>
-          </a:p>
-        </p:txBody>
-      </p:sp>
-      <p:sp>
-        <p:nvSpPr>
-          <p:cNvPr id="3" name="Footer Placeholder 2">
-            <a:extLst>
-              <a:ext uri="{FF2B5EF4-FFF2-40B4-BE49-F238E27FC236}">
-                <a16:creationId xmlns:a16="http://schemas.microsoft.com/office/drawing/2014/main" id="{AD4784E8-E671-58DB-7E15-9FCFFB04A712}"/>
-              </a:ext>
-            </a:extLst>
-          </p:cNvPr>
-          <p:cNvSpPr>
-            <a:spLocks noGrp="1"/>
-          </p:cNvSpPr>
-          <p:nvPr>
-            <p:ph type="ftr" sz="quarter" idx="3"/>
-          </p:nvPr>
-        </p:nvSpPr>
-        <p:spPr/>
-        <p:txBody>
-          <a:bodyPr/>
-          <a:lstStyle/>
-          <a:p>
-            <a:pPr fontAlgn="base">
-              <a:spcBef>
-                <a:spcPct val="0"/>
-              </a:spcBef>
-              <a:spcAft>
-                <a:spcPct val="0"/>
-              </a:spcAft>
-              <a:defRPr/>
-            </a:pPr>
-            <a:r>
-              <a:rPr kumimoji="1" lang="en-US" altLang="ko-KR">
-                <a:solidFill>
-                  <a:prstClr val="black"/>
-                </a:solidFill>
-              </a:rPr>
-              <a:t>CSCI 3150 Intro to OS</a:t>
-            </a:r>
-            <a:endParaRPr kumimoji="1" lang="ko-KR" altLang="en-US" dirty="0">
-              <a:solidFill>
-                <a:prstClr val="black"/>
-              </a:solidFill>
-            </a:endParaRPr>
           </a:p>
         </p:txBody>
       </p:sp>
@@ -10131,6 +6237,52 @@
           </a:fontRef>
         </p:style>
       </p:cxnSp>
+      <p:sp>
+        <p:nvSpPr>
+          <p:cNvPr id="3" name="Footer Placeholder 2">
+            <a:extLst>
+              <a:ext uri="{FF2B5EF4-FFF2-40B4-BE49-F238E27FC236}">
+                <a16:creationId xmlns:a16="http://schemas.microsoft.com/office/drawing/2014/main" id="{AD4784E8-E671-58DB-7E15-9FCFFB04A712}"/>
+              </a:ext>
+            </a:extLst>
+          </p:cNvPr>
+          <p:cNvSpPr>
+            <a:spLocks noGrp="1"/>
+          </p:cNvSpPr>
+          <p:nvPr>
+            <p:ph type="ftr" sz="quarter" idx="3"/>
+          </p:nvPr>
+        </p:nvSpPr>
+        <p:spPr/>
+        <p:txBody>
+          <a:bodyPr/>
+          <a:lstStyle/>
+          <a:p>
+            <a:pPr fontAlgn="base">
+              <a:spcBef>
+                <a:spcPct val="0"/>
+              </a:spcBef>
+              <a:spcAft>
+                <a:spcPct val="0"/>
+              </a:spcAft>
+              <a:defRPr/>
+            </a:pPr>
+            <a:r>
+              <a:rPr kumimoji="1" lang="en-US" altLang="ko-KR">
+                <a:solidFill>
+                  <a:prstClr val="black"/>
+                </a:solidFill>
+              </a:rPr>
+              <a:t>CSCI 3150 Intro to OS</a:t>
+            </a:r>
+            <a:endParaRPr kumimoji="1" lang="ko-KR" altLang="en-US" dirty="0">
+              <a:solidFill>
+                <a:prstClr val="black"/>
+              </a:solidFill>
+            </a:endParaRPr>
+          </a:p>
+        </p:txBody>
+      </p:sp>
     </p:spTree>
     <p:extLst>
       <p:ext uri="{BB962C8B-B14F-4D97-AF65-F5344CB8AC3E}">
@@ -10206,37 +6358,20 @@
           <a:p>
             <a:r>
               <a:rPr lang="en-US" altLang="ko-KR" sz="1800" dirty="0">
+                <a:latin typeface="Helvetica" charset="0"/>
+                <a:ea typeface="Helvetica" charset="0"/>
                 <a:cs typeface="Helvetica" charset="0"/>
               </a:rPr>
               <a:t>There lacks heap space </a:t>
             </a:r>
             <a:r>
               <a:rPr lang="en-US" altLang="ko-KR" sz="1800" dirty="0">
+                <a:latin typeface="Helvetica" charset="0"/>
+                <a:ea typeface="Helvetica" charset="0"/>
                 <a:cs typeface="Helvetica" charset="0"/>
                 <a:sym typeface="Wingdings"/>
               </a:rPr>
-              <a:t> Ask OS to expand </a:t>
-            </a:r>
-            <a:r>
-              <a:rPr lang="en-US" altLang="zh-CN" sz="1800" dirty="0">
-                <a:cs typeface="Helvetica" charset="0"/>
-                <a:sym typeface="Wingdings"/>
-              </a:rPr>
-              <a:t>the</a:t>
-            </a:r>
-            <a:r>
-              <a:rPr lang="zh-CN" altLang="en-US" sz="1800" dirty="0">
-                <a:cs typeface="Helvetica" charset="0"/>
-                <a:sym typeface="Wingdings"/>
-              </a:rPr>
-              <a:t> </a:t>
-            </a:r>
-            <a:r>
-              <a:rPr lang="en-US" altLang="ko-KR" sz="1800" dirty="0">
-                <a:cs typeface="Helvetica" charset="0"/>
-                <a:sym typeface="Wingdings"/>
-              </a:rPr>
-              <a:t>heap</a:t>
+              <a:t> Ask OS to expand heap</a:t>
             </a:r>
           </a:p>
           <a:p>
@@ -10300,14 +6435,9 @@
               <a:t> </a:t>
             </a:r>
             <a:r>
-              <a:rPr lang="en-US" altLang="zh-CN" sz="1800" dirty="0" err="1"/>
-              <a:t>sysc</a:t>
-            </a:r>
-            <a:r>
-              <a:rPr lang="en-US" altLang="ko-KR" sz="1800" dirty="0" err="1"/>
-              <a:t>all</a:t>
-            </a:r>
-            <a:endParaRPr lang="en-US" altLang="ko-KR" sz="1800" dirty="0"/>
+              <a:rPr lang="en-US" altLang="ko-KR" sz="1800" dirty="0"/>
+              <a:t>system call</a:t>
+            </a:r>
           </a:p>
           <a:p>
             <a:pPr lvl="1"/>
@@ -10480,52 +6610,6 @@
               </a:rPr>
               <a:t> </a:t>
             </a:r>
-          </a:p>
-        </p:txBody>
-      </p:sp>
-      <p:sp>
-        <p:nvSpPr>
-          <p:cNvPr id="6" name="Footer Placeholder 5">
-            <a:extLst>
-              <a:ext uri="{FF2B5EF4-FFF2-40B4-BE49-F238E27FC236}">
-                <a16:creationId xmlns:a16="http://schemas.microsoft.com/office/drawing/2014/main" id="{712466A4-80A5-660E-A993-0155F0720C13}"/>
-              </a:ext>
-            </a:extLst>
-          </p:cNvPr>
-          <p:cNvSpPr>
-            <a:spLocks noGrp="1"/>
-          </p:cNvSpPr>
-          <p:nvPr>
-            <p:ph type="ftr" sz="quarter" idx="3"/>
-          </p:nvPr>
-        </p:nvSpPr>
-        <p:spPr/>
-        <p:txBody>
-          <a:bodyPr/>
-          <a:lstStyle/>
-          <a:p>
-            <a:pPr fontAlgn="base">
-              <a:spcBef>
-                <a:spcPct val="0"/>
-              </a:spcBef>
-              <a:spcAft>
-                <a:spcPct val="0"/>
-              </a:spcAft>
-              <a:defRPr/>
-            </a:pPr>
-            <a:r>
-              <a:rPr kumimoji="1" lang="en-US" altLang="ko-KR">
-                <a:solidFill>
-                  <a:prstClr val="black"/>
-                </a:solidFill>
-              </a:rPr>
-              <a:t>CSCI 3150 Intro to OS</a:t>
-            </a:r>
-            <a:endParaRPr kumimoji="1" lang="ko-KR" altLang="en-US" dirty="0">
-              <a:solidFill>
-                <a:prstClr val="black"/>
-              </a:solidFill>
-            </a:endParaRPr>
           </a:p>
         </p:txBody>
       </p:sp>
@@ -12003,6 +8087,52 @@
               <a:latin typeface="Courier New" pitchFamily="49" charset="0"/>
               <a:ea typeface="맑은 고딕" pitchFamily="50" charset="-127"/>
               <a:cs typeface="Courier New" pitchFamily="49" charset="0"/>
+            </a:endParaRPr>
+          </a:p>
+        </p:txBody>
+      </p:sp>
+      <p:sp>
+        <p:nvSpPr>
+          <p:cNvPr id="6" name="Footer Placeholder 5">
+            <a:extLst>
+              <a:ext uri="{FF2B5EF4-FFF2-40B4-BE49-F238E27FC236}">
+                <a16:creationId xmlns:a16="http://schemas.microsoft.com/office/drawing/2014/main" id="{712466A4-80A5-660E-A993-0155F0720C13}"/>
+              </a:ext>
+            </a:extLst>
+          </p:cNvPr>
+          <p:cNvSpPr>
+            <a:spLocks noGrp="1"/>
+          </p:cNvSpPr>
+          <p:nvPr>
+            <p:ph type="ftr" sz="quarter" idx="3"/>
+          </p:nvPr>
+        </p:nvSpPr>
+        <p:spPr/>
+        <p:txBody>
+          <a:bodyPr/>
+          <a:lstStyle/>
+          <a:p>
+            <a:pPr fontAlgn="base">
+              <a:spcBef>
+                <a:spcPct val="0"/>
+              </a:spcBef>
+              <a:spcAft>
+                <a:spcPct val="0"/>
+              </a:spcAft>
+              <a:defRPr/>
+            </a:pPr>
+            <a:r>
+              <a:rPr kumimoji="1" lang="en-US" altLang="ko-KR">
+                <a:solidFill>
+                  <a:prstClr val="black"/>
+                </a:solidFill>
+              </a:rPr>
+              <a:t>CSCI 3150 Intro to OS</a:t>
+            </a:r>
+            <a:endParaRPr kumimoji="1" lang="ko-KR" altLang="en-US" dirty="0">
+              <a:solidFill>
+                <a:prstClr val="black"/>
+              </a:solidFill>
             </a:endParaRPr>
           </a:p>
         </p:txBody>
@@ -37025,6 +33155,84 @@
       </p:sp>
       <p:sp>
         <p:nvSpPr>
+          <p:cNvPr id="4" name="슬라이드 번호 개체 틀 3"/>
+          <p:cNvSpPr>
+            <a:spLocks noGrp="1"/>
+          </p:cNvSpPr>
+          <p:nvPr>
+            <p:ph type="sldNum" sz="quarter" idx="11"/>
+          </p:nvPr>
+        </p:nvSpPr>
+        <p:spPr/>
+        <p:txBody>
+          <a:bodyPr/>
+          <a:lstStyle/>
+          <a:p>
+            <a:pPr>
+              <a:defRPr/>
+            </a:pPr>
+            <a:fld id="{515CC4ED-1449-4712-AE45-EBC263B4DD26}" type="slidenum">
+              <a:rPr lang="en-US" altLang="ko-KR" smtClean="0">
+                <a:solidFill>
+                  <a:srgbClr val="1F497D">
+                    <a:lumMod val="50000"/>
+                  </a:srgbClr>
+                </a:solidFill>
+              </a:rPr>
+              <a:pPr>
+                <a:defRPr/>
+              </a:pPr>
+              <a:t>35</a:t>
+            </a:fld>
+            <a:r>
+              <a:rPr lang="en-US" altLang="ko-KR">
+                <a:solidFill>
+                  <a:srgbClr val="1F497D">
+                    <a:lumMod val="50000"/>
+                  </a:srgbClr>
+                </a:solidFill>
+              </a:rPr>
+              <a:t> </a:t>
+            </a:r>
+          </a:p>
+        </p:txBody>
+      </p:sp>
+      <p:sp>
+        <p:nvSpPr>
+          <p:cNvPr id="5" name="바닥글 개체 틀 4"/>
+          <p:cNvSpPr>
+            <a:spLocks noGrp="1"/>
+          </p:cNvSpPr>
+          <p:nvPr>
+            <p:ph type="ftr" sz="quarter" idx="3"/>
+          </p:nvPr>
+        </p:nvSpPr>
+        <p:spPr/>
+        <p:txBody>
+          <a:bodyPr/>
+          <a:lstStyle/>
+          <a:p>
+            <a:pPr>
+              <a:defRPr/>
+            </a:pPr>
+            <a:r>
+              <a:rPr lang="en-US" altLang="ko-KR">
+                <a:solidFill>
+                  <a:prstClr val="black"/>
+                </a:solidFill>
+              </a:rPr>
+              <a:t>CSCI 3150 Intro to OS</a:t>
+            </a:r>
+            <a:endParaRPr lang="ko-KR" altLang="en-US">
+              <a:solidFill>
+                <a:prstClr val="black"/>
+              </a:solidFill>
+            </a:endParaRPr>
+          </a:p>
+        </p:txBody>
+      </p:sp>
+      <p:sp>
+        <p:nvSpPr>
           <p:cNvPr id="128" name="내용 개체 틀 127"/>
           <p:cNvSpPr>
             <a:spLocks noGrp="1"/>
@@ -37072,84 +33280,6 @@
               <a:rPr lang="en-US" altLang="ko-KR" dirty="0"/>
               <a:t>Example: virtual address 4200 (01000001101000)</a:t>
             </a:r>
-          </a:p>
-        </p:txBody>
-      </p:sp>
-      <p:sp>
-        <p:nvSpPr>
-          <p:cNvPr id="4" name="슬라이드 번호 개체 틀 3"/>
-          <p:cNvSpPr>
-            <a:spLocks noGrp="1"/>
-          </p:cNvSpPr>
-          <p:nvPr>
-            <p:ph type="sldNum" sz="quarter" idx="11"/>
-          </p:nvPr>
-        </p:nvSpPr>
-        <p:spPr/>
-        <p:txBody>
-          <a:bodyPr/>
-          <a:lstStyle/>
-          <a:p>
-            <a:pPr>
-              <a:defRPr/>
-            </a:pPr>
-            <a:fld id="{515CC4ED-1449-4712-AE45-EBC263B4DD26}" type="slidenum">
-              <a:rPr lang="en-US" altLang="ko-KR" smtClean="0">
-                <a:solidFill>
-                  <a:srgbClr val="1F497D">
-                    <a:lumMod val="50000"/>
-                  </a:srgbClr>
-                </a:solidFill>
-              </a:rPr>
-              <a:pPr>
-                <a:defRPr/>
-              </a:pPr>
-              <a:t>35</a:t>
-            </a:fld>
-            <a:r>
-              <a:rPr lang="en-US" altLang="ko-KR">
-                <a:solidFill>
-                  <a:srgbClr val="1F497D">
-                    <a:lumMod val="50000"/>
-                  </a:srgbClr>
-                </a:solidFill>
-              </a:rPr>
-              <a:t> </a:t>
-            </a:r>
-          </a:p>
-        </p:txBody>
-      </p:sp>
-      <p:sp>
-        <p:nvSpPr>
-          <p:cNvPr id="5" name="바닥글 개체 틀 4"/>
-          <p:cNvSpPr>
-            <a:spLocks noGrp="1"/>
-          </p:cNvSpPr>
-          <p:nvPr>
-            <p:ph type="ftr" sz="quarter" idx="3"/>
-          </p:nvPr>
-        </p:nvSpPr>
-        <p:spPr/>
-        <p:txBody>
-          <a:bodyPr/>
-          <a:lstStyle/>
-          <a:p>
-            <a:pPr>
-              <a:defRPr/>
-            </a:pPr>
-            <a:r>
-              <a:rPr lang="en-US" altLang="ko-KR">
-                <a:solidFill>
-                  <a:prstClr val="black"/>
-                </a:solidFill>
-              </a:rPr>
-              <a:t>CSCI 3150 Intro to OS</a:t>
-            </a:r>
-            <a:endParaRPr lang="ko-KR" altLang="en-US">
-              <a:solidFill>
-                <a:prstClr val="black"/>
-              </a:solidFill>
-            </a:endParaRPr>
           </a:p>
         </p:txBody>
       </p:sp>
@@ -46875,52 +43005,6 @@
       </p:sp>
       <p:sp>
         <p:nvSpPr>
-          <p:cNvPr id="3" name="Footer Placeholder 2">
-            <a:extLst>
-              <a:ext uri="{FF2B5EF4-FFF2-40B4-BE49-F238E27FC236}">
-                <a16:creationId xmlns:a16="http://schemas.microsoft.com/office/drawing/2014/main" id="{A527B310-2E17-35ED-906F-87B93973364D}"/>
-              </a:ext>
-            </a:extLst>
-          </p:cNvPr>
-          <p:cNvSpPr>
-            <a:spLocks noGrp="1"/>
-          </p:cNvSpPr>
-          <p:nvPr>
-            <p:ph type="ftr" sz="quarter" idx="3"/>
-          </p:nvPr>
-        </p:nvSpPr>
-        <p:spPr/>
-        <p:txBody>
-          <a:bodyPr/>
-          <a:lstStyle/>
-          <a:p>
-            <a:pPr fontAlgn="base">
-              <a:spcBef>
-                <a:spcPct val="0"/>
-              </a:spcBef>
-              <a:spcAft>
-                <a:spcPct val="0"/>
-              </a:spcAft>
-              <a:defRPr/>
-            </a:pPr>
-            <a:r>
-              <a:rPr kumimoji="1" lang="en-US" altLang="ko-KR">
-                <a:solidFill>
-                  <a:prstClr val="black"/>
-                </a:solidFill>
-              </a:rPr>
-              <a:t>CSCI 3150 Intro to OS</a:t>
-            </a:r>
-            <a:endParaRPr kumimoji="1" lang="ko-KR" altLang="en-US" dirty="0">
-              <a:solidFill>
-                <a:prstClr val="black"/>
-              </a:solidFill>
-            </a:endParaRPr>
-          </a:p>
-        </p:txBody>
-      </p:sp>
-      <p:sp>
-        <p:nvSpPr>
           <p:cNvPr id="24" name="Oval 23"/>
           <p:cNvSpPr/>
           <p:nvPr/>
@@ -49168,6 +45252,52 @@
           </a:fontRef>
         </p:style>
       </p:cxnSp>
+      <p:sp>
+        <p:nvSpPr>
+          <p:cNvPr id="3" name="Footer Placeholder 2">
+            <a:extLst>
+              <a:ext uri="{FF2B5EF4-FFF2-40B4-BE49-F238E27FC236}">
+                <a16:creationId xmlns:a16="http://schemas.microsoft.com/office/drawing/2014/main" id="{A527B310-2E17-35ED-906F-87B93973364D}"/>
+              </a:ext>
+            </a:extLst>
+          </p:cNvPr>
+          <p:cNvSpPr>
+            <a:spLocks noGrp="1"/>
+          </p:cNvSpPr>
+          <p:nvPr>
+            <p:ph type="ftr" sz="quarter" idx="3"/>
+          </p:nvPr>
+        </p:nvSpPr>
+        <p:spPr/>
+        <p:txBody>
+          <a:bodyPr/>
+          <a:lstStyle/>
+          <a:p>
+            <a:pPr fontAlgn="base">
+              <a:spcBef>
+                <a:spcPct val="0"/>
+              </a:spcBef>
+              <a:spcAft>
+                <a:spcPct val="0"/>
+              </a:spcAft>
+              <a:defRPr/>
+            </a:pPr>
+            <a:r>
+              <a:rPr kumimoji="1" lang="en-US" altLang="ko-KR">
+                <a:solidFill>
+                  <a:prstClr val="black"/>
+                </a:solidFill>
+              </a:rPr>
+              <a:t>CSCI 3150 Intro to OS</a:t>
+            </a:r>
+            <a:endParaRPr kumimoji="1" lang="ko-KR" altLang="en-US" dirty="0">
+              <a:solidFill>
+                <a:prstClr val="black"/>
+              </a:solidFill>
+            </a:endParaRPr>
+          </a:p>
+        </p:txBody>
+      </p:sp>
     </p:spTree>
     <p:extLst>
       <p:ext uri="{BB962C8B-B14F-4D97-AF65-F5344CB8AC3E}">
@@ -49389,52 +45519,6 @@
       </p:sp>
       <p:sp>
         <p:nvSpPr>
-          <p:cNvPr id="6" name="Footer Placeholder 5">
-            <a:extLst>
-              <a:ext uri="{FF2B5EF4-FFF2-40B4-BE49-F238E27FC236}">
-                <a16:creationId xmlns:a16="http://schemas.microsoft.com/office/drawing/2014/main" id="{180F0537-8F20-EBBF-B344-4C2858F38991}"/>
-              </a:ext>
-            </a:extLst>
-          </p:cNvPr>
-          <p:cNvSpPr>
-            <a:spLocks noGrp="1"/>
-          </p:cNvSpPr>
-          <p:nvPr>
-            <p:ph type="ftr" sz="quarter" idx="3"/>
-          </p:nvPr>
-        </p:nvSpPr>
-        <p:spPr/>
-        <p:txBody>
-          <a:bodyPr/>
-          <a:lstStyle/>
-          <a:p>
-            <a:pPr fontAlgn="base">
-              <a:spcBef>
-                <a:spcPct val="0"/>
-              </a:spcBef>
-              <a:spcAft>
-                <a:spcPct val="0"/>
-              </a:spcAft>
-              <a:defRPr/>
-            </a:pPr>
-            <a:r>
-              <a:rPr kumimoji="1" lang="en-US" altLang="ko-KR">
-                <a:solidFill>
-                  <a:prstClr val="black"/>
-                </a:solidFill>
-              </a:rPr>
-              <a:t>CSCI 3150 Intro to OS</a:t>
-            </a:r>
-            <a:endParaRPr kumimoji="1" lang="ko-KR" altLang="en-US" dirty="0">
-              <a:solidFill>
-                <a:prstClr val="black"/>
-              </a:solidFill>
-            </a:endParaRPr>
-          </a:p>
-        </p:txBody>
-      </p:sp>
-      <p:sp>
-        <p:nvSpPr>
           <p:cNvPr id="7" name="직사각형 6"/>
           <p:cNvSpPr/>
           <p:nvPr/>
@@ -49638,6 +45722,52 @@
               </a:rPr>
               <a:t> size)</a:t>
             </a:r>
+          </a:p>
+        </p:txBody>
+      </p:sp>
+      <p:sp>
+        <p:nvSpPr>
+          <p:cNvPr id="6" name="Footer Placeholder 5">
+            <a:extLst>
+              <a:ext uri="{FF2B5EF4-FFF2-40B4-BE49-F238E27FC236}">
+                <a16:creationId xmlns:a16="http://schemas.microsoft.com/office/drawing/2014/main" id="{180F0537-8F20-EBBF-B344-4C2858F38991}"/>
+              </a:ext>
+            </a:extLst>
+          </p:cNvPr>
+          <p:cNvSpPr>
+            <a:spLocks noGrp="1"/>
+          </p:cNvSpPr>
+          <p:nvPr>
+            <p:ph type="ftr" sz="quarter" idx="3"/>
+          </p:nvPr>
+        </p:nvSpPr>
+        <p:spPr/>
+        <p:txBody>
+          <a:bodyPr/>
+          <a:lstStyle/>
+          <a:p>
+            <a:pPr fontAlgn="base">
+              <a:spcBef>
+                <a:spcPct val="0"/>
+              </a:spcBef>
+              <a:spcAft>
+                <a:spcPct val="0"/>
+              </a:spcAft>
+              <a:defRPr/>
+            </a:pPr>
+            <a:r>
+              <a:rPr kumimoji="1" lang="en-US" altLang="ko-KR">
+                <a:solidFill>
+                  <a:prstClr val="black"/>
+                </a:solidFill>
+              </a:rPr>
+              <a:t>CSCI 3150 Intro to OS</a:t>
+            </a:r>
+            <a:endParaRPr kumimoji="1" lang="ko-KR" altLang="en-US" dirty="0">
+              <a:solidFill>
+                <a:prstClr val="black"/>
+              </a:solidFill>
+            </a:endParaRPr>
           </a:p>
         </p:txBody>
       </p:sp>
@@ -49782,23 +45912,7 @@
           <a:p>
             <a:r>
               <a:rPr lang="en-US" altLang="ko-KR" dirty="0"/>
-              <a:t>Two types of results </a:t>
-            </a:r>
-            <a:r>
-              <a:rPr lang="en-US" altLang="zh-CN" dirty="0"/>
-              <a:t>when</a:t>
-            </a:r>
-            <a:r>
-              <a:rPr lang="zh-CN" altLang="en-US" dirty="0"/>
-              <a:t> </a:t>
-            </a:r>
-            <a:r>
-              <a:rPr lang="en-US" altLang="zh-CN" dirty="0"/>
-              <a:t>using</a:t>
-            </a:r>
-            <a:r>
-              <a:rPr lang="en-US" altLang="ko-KR" dirty="0"/>
-              <a:t> </a:t>
+              <a:t>Two types of results of </a:t>
             </a:r>
             <a:r>
               <a:rPr lang="en-US" altLang="ko-KR" dirty="0" err="1">
@@ -49815,73 +45929,10 @@
               <a:t> </a:t>
             </a:r>
             <a:r>
-              <a:rPr lang="en-US" altLang="zh-CN" dirty="0">
+              <a:rPr lang="en-US" altLang="ko-KR" dirty="0" err="1">
                 <a:cs typeface="Courier New" pitchFamily="49" charset="0"/>
               </a:rPr>
-              <a:t>on</a:t>
-            </a:r>
-            <a:r>
-              <a:rPr lang="zh-CN" altLang="en-US" dirty="0">
-                <a:cs typeface="Courier New" pitchFamily="49" charset="0"/>
-              </a:rPr>
-              <a:t> </a:t>
-            </a:r>
-            <a:r>
-              <a:rPr lang="en-US" altLang="ko-KR" dirty="0">
-                <a:cs typeface="Courier New" pitchFamily="49" charset="0"/>
-              </a:rPr>
-              <a:t>variables</a:t>
-            </a:r>
-            <a:r>
-              <a:rPr lang="en-US" altLang="zh-CN" dirty="0">
-                <a:cs typeface="Courier New" pitchFamily="49" charset="0"/>
-              </a:rPr>
-              <a:t>;</a:t>
-            </a:r>
-            <a:r>
-              <a:rPr lang="zh-CN" altLang="en-US" dirty="0">
-                <a:cs typeface="Courier New" pitchFamily="49" charset="0"/>
-              </a:rPr>
-              <a:t> </a:t>
-            </a:r>
-            <a:r>
-              <a:rPr lang="en-US" altLang="zh-CN" dirty="0">
-                <a:solidFill>
-                  <a:schemeClr val="accent6">
-                    <a:lumMod val="75000"/>
-                  </a:schemeClr>
-                </a:solidFill>
-                <a:cs typeface="Courier New" pitchFamily="49" charset="0"/>
-              </a:rPr>
-              <a:t>be</a:t>
-            </a:r>
-            <a:r>
-              <a:rPr lang="zh-CN" altLang="en-US" dirty="0">
-                <a:solidFill>
-                  <a:schemeClr val="accent6">
-                    <a:lumMod val="75000"/>
-                  </a:schemeClr>
-                </a:solidFill>
-                <a:cs typeface="Courier New" pitchFamily="49" charset="0"/>
-              </a:rPr>
-              <a:t> </a:t>
-            </a:r>
-            <a:r>
-              <a:rPr lang="en-US" altLang="zh-CN" dirty="0">
-                <a:solidFill>
-                  <a:schemeClr val="accent6">
-                    <a:lumMod val="75000"/>
-                  </a:schemeClr>
-                </a:solidFill>
-                <a:cs typeface="Courier New" pitchFamily="49" charset="0"/>
-              </a:rPr>
-              <a:t>careful</a:t>
-            </a:r>
-            <a:r>
-              <a:rPr lang="en-US" altLang="zh-CN" dirty="0">
-                <a:cs typeface="Courier New" pitchFamily="49" charset="0"/>
-              </a:rPr>
-              <a:t>…</a:t>
+              <a:t>withvariables</a:t>
             </a:r>
             <a:endParaRPr lang="en-US" altLang="ko-KR" dirty="0">
               <a:cs typeface="Courier New" pitchFamily="49" charset="0"/>
@@ -49975,52 +46026,6 @@
               </a:rPr>
               <a:t> </a:t>
             </a:r>
-          </a:p>
-        </p:txBody>
-      </p:sp>
-      <p:sp>
-        <p:nvSpPr>
-          <p:cNvPr id="7" name="Footer Placeholder 6">
-            <a:extLst>
-              <a:ext uri="{FF2B5EF4-FFF2-40B4-BE49-F238E27FC236}">
-                <a16:creationId xmlns:a16="http://schemas.microsoft.com/office/drawing/2014/main" id="{EFA9F9E9-3295-A7C7-F0C5-98C57F854128}"/>
-              </a:ext>
-            </a:extLst>
-          </p:cNvPr>
-          <p:cNvSpPr>
-            <a:spLocks noGrp="1"/>
-          </p:cNvSpPr>
-          <p:nvPr>
-            <p:ph type="ftr" sz="quarter" idx="3"/>
-          </p:nvPr>
-        </p:nvSpPr>
-        <p:spPr/>
-        <p:txBody>
-          <a:bodyPr/>
-          <a:lstStyle/>
-          <a:p>
-            <a:pPr fontAlgn="base">
-              <a:spcBef>
-                <a:spcPct val="0"/>
-              </a:spcBef>
-              <a:spcAft>
-                <a:spcPct val="0"/>
-              </a:spcAft>
-              <a:defRPr/>
-            </a:pPr>
-            <a:r>
-              <a:rPr kumimoji="1" lang="en-US" altLang="ko-KR">
-                <a:solidFill>
-                  <a:prstClr val="black"/>
-                </a:solidFill>
-              </a:rPr>
-              <a:t>CSCI 3150 Intro to OS</a:t>
-            </a:r>
-            <a:endParaRPr kumimoji="1" lang="ko-KR" altLang="en-US" dirty="0">
-              <a:solidFill>
-                <a:prstClr val="black"/>
-              </a:solidFill>
-            </a:endParaRPr>
           </a:p>
         </p:txBody>
       </p:sp>
@@ -50875,6 +46880,52 @@
               </a:rPr>
               <a:t>40</a:t>
             </a:r>
+          </a:p>
+        </p:txBody>
+      </p:sp>
+      <p:sp>
+        <p:nvSpPr>
+          <p:cNvPr id="7" name="Footer Placeholder 6">
+            <a:extLst>
+              <a:ext uri="{FF2B5EF4-FFF2-40B4-BE49-F238E27FC236}">
+                <a16:creationId xmlns:a16="http://schemas.microsoft.com/office/drawing/2014/main" id="{EFA9F9E9-3295-A7C7-F0C5-98C57F854128}"/>
+              </a:ext>
+            </a:extLst>
+          </p:cNvPr>
+          <p:cNvSpPr>
+            <a:spLocks noGrp="1"/>
+          </p:cNvSpPr>
+          <p:nvPr>
+            <p:ph type="ftr" sz="quarter" idx="3"/>
+          </p:nvPr>
+        </p:nvSpPr>
+        <p:spPr/>
+        <p:txBody>
+          <a:bodyPr/>
+          <a:lstStyle/>
+          <a:p>
+            <a:pPr fontAlgn="base">
+              <a:spcBef>
+                <a:spcPct val="0"/>
+              </a:spcBef>
+              <a:spcAft>
+                <a:spcPct val="0"/>
+              </a:spcAft>
+              <a:defRPr/>
+            </a:pPr>
+            <a:r>
+              <a:rPr kumimoji="1" lang="en-US" altLang="ko-KR">
+                <a:solidFill>
+                  <a:prstClr val="black"/>
+                </a:solidFill>
+              </a:rPr>
+              <a:t>CSCI 3150 Intro to OS</a:t>
+            </a:r>
+            <a:endParaRPr kumimoji="1" lang="ko-KR" altLang="en-US" dirty="0">
+              <a:solidFill>
+                <a:prstClr val="black"/>
+              </a:solidFill>
+            </a:endParaRPr>
           </a:p>
         </p:txBody>
       </p:sp>
@@ -51081,52 +47132,6 @@
       </p:sp>
       <p:sp>
         <p:nvSpPr>
-          <p:cNvPr id="6" name="Footer Placeholder 5">
-            <a:extLst>
-              <a:ext uri="{FF2B5EF4-FFF2-40B4-BE49-F238E27FC236}">
-                <a16:creationId xmlns:a16="http://schemas.microsoft.com/office/drawing/2014/main" id="{D176DB1C-4379-6B9D-0F96-0020E1D1C99E}"/>
-              </a:ext>
-            </a:extLst>
-          </p:cNvPr>
-          <p:cNvSpPr>
-            <a:spLocks noGrp="1"/>
-          </p:cNvSpPr>
-          <p:nvPr>
-            <p:ph type="ftr" sz="quarter" idx="3"/>
-          </p:nvPr>
-        </p:nvSpPr>
-        <p:spPr/>
-        <p:txBody>
-          <a:bodyPr/>
-          <a:lstStyle/>
-          <a:p>
-            <a:pPr fontAlgn="base">
-              <a:spcBef>
-                <a:spcPct val="0"/>
-              </a:spcBef>
-              <a:spcAft>
-                <a:spcPct val="0"/>
-              </a:spcAft>
-              <a:defRPr/>
-            </a:pPr>
-            <a:r>
-              <a:rPr kumimoji="1" lang="en-US" altLang="ko-KR">
-                <a:solidFill>
-                  <a:prstClr val="black"/>
-                </a:solidFill>
-              </a:rPr>
-              <a:t>CSCI 3150 Intro to OS</a:t>
-            </a:r>
-            <a:endParaRPr kumimoji="1" lang="ko-KR" altLang="en-US" dirty="0">
-              <a:solidFill>
-                <a:prstClr val="black"/>
-              </a:solidFill>
-            </a:endParaRPr>
-          </a:p>
-        </p:txBody>
-      </p:sp>
-      <p:sp>
-        <p:nvSpPr>
           <p:cNvPr id="8" name="직사각형 7"/>
           <p:cNvSpPr/>
           <p:nvPr/>
@@ -51363,6 +47368,52 @@
               </a:rPr>
               <a:t>)</a:t>
             </a:r>
+          </a:p>
+        </p:txBody>
+      </p:sp>
+      <p:sp>
+        <p:nvSpPr>
+          <p:cNvPr id="6" name="Footer Placeholder 5">
+            <a:extLst>
+              <a:ext uri="{FF2B5EF4-FFF2-40B4-BE49-F238E27FC236}">
+                <a16:creationId xmlns:a16="http://schemas.microsoft.com/office/drawing/2014/main" id="{D176DB1C-4379-6B9D-0F96-0020E1D1C99E}"/>
+              </a:ext>
+            </a:extLst>
+          </p:cNvPr>
+          <p:cNvSpPr>
+            <a:spLocks noGrp="1"/>
+          </p:cNvSpPr>
+          <p:nvPr>
+            <p:ph type="ftr" sz="quarter" idx="3"/>
+          </p:nvPr>
+        </p:nvSpPr>
+        <p:spPr/>
+        <p:txBody>
+          <a:bodyPr/>
+          <a:lstStyle/>
+          <a:p>
+            <a:pPr fontAlgn="base">
+              <a:spcBef>
+                <a:spcPct val="0"/>
+              </a:spcBef>
+              <a:spcAft>
+                <a:spcPct val="0"/>
+              </a:spcAft>
+              <a:defRPr/>
+            </a:pPr>
+            <a:r>
+              <a:rPr kumimoji="1" lang="en-US" altLang="ko-KR">
+                <a:solidFill>
+                  <a:prstClr val="black"/>
+                </a:solidFill>
+              </a:rPr>
+              <a:t>CSCI 3150 Intro to OS</a:t>
+            </a:r>
+            <a:endParaRPr kumimoji="1" lang="ko-KR" altLang="en-US" dirty="0">
+              <a:solidFill>
+                <a:prstClr val="black"/>
+              </a:solidFill>
+            </a:endParaRPr>
           </a:p>
         </p:txBody>
       </p:sp>
@@ -51460,52 +47511,6 @@
               </a:rPr>
               <a:t> </a:t>
             </a:r>
-          </a:p>
-        </p:txBody>
-      </p:sp>
-      <p:sp>
-        <p:nvSpPr>
-          <p:cNvPr id="3" name="Footer Placeholder 2">
-            <a:extLst>
-              <a:ext uri="{FF2B5EF4-FFF2-40B4-BE49-F238E27FC236}">
-                <a16:creationId xmlns:a16="http://schemas.microsoft.com/office/drawing/2014/main" id="{3638D37E-6E08-C1DE-18E8-FD58F76EE6CF}"/>
-              </a:ext>
-            </a:extLst>
-          </p:cNvPr>
-          <p:cNvSpPr>
-            <a:spLocks noGrp="1"/>
-          </p:cNvSpPr>
-          <p:nvPr>
-            <p:ph type="ftr" sz="quarter" idx="3"/>
-          </p:nvPr>
-        </p:nvSpPr>
-        <p:spPr/>
-        <p:txBody>
-          <a:bodyPr/>
-          <a:lstStyle/>
-          <a:p>
-            <a:pPr fontAlgn="base">
-              <a:spcBef>
-                <a:spcPct val="0"/>
-              </a:spcBef>
-              <a:spcAft>
-                <a:spcPct val="0"/>
-              </a:spcAft>
-              <a:defRPr/>
-            </a:pPr>
-            <a:r>
-              <a:rPr kumimoji="1" lang="en-US" altLang="ko-KR">
-                <a:solidFill>
-                  <a:prstClr val="black"/>
-                </a:solidFill>
-              </a:rPr>
-              <a:t>CSCI 3150 Intro to OS</a:t>
-            </a:r>
-            <a:endParaRPr kumimoji="1" lang="ko-KR" altLang="en-US" dirty="0">
-              <a:solidFill>
-                <a:prstClr val="black"/>
-              </a:solidFill>
-            </a:endParaRPr>
           </a:p>
         </p:txBody>
       </p:sp>
@@ -53356,6 +49361,52 @@
               </a:solidFill>
               <a:latin typeface="맑은 고딕" pitchFamily="50" charset="-127"/>
               <a:ea typeface="맑은 고딕" pitchFamily="50" charset="-127"/>
+            </a:endParaRPr>
+          </a:p>
+        </p:txBody>
+      </p:sp>
+      <p:sp>
+        <p:nvSpPr>
+          <p:cNvPr id="3" name="Footer Placeholder 2">
+            <a:extLst>
+              <a:ext uri="{FF2B5EF4-FFF2-40B4-BE49-F238E27FC236}">
+                <a16:creationId xmlns:a16="http://schemas.microsoft.com/office/drawing/2014/main" id="{3638D37E-6E08-C1DE-18E8-FD58F76EE6CF}"/>
+              </a:ext>
+            </a:extLst>
+          </p:cNvPr>
+          <p:cNvSpPr>
+            <a:spLocks noGrp="1"/>
+          </p:cNvSpPr>
+          <p:nvPr>
+            <p:ph type="ftr" sz="quarter" idx="3"/>
+          </p:nvPr>
+        </p:nvSpPr>
+        <p:spPr/>
+        <p:txBody>
+          <a:bodyPr/>
+          <a:lstStyle/>
+          <a:p>
+            <a:pPr fontAlgn="base">
+              <a:spcBef>
+                <a:spcPct val="0"/>
+              </a:spcBef>
+              <a:spcAft>
+                <a:spcPct val="0"/>
+              </a:spcAft>
+              <a:defRPr/>
+            </a:pPr>
+            <a:r>
+              <a:rPr kumimoji="1" lang="en-US" altLang="ko-KR">
+                <a:solidFill>
+                  <a:prstClr val="black"/>
+                </a:solidFill>
+              </a:rPr>
+              <a:t>CSCI 3150 Intro to OS</a:t>
+            </a:r>
+            <a:endParaRPr kumimoji="1" lang="ko-KR" altLang="en-US" dirty="0">
+              <a:solidFill>
+                <a:prstClr val="black"/>
+              </a:solidFill>
             </a:endParaRPr>
           </a:p>
         </p:txBody>
@@ -54158,795 +50209,6 @@
 </file>
 
 <file path=ppt/theme/theme2.xml><?xml version="1.0" encoding="utf-8"?>
-<a:theme xmlns:a="http://schemas.openxmlformats.org/drawingml/2006/main" name="3150">
-  <a:themeElements>
-    <a:clrScheme name="Office">
-      <a:dk1>
-        <a:sysClr val="windowText" lastClr="000000"/>
-      </a:dk1>
-      <a:lt1>
-        <a:sysClr val="window" lastClr="FFFFFF"/>
-      </a:lt1>
-      <a:dk2>
-        <a:srgbClr val="1F497D"/>
-      </a:dk2>
-      <a:lt2>
-        <a:srgbClr val="EEECE1"/>
-      </a:lt2>
-      <a:accent1>
-        <a:srgbClr val="4F81BD"/>
-      </a:accent1>
-      <a:accent2>
-        <a:srgbClr val="C0504D"/>
-      </a:accent2>
-      <a:accent3>
-        <a:srgbClr val="9BBB59"/>
-      </a:accent3>
-      <a:accent4>
-        <a:srgbClr val="8064A2"/>
-      </a:accent4>
-      <a:accent5>
-        <a:srgbClr val="4BACC6"/>
-      </a:accent5>
-      <a:accent6>
-        <a:srgbClr val="F79646"/>
-      </a:accent6>
-      <a:hlink>
-        <a:srgbClr val="0000FF"/>
-      </a:hlink>
-      <a:folHlink>
-        <a:srgbClr val="800080"/>
-      </a:folHlink>
-    </a:clrScheme>
-    <a:fontScheme name="기본 디자인">
-      <a:majorFont>
-        <a:latin typeface="HY견고딕"/>
-        <a:ea typeface="HY견고딕"/>
-        <a:cs typeface=""/>
-      </a:majorFont>
-      <a:minorFont>
-        <a:latin typeface="굴림"/>
-        <a:ea typeface="굴림"/>
-        <a:cs typeface=""/>
-      </a:minorFont>
-    </a:fontScheme>
-    <a:fmtScheme name="Office">
-      <a:fillStyleLst>
-        <a:solidFill>
-          <a:schemeClr val="phClr"/>
-        </a:solidFill>
-        <a:gradFill rotWithShape="1">
-          <a:gsLst>
-            <a:gs pos="0">
-              <a:schemeClr val="phClr">
-                <a:tint val="50000"/>
-                <a:satMod val="300000"/>
-              </a:schemeClr>
-            </a:gs>
-            <a:gs pos="35000">
-              <a:schemeClr val="phClr">
-                <a:tint val="37000"/>
-                <a:satMod val="300000"/>
-              </a:schemeClr>
-            </a:gs>
-            <a:gs pos="100000">
-              <a:schemeClr val="phClr">
-                <a:tint val="15000"/>
-                <a:satMod val="350000"/>
-              </a:schemeClr>
-            </a:gs>
-          </a:gsLst>
-          <a:lin ang="16200000" scaled="1"/>
-        </a:gradFill>
-        <a:gradFill rotWithShape="1">
-          <a:gsLst>
-            <a:gs pos="0">
-              <a:schemeClr val="phClr">
-                <a:shade val="51000"/>
-                <a:satMod val="130000"/>
-              </a:schemeClr>
-            </a:gs>
-            <a:gs pos="80000">
-              <a:schemeClr val="phClr">
-                <a:shade val="93000"/>
-                <a:satMod val="130000"/>
-              </a:schemeClr>
-            </a:gs>
-            <a:gs pos="100000">
-              <a:schemeClr val="phClr">
-                <a:shade val="94000"/>
-                <a:satMod val="135000"/>
-              </a:schemeClr>
-            </a:gs>
-          </a:gsLst>
-          <a:lin ang="16200000" scaled="0"/>
-        </a:gradFill>
-      </a:fillStyleLst>
-      <a:lnStyleLst>
-        <a:ln w="9525" cap="flat" cmpd="sng" algn="ctr">
-          <a:solidFill>
-            <a:schemeClr val="phClr">
-              <a:shade val="95000"/>
-              <a:satMod val="105000"/>
-            </a:schemeClr>
-          </a:solidFill>
-          <a:prstDash val="solid"/>
-        </a:ln>
-        <a:ln w="25400" cap="flat" cmpd="sng" algn="ctr">
-          <a:solidFill>
-            <a:schemeClr val="phClr"/>
-          </a:solidFill>
-          <a:prstDash val="solid"/>
-        </a:ln>
-        <a:ln w="38100" cap="flat" cmpd="sng" algn="ctr">
-          <a:solidFill>
-            <a:schemeClr val="phClr"/>
-          </a:solidFill>
-          <a:prstDash val="solid"/>
-        </a:ln>
-      </a:lnStyleLst>
-      <a:effectStyleLst>
-        <a:effectStyle>
-          <a:effectLst>
-            <a:outerShdw blurRad="40000" dist="20000" dir="5400000" rotWithShape="0">
-              <a:srgbClr val="000000">
-                <a:alpha val="38000"/>
-              </a:srgbClr>
-            </a:outerShdw>
-          </a:effectLst>
-        </a:effectStyle>
-        <a:effectStyle>
-          <a:effectLst>
-            <a:outerShdw blurRad="40000" dist="23000" dir="5400000" rotWithShape="0">
-              <a:srgbClr val="000000">
-                <a:alpha val="35000"/>
-              </a:srgbClr>
-            </a:outerShdw>
-          </a:effectLst>
-        </a:effectStyle>
-        <a:effectStyle>
-          <a:effectLst>
-            <a:outerShdw blurRad="40000" dist="23000" dir="5400000" rotWithShape="0">
-              <a:srgbClr val="000000">
-                <a:alpha val="35000"/>
-              </a:srgbClr>
-            </a:outerShdw>
-          </a:effectLst>
-          <a:scene3d>
-            <a:camera prst="orthographicFront">
-              <a:rot lat="0" lon="0" rev="0"/>
-            </a:camera>
-            <a:lightRig rig="threePt" dir="t">
-              <a:rot lat="0" lon="0" rev="1200000"/>
-            </a:lightRig>
-          </a:scene3d>
-          <a:sp3d>
-            <a:bevelT w="63500" h="25400"/>
-          </a:sp3d>
-        </a:effectStyle>
-      </a:effectStyleLst>
-      <a:bgFillStyleLst>
-        <a:solidFill>
-          <a:schemeClr val="phClr"/>
-        </a:solidFill>
-        <a:gradFill rotWithShape="1">
-          <a:gsLst>
-            <a:gs pos="0">
-              <a:schemeClr val="phClr">
-                <a:tint val="40000"/>
-                <a:satMod val="350000"/>
-              </a:schemeClr>
-            </a:gs>
-            <a:gs pos="40000">
-              <a:schemeClr val="phClr">
-                <a:tint val="45000"/>
-                <a:shade val="99000"/>
-                <a:satMod val="350000"/>
-              </a:schemeClr>
-            </a:gs>
-            <a:gs pos="100000">
-              <a:schemeClr val="phClr">
-                <a:shade val="20000"/>
-                <a:satMod val="255000"/>
-              </a:schemeClr>
-            </a:gs>
-          </a:gsLst>
-          <a:path path="circle">
-            <a:fillToRect l="50000" t="-80000" r="50000" b="180000"/>
-          </a:path>
-        </a:gradFill>
-        <a:gradFill rotWithShape="1">
-          <a:gsLst>
-            <a:gs pos="0">
-              <a:schemeClr val="phClr">
-                <a:tint val="80000"/>
-                <a:satMod val="300000"/>
-              </a:schemeClr>
-            </a:gs>
-            <a:gs pos="100000">
-              <a:schemeClr val="phClr">
-                <a:shade val="30000"/>
-                <a:satMod val="200000"/>
-              </a:schemeClr>
-            </a:gs>
-          </a:gsLst>
-          <a:path path="circle">
-            <a:fillToRect l="50000" t="50000" r="50000" b="50000"/>
-          </a:path>
-        </a:gradFill>
-      </a:bgFillStyleLst>
-    </a:fmtScheme>
-  </a:themeElements>
-  <a:objectDefaults>
-    <a:spDef>
-      <a:spPr>
-        <a:solidFill>
-          <a:schemeClr val="bg1"/>
-        </a:solidFill>
-        <a:ln w="9525">
-          <a:solidFill>
-            <a:schemeClr val="tx1"/>
-          </a:solidFill>
-        </a:ln>
-      </a:spPr>
-      <a:bodyPr lIns="252000" rtlCol="0" anchor="ctr"/>
-      <a:lstStyle>
-        <a:defPPr>
-          <a:defRPr sz="1600" dirty="0" smtClean="0">
-            <a:solidFill>
-              <a:srgbClr val="00B050"/>
-            </a:solidFill>
-            <a:latin typeface="Courier New" pitchFamily="49" charset="0"/>
-            <a:ea typeface="맑은 고딕" pitchFamily="50" charset="-127"/>
-            <a:cs typeface="Courier New" pitchFamily="49" charset="0"/>
-          </a:defRPr>
-        </a:defPPr>
-      </a:lstStyle>
-      <a:style>
-        <a:lnRef idx="3">
-          <a:schemeClr val="lt1"/>
-        </a:lnRef>
-        <a:fillRef idx="1">
-          <a:schemeClr val="accent1"/>
-        </a:fillRef>
-        <a:effectRef idx="1">
-          <a:schemeClr val="accent1"/>
-        </a:effectRef>
-        <a:fontRef idx="minor">
-          <a:schemeClr val="lt1"/>
-        </a:fontRef>
-      </a:style>
-    </a:spDef>
-    <a:lnDef>
-      <a:spPr>
-        <a:ln w="12700">
-          <a:solidFill>
-            <a:schemeClr val="tx1"/>
-          </a:solidFill>
-          <a:tailEnd type="triangle"/>
-        </a:ln>
-      </a:spPr>
-      <a:bodyPr/>
-      <a:lstStyle/>
-      <a:style>
-        <a:lnRef idx="1">
-          <a:schemeClr val="accent1"/>
-        </a:lnRef>
-        <a:fillRef idx="0">
-          <a:schemeClr val="accent1"/>
-        </a:fillRef>
-        <a:effectRef idx="0">
-          <a:schemeClr val="accent1"/>
-        </a:effectRef>
-        <a:fontRef idx="minor">
-          <a:schemeClr val="tx1"/>
-        </a:fontRef>
-      </a:style>
-    </a:lnDef>
-  </a:objectDefaults>
-  <a:extraClrSchemeLst>
-    <a:extraClrScheme>
-      <a:clrScheme name="기본 디자인 1">
-        <a:dk1>
-          <a:srgbClr val="000000"/>
-        </a:dk1>
-        <a:lt1>
-          <a:srgbClr val="FFFFFF"/>
-        </a:lt1>
-        <a:dk2>
-          <a:srgbClr val="000000"/>
-        </a:dk2>
-        <a:lt2>
-          <a:srgbClr val="808080"/>
-        </a:lt2>
-        <a:accent1>
-          <a:srgbClr val="BBE0E3"/>
-        </a:accent1>
-        <a:accent2>
-          <a:srgbClr val="333399"/>
-        </a:accent2>
-        <a:accent3>
-          <a:srgbClr val="FFFFFF"/>
-        </a:accent3>
-        <a:accent4>
-          <a:srgbClr val="000000"/>
-        </a:accent4>
-        <a:accent5>
-          <a:srgbClr val="DAEDEF"/>
-        </a:accent5>
-        <a:accent6>
-          <a:srgbClr val="2D2D8A"/>
-        </a:accent6>
-        <a:hlink>
-          <a:srgbClr val="009999"/>
-        </a:hlink>
-        <a:folHlink>
-          <a:srgbClr val="99CC00"/>
-        </a:folHlink>
-      </a:clrScheme>
-      <a:clrMap bg1="lt1" tx1="dk1" bg2="lt2" tx2="dk2" accent1="accent1" accent2="accent2" accent3="accent3" accent4="accent4" accent5="accent5" accent6="accent6" hlink="hlink" folHlink="folHlink"/>
-    </a:extraClrScheme>
-    <a:extraClrScheme>
-      <a:clrScheme name="기본 디자인 2">
-        <a:dk1>
-          <a:srgbClr val="000000"/>
-        </a:dk1>
-        <a:lt1>
-          <a:srgbClr val="FFFFFF"/>
-        </a:lt1>
-        <a:dk2>
-          <a:srgbClr val="000000"/>
-        </a:dk2>
-        <a:lt2>
-          <a:srgbClr val="969696"/>
-        </a:lt2>
-        <a:accent1>
-          <a:srgbClr val="FBDF53"/>
-        </a:accent1>
-        <a:accent2>
-          <a:srgbClr val="FF9966"/>
-        </a:accent2>
-        <a:accent3>
-          <a:srgbClr val="FFFFFF"/>
-        </a:accent3>
-        <a:accent4>
-          <a:srgbClr val="000000"/>
-        </a:accent4>
-        <a:accent5>
-          <a:srgbClr val="FDECB3"/>
-        </a:accent5>
-        <a:accent6>
-          <a:srgbClr val="E78A5C"/>
-        </a:accent6>
-        <a:hlink>
-          <a:srgbClr val="CC3300"/>
-        </a:hlink>
-        <a:folHlink>
-          <a:srgbClr val="996600"/>
-        </a:folHlink>
-      </a:clrScheme>
-      <a:clrMap bg1="lt1" tx1="dk1" bg2="lt2" tx2="dk2" accent1="accent1" accent2="accent2" accent3="accent3" accent4="accent4" accent5="accent5" accent6="accent6" hlink="hlink" folHlink="folHlink"/>
-    </a:extraClrScheme>
-    <a:extraClrScheme>
-      <a:clrScheme name="기본 디자인 3">
-        <a:dk1>
-          <a:srgbClr val="000000"/>
-        </a:dk1>
-        <a:lt1>
-          <a:srgbClr val="FFFFFF"/>
-        </a:lt1>
-        <a:dk2>
-          <a:srgbClr val="000000"/>
-        </a:dk2>
-        <a:lt2>
-          <a:srgbClr val="808080"/>
-        </a:lt2>
-        <a:accent1>
-          <a:srgbClr val="99CCFF"/>
-        </a:accent1>
-        <a:accent2>
-          <a:srgbClr val="CCCCFF"/>
-        </a:accent2>
-        <a:accent3>
-          <a:srgbClr val="FFFFFF"/>
-        </a:accent3>
-        <a:accent4>
-          <a:srgbClr val="000000"/>
-        </a:accent4>
-        <a:accent5>
-          <a:srgbClr val="CAE2FF"/>
-        </a:accent5>
-        <a:accent6>
-          <a:srgbClr val="B9B9E7"/>
-        </a:accent6>
-        <a:hlink>
-          <a:srgbClr val="3333CC"/>
-        </a:hlink>
-        <a:folHlink>
-          <a:srgbClr val="AF67FF"/>
-        </a:folHlink>
-      </a:clrScheme>
-      <a:clrMap bg1="lt1" tx1="dk1" bg2="lt2" tx2="dk2" accent1="accent1" accent2="accent2" accent3="accent3" accent4="accent4" accent5="accent5" accent6="accent6" hlink="hlink" folHlink="folHlink"/>
-    </a:extraClrScheme>
-    <a:extraClrScheme>
-      <a:clrScheme name="기본 디자인 4">
-        <a:dk1>
-          <a:srgbClr val="000000"/>
-        </a:dk1>
-        <a:lt1>
-          <a:srgbClr val="DEF6F1"/>
-        </a:lt1>
-        <a:dk2>
-          <a:srgbClr val="000000"/>
-        </a:dk2>
-        <a:lt2>
-          <a:srgbClr val="969696"/>
-        </a:lt2>
-        <a:accent1>
-          <a:srgbClr val="FFFFFF"/>
-        </a:accent1>
-        <a:accent2>
-          <a:srgbClr val="8DC6FF"/>
-        </a:accent2>
-        <a:accent3>
-          <a:srgbClr val="ECFAF7"/>
-        </a:accent3>
-        <a:accent4>
-          <a:srgbClr val="000000"/>
-        </a:accent4>
-        <a:accent5>
-          <a:srgbClr val="FFFFFF"/>
-        </a:accent5>
-        <a:accent6>
-          <a:srgbClr val="7FB3E7"/>
-        </a:accent6>
-        <a:hlink>
-          <a:srgbClr val="0066CC"/>
-        </a:hlink>
-        <a:folHlink>
-          <a:srgbClr val="00A800"/>
-        </a:folHlink>
-      </a:clrScheme>
-      <a:clrMap bg1="lt1" tx1="dk1" bg2="lt2" tx2="dk2" accent1="accent1" accent2="accent2" accent3="accent3" accent4="accent4" accent5="accent5" accent6="accent6" hlink="hlink" folHlink="folHlink"/>
-    </a:extraClrScheme>
-    <a:extraClrScheme>
-      <a:clrScheme name="기본 디자인 5">
-        <a:dk1>
-          <a:srgbClr val="000000"/>
-        </a:dk1>
-        <a:lt1>
-          <a:srgbClr val="FFFFD9"/>
-        </a:lt1>
-        <a:dk2>
-          <a:srgbClr val="000000"/>
-        </a:dk2>
-        <a:lt2>
-          <a:srgbClr val="777777"/>
-        </a:lt2>
-        <a:accent1>
-          <a:srgbClr val="FFFFF7"/>
-        </a:accent1>
-        <a:accent2>
-          <a:srgbClr val="33CCCC"/>
-        </a:accent2>
-        <a:accent3>
-          <a:srgbClr val="FFFFE9"/>
-        </a:accent3>
-        <a:accent4>
-          <a:srgbClr val="000000"/>
-        </a:accent4>
-        <a:accent5>
-          <a:srgbClr val="FFFFFA"/>
-        </a:accent5>
-        <a:accent6>
-          <a:srgbClr val="2DB9B9"/>
-        </a:accent6>
-        <a:hlink>
-          <a:srgbClr val="FF5050"/>
-        </a:hlink>
-        <a:folHlink>
-          <a:srgbClr val="FF9900"/>
-        </a:folHlink>
-      </a:clrScheme>
-      <a:clrMap bg1="lt1" tx1="dk1" bg2="lt2" tx2="dk2" accent1="accent1" accent2="accent2" accent3="accent3" accent4="accent4" accent5="accent5" accent6="accent6" hlink="hlink" folHlink="folHlink"/>
-    </a:extraClrScheme>
-    <a:extraClrScheme>
-      <a:clrScheme name="기본 디자인 6">
-        <a:dk1>
-          <a:srgbClr val="005A58"/>
-        </a:dk1>
-        <a:lt1>
-          <a:srgbClr val="FFFFFF"/>
-        </a:lt1>
-        <a:dk2>
-          <a:srgbClr val="008080"/>
-        </a:dk2>
-        <a:lt2>
-          <a:srgbClr val="FFFF99"/>
-        </a:lt2>
-        <a:accent1>
-          <a:srgbClr val="006462"/>
-        </a:accent1>
-        <a:accent2>
-          <a:srgbClr val="6D6FC7"/>
-        </a:accent2>
-        <a:accent3>
-          <a:srgbClr val="AAC0C0"/>
-        </a:accent3>
-        <a:accent4>
-          <a:srgbClr val="DADADA"/>
-        </a:accent4>
-        <a:accent5>
-          <a:srgbClr val="AAB8B7"/>
-        </a:accent5>
-        <a:accent6>
-          <a:srgbClr val="6264B4"/>
-        </a:accent6>
-        <a:hlink>
-          <a:srgbClr val="00FFFF"/>
-        </a:hlink>
-        <a:folHlink>
-          <a:srgbClr val="00FF00"/>
-        </a:folHlink>
-      </a:clrScheme>
-      <a:clrMap bg1="dk2" tx1="lt1" bg2="dk1" tx2="lt2" accent1="accent1" accent2="accent2" accent3="accent3" accent4="accent4" accent5="accent5" accent6="accent6" hlink="hlink" folHlink="folHlink"/>
-    </a:extraClrScheme>
-    <a:extraClrScheme>
-      <a:clrScheme name="기본 디자인 7">
-        <a:dk1>
-          <a:srgbClr val="5C1F00"/>
-        </a:dk1>
-        <a:lt1>
-          <a:srgbClr val="FFFFFF"/>
-        </a:lt1>
-        <a:dk2>
-          <a:srgbClr val="800000"/>
-        </a:dk2>
-        <a:lt2>
-          <a:srgbClr val="DFD293"/>
-        </a:lt2>
-        <a:accent1>
-          <a:srgbClr val="CC3300"/>
-        </a:accent1>
-        <a:accent2>
-          <a:srgbClr val="BE7960"/>
-        </a:accent2>
-        <a:accent3>
-          <a:srgbClr val="C0AAAA"/>
-        </a:accent3>
-        <a:accent4>
-          <a:srgbClr val="DADADA"/>
-        </a:accent4>
-        <a:accent5>
-          <a:srgbClr val="E2ADAA"/>
-        </a:accent5>
-        <a:accent6>
-          <a:srgbClr val="AC6D56"/>
-        </a:accent6>
-        <a:hlink>
-          <a:srgbClr val="FFFF99"/>
-        </a:hlink>
-        <a:folHlink>
-          <a:srgbClr val="D3A219"/>
-        </a:folHlink>
-      </a:clrScheme>
-      <a:clrMap bg1="dk2" tx1="lt1" bg2="dk1" tx2="lt2" accent1="accent1" accent2="accent2" accent3="accent3" accent4="accent4" accent5="accent5" accent6="accent6" hlink="hlink" folHlink="folHlink"/>
-    </a:extraClrScheme>
-    <a:extraClrScheme>
-      <a:clrScheme name="기본 디자인 8">
-        <a:dk1>
-          <a:srgbClr val="003366"/>
-        </a:dk1>
-        <a:lt1>
-          <a:srgbClr val="FFFFFF"/>
-        </a:lt1>
-        <a:dk2>
-          <a:srgbClr val="000099"/>
-        </a:dk2>
-        <a:lt2>
-          <a:srgbClr val="CCFFFF"/>
-        </a:lt2>
-        <a:accent1>
-          <a:srgbClr val="3366CC"/>
-        </a:accent1>
-        <a:accent2>
-          <a:srgbClr val="00B000"/>
-        </a:accent2>
-        <a:accent3>
-          <a:srgbClr val="AAAACA"/>
-        </a:accent3>
-        <a:accent4>
-          <a:srgbClr val="DADADA"/>
-        </a:accent4>
-        <a:accent5>
-          <a:srgbClr val="ADB8E2"/>
-        </a:accent5>
-        <a:accent6>
-          <a:srgbClr val="009F00"/>
-        </a:accent6>
-        <a:hlink>
-          <a:srgbClr val="66CCFF"/>
-        </a:hlink>
-        <a:folHlink>
-          <a:srgbClr val="FFE701"/>
-        </a:folHlink>
-      </a:clrScheme>
-      <a:clrMap bg1="dk2" tx1="lt1" bg2="dk1" tx2="lt2" accent1="accent1" accent2="accent2" accent3="accent3" accent4="accent4" accent5="accent5" accent6="accent6" hlink="hlink" folHlink="folHlink"/>
-    </a:extraClrScheme>
-    <a:extraClrScheme>
-      <a:clrScheme name="기본 디자인 9">
-        <a:dk1>
-          <a:srgbClr val="336699"/>
-        </a:dk1>
-        <a:lt1>
-          <a:srgbClr val="FFFFFF"/>
-        </a:lt1>
-        <a:dk2>
-          <a:srgbClr val="000000"/>
-        </a:dk2>
-        <a:lt2>
-          <a:srgbClr val="E3EBF1"/>
-        </a:lt2>
-        <a:accent1>
-          <a:srgbClr val="003399"/>
-        </a:accent1>
-        <a:accent2>
-          <a:srgbClr val="468A4B"/>
-        </a:accent2>
-        <a:accent3>
-          <a:srgbClr val="AAAAAA"/>
-        </a:accent3>
-        <a:accent4>
-          <a:srgbClr val="DADADA"/>
-        </a:accent4>
-        <a:accent5>
-          <a:srgbClr val="AAADCA"/>
-        </a:accent5>
-        <a:accent6>
-          <a:srgbClr val="3F7D43"/>
-        </a:accent6>
-        <a:hlink>
-          <a:srgbClr val="66CCFF"/>
-        </a:hlink>
-        <a:folHlink>
-          <a:srgbClr val="F0E500"/>
-        </a:folHlink>
-      </a:clrScheme>
-      <a:clrMap bg1="dk2" tx1="lt1" bg2="dk1" tx2="lt2" accent1="accent1" accent2="accent2" accent3="accent3" accent4="accent4" accent5="accent5" accent6="accent6" hlink="hlink" folHlink="folHlink"/>
-    </a:extraClrScheme>
-    <a:extraClrScheme>
-      <a:clrScheme name="기본 디자인 10">
-        <a:dk1>
-          <a:srgbClr val="777777"/>
-        </a:dk1>
-        <a:lt1>
-          <a:srgbClr val="FFFFFF"/>
-        </a:lt1>
-        <a:dk2>
-          <a:srgbClr val="686B5D"/>
-        </a:dk2>
-        <a:lt2>
-          <a:srgbClr val="D1D1CB"/>
-        </a:lt2>
-        <a:accent1>
-          <a:srgbClr val="909082"/>
-        </a:accent1>
-        <a:accent2>
-          <a:srgbClr val="809EA8"/>
-        </a:accent2>
-        <a:accent3>
-          <a:srgbClr val="B9BAB6"/>
-        </a:accent3>
-        <a:accent4>
-          <a:srgbClr val="DADADA"/>
-        </a:accent4>
-        <a:accent5>
-          <a:srgbClr val="C6C6C1"/>
-        </a:accent5>
-        <a:accent6>
-          <a:srgbClr val="738F98"/>
-        </a:accent6>
-        <a:hlink>
-          <a:srgbClr val="FFCC66"/>
-        </a:hlink>
-        <a:folHlink>
-          <a:srgbClr val="E9DCB9"/>
-        </a:folHlink>
-      </a:clrScheme>
-      <a:clrMap bg1="dk2" tx1="lt1" bg2="dk1" tx2="lt2" accent1="accent1" accent2="accent2" accent3="accent3" accent4="accent4" accent5="accent5" accent6="accent6" hlink="hlink" folHlink="folHlink"/>
-    </a:extraClrScheme>
-    <a:extraClrScheme>
-      <a:clrScheme name="기본 디자인 11">
-        <a:dk1>
-          <a:srgbClr val="3E3E5C"/>
-        </a:dk1>
-        <a:lt1>
-          <a:srgbClr val="FFFFFF"/>
-        </a:lt1>
-        <a:dk2>
-          <a:srgbClr val="666699"/>
-        </a:dk2>
-        <a:lt2>
-          <a:srgbClr val="FFFFFF"/>
-        </a:lt2>
-        <a:accent1>
-          <a:srgbClr val="60597B"/>
-        </a:accent1>
-        <a:accent2>
-          <a:srgbClr val="6666FF"/>
-        </a:accent2>
-        <a:accent3>
-          <a:srgbClr val="B8B8CA"/>
-        </a:accent3>
-        <a:accent4>
-          <a:srgbClr val="DADADA"/>
-        </a:accent4>
-        <a:accent5>
-          <a:srgbClr val="B6B5BF"/>
-        </a:accent5>
-        <a:accent6>
-          <a:srgbClr val="5C5CE7"/>
-        </a:accent6>
-        <a:hlink>
-          <a:srgbClr val="99CCFF"/>
-        </a:hlink>
-        <a:folHlink>
-          <a:srgbClr val="FFFF99"/>
-        </a:folHlink>
-      </a:clrScheme>
-      <a:clrMap bg1="dk2" tx1="lt1" bg2="dk1" tx2="lt2" accent1="accent1" accent2="accent2" accent3="accent3" accent4="accent4" accent5="accent5" accent6="accent6" hlink="hlink" folHlink="folHlink"/>
-    </a:extraClrScheme>
-    <a:extraClrScheme>
-      <a:clrScheme name="기본 디자인 12">
-        <a:dk1>
-          <a:srgbClr val="2D2015"/>
-        </a:dk1>
-        <a:lt1>
-          <a:srgbClr val="FFFFFF"/>
-        </a:lt1>
-        <a:dk2>
-          <a:srgbClr val="523E26"/>
-        </a:dk2>
-        <a:lt2>
-          <a:srgbClr val="DFC08D"/>
-        </a:lt2>
-        <a:accent1>
-          <a:srgbClr val="8C7B70"/>
-        </a:accent1>
-        <a:accent2>
-          <a:srgbClr val="8F5F2F"/>
-        </a:accent2>
-        <a:accent3>
-          <a:srgbClr val="B3AFAC"/>
-        </a:accent3>
-        <a:accent4>
-          <a:srgbClr val="DADADA"/>
-        </a:accent4>
-        <a:accent5>
-          <a:srgbClr val="C5BFBB"/>
-        </a:accent5>
-        <a:accent6>
-          <a:srgbClr val="81552A"/>
-        </a:accent6>
-        <a:hlink>
-          <a:srgbClr val="CCB400"/>
-        </a:hlink>
-        <a:folHlink>
-          <a:srgbClr val="8C9EA0"/>
-        </a:folHlink>
-      </a:clrScheme>
-      <a:clrMap bg1="dk2" tx1="lt1" bg2="dk1" tx2="lt2" accent1="accent1" accent2="accent2" accent3="accent3" accent4="accent4" accent5="accent5" accent6="accent6" hlink="hlink" folHlink="folHlink"/>
-    </a:extraClrScheme>
-  </a:extraClrSchemeLst>
-  <a:extLst>
-    <a:ext uri="{05A4C25C-085E-4340-85A3-A5531E510DB2}">
-      <thm15:themeFamily xmlns:thm15="http://schemas.microsoft.com/office/thememl/2012/main" name="3150" id="{A0668890-14E8-504C-BDE5-56F8D213D484}" vid="{C450123E-4AB0-874E-B7E9-094A18E341B6}"/>
-    </a:ext>
-  </a:extLst>
-</a:theme>
-</file>
-
-<file path=ppt/theme/theme3.xml><?xml version="1.0" encoding="utf-8"?>
 <a:theme xmlns:a="http://schemas.openxmlformats.org/drawingml/2006/main" name="Office 테마">
   <a:themeElements>
     <a:clrScheme name="Office">
